--- a/Presentation/A New Adaptive Query Tree on Resolving RFID.pptx
+++ b/Presentation/A New Adaptive Query Tree on Resolving RFID.pptx
@@ -10,12 +10,22 @@
     <p:sldId id="258" r:id="rId4"/>
     <p:sldId id="259" r:id="rId5"/>
     <p:sldId id="260" r:id="rId6"/>
-    <p:sldId id="261" r:id="rId7"/>
-    <p:sldId id="262" r:id="rId8"/>
-    <p:sldId id="263" r:id="rId9"/>
-    <p:sldId id="264" r:id="rId10"/>
-    <p:sldId id="265" r:id="rId11"/>
-    <p:sldId id="266" r:id="rId12"/>
+    <p:sldId id="267" r:id="rId7"/>
+    <p:sldId id="268" r:id="rId8"/>
+    <p:sldId id="269" r:id="rId9"/>
+    <p:sldId id="270" r:id="rId10"/>
+    <p:sldId id="271" r:id="rId11"/>
+    <p:sldId id="261" r:id="rId12"/>
+    <p:sldId id="272" r:id="rId13"/>
+    <p:sldId id="273" r:id="rId14"/>
+    <p:sldId id="274" r:id="rId15"/>
+    <p:sldId id="275" r:id="rId16"/>
+    <p:sldId id="276" r:id="rId17"/>
+    <p:sldId id="277" r:id="rId18"/>
+    <p:sldId id="263" r:id="rId19"/>
+    <p:sldId id="264" r:id="rId20"/>
+    <p:sldId id="265" r:id="rId21"/>
+    <p:sldId id="266" r:id="rId22"/>
   </p:sldIdLst>
   <p:sldSz cx="12192000" cy="6858000"/>
   <p:notesSz cx="6858000" cy="9144000"/>
@@ -3866,14 +3876,31 @@
         </p:nvSpPr>
         <p:spPr/>
         <p:txBody>
-          <a:bodyPr/>
+          <a:bodyPr>
+            <a:normAutofit/>
+          </a:bodyPr>
           <a:lstStyle/>
           <a:p>
             <a:r>
-              <a:rPr lang="pt-BR" dirty="0" smtClean="0"/>
-              <a:t>Experimentos</a:t>
-            </a:r>
-            <a:endParaRPr lang="en-US" dirty="0"/>
+              <a:rPr lang="pt-BR" sz="4000" dirty="0" smtClean="0"/>
+              <a:t>Introdução - </a:t>
+            </a:r>
+            <a:r>
+              <a:rPr lang="en-US" sz="4000" i="1" dirty="0"/>
+              <a:t>M-</a:t>
+            </a:r>
+            <a:r>
+              <a:rPr lang="en-US" sz="4000" i="1" dirty="0" err="1"/>
+              <a:t>ary</a:t>
+            </a:r>
+            <a:r>
+              <a:rPr lang="en-US" sz="4000" i="1" dirty="0"/>
+              <a:t> tree based Query Tree </a:t>
+            </a:r>
+            <a:r>
+              <a:rPr lang="en-US" sz="4000" dirty="0"/>
+              <a:t>(MQT)</a:t>
+            </a:r>
           </a:p>
         </p:txBody>
       </p:sp>
@@ -3887,19 +3914,292 @@
             <p:ph idx="1"/>
           </p:nvPr>
         </p:nvSpPr>
-        <p:spPr/>
-        <p:txBody>
-          <a:bodyPr/>
+        <p:spPr>
+          <a:xfrm>
+            <a:off x="1097280" y="1845734"/>
+            <a:ext cx="4582302" cy="4168700"/>
+          </a:xfrm>
+        </p:spPr>
+        <p:txBody>
+          <a:bodyPr>
+            <a:normAutofit/>
+          </a:bodyPr>
           <a:lstStyle/>
           <a:p>
-            <a:endParaRPr lang="en-US"/>
+            <a:pPr lvl="1">
+              <a:buFont typeface="Arial" panose="020B0604020202020204" pitchFamily="34" charset="0"/>
+              <a:buChar char="•"/>
+            </a:pPr>
+            <a:r>
+              <a:rPr lang="pt-BR" sz="3200" dirty="0" smtClean="0"/>
+              <a:t>Exemplo</a:t>
+            </a:r>
+          </a:p>
+          <a:p>
+            <a:pPr lvl="2">
+              <a:buFont typeface="Arial" panose="020B0604020202020204" pitchFamily="34" charset="0"/>
+              <a:buChar char="•"/>
+            </a:pPr>
+            <a:r>
+              <a:rPr lang="pt-BR" sz="2800" dirty="0" err="1" smtClean="0"/>
+              <a:t>Tags</a:t>
+            </a:r>
+            <a:r>
+              <a:rPr lang="pt-BR" sz="2800" dirty="0" smtClean="0"/>
+              <a:t>: {</a:t>
+            </a:r>
+            <a:r>
+              <a:rPr lang="pt-BR" sz="2800" strike="sngStrike" dirty="0" smtClean="0"/>
+              <a:t>000000</a:t>
+            </a:r>
+            <a:r>
+              <a:rPr lang="pt-BR" sz="2800" dirty="0" smtClean="0"/>
+              <a:t>, </a:t>
+            </a:r>
+            <a:r>
+              <a:rPr lang="pt-BR" sz="2800" strike="sngStrike" dirty="0" smtClean="0"/>
+              <a:t>010011</a:t>
+            </a:r>
+            <a:r>
+              <a:rPr lang="pt-BR" sz="2800" dirty="0" smtClean="0"/>
+              <a:t>, </a:t>
+            </a:r>
+            <a:r>
+              <a:rPr lang="pt-BR" sz="2800" strike="sngStrike" dirty="0" smtClean="0"/>
+              <a:t>010010</a:t>
+            </a:r>
+            <a:r>
+              <a:rPr lang="pt-BR" sz="2800" dirty="0" smtClean="0"/>
+              <a:t>, </a:t>
+            </a:r>
+            <a:r>
+              <a:rPr lang="pt-BR" sz="2800" strike="sngStrike" dirty="0" smtClean="0"/>
+              <a:t>010001</a:t>
+            </a:r>
+            <a:r>
+              <a:rPr lang="pt-BR" sz="2800" dirty="0" smtClean="0"/>
+              <a:t>, </a:t>
+            </a:r>
+            <a:r>
+              <a:rPr lang="pt-BR" sz="2800" strike="sngStrike" dirty="0" smtClean="0"/>
+              <a:t>011000</a:t>
+            </a:r>
+            <a:r>
+              <a:rPr lang="pt-BR" sz="2800" dirty="0" smtClean="0"/>
+              <a:t>, </a:t>
+            </a:r>
+            <a:r>
+              <a:rPr lang="pt-BR" sz="2800" strike="sngStrike" dirty="0" smtClean="0"/>
+              <a:t>011110</a:t>
+            </a:r>
+            <a:r>
+              <a:rPr lang="pt-BR" sz="2800" dirty="0" smtClean="0"/>
+              <a:t>, </a:t>
+            </a:r>
+            <a:r>
+              <a:rPr lang="pt-BR" sz="2800" strike="sngStrike" dirty="0" smtClean="0"/>
+              <a:t>110010</a:t>
+            </a:r>
+            <a:r>
+              <a:rPr lang="pt-BR" sz="2800" dirty="0" smtClean="0"/>
+              <a:t>, </a:t>
+            </a:r>
+            <a:r>
+              <a:rPr lang="pt-BR" sz="2800" strike="sngStrike" dirty="0" smtClean="0"/>
+              <a:t>110100</a:t>
+            </a:r>
+            <a:r>
+              <a:rPr lang="pt-BR" sz="2800" dirty="0" smtClean="0"/>
+              <a:t>, </a:t>
+            </a:r>
+            <a:r>
+              <a:rPr lang="pt-BR" sz="2800" strike="sngStrike" dirty="0" smtClean="0"/>
+              <a:t>110111</a:t>
+            </a:r>
+            <a:r>
+              <a:rPr lang="pt-BR" sz="2800" dirty="0" smtClean="0"/>
+              <a:t>}</a:t>
+            </a:r>
+          </a:p>
+          <a:p>
+            <a:pPr lvl="2">
+              <a:buFont typeface="Arial" panose="020B0604020202020204" pitchFamily="34" charset="0"/>
+              <a:buChar char="•"/>
+            </a:pPr>
+            <a:r>
+              <a:rPr lang="pt-BR" sz="2800" dirty="0" smtClean="0"/>
+              <a:t>Queries: &lt;</a:t>
+            </a:r>
+            <a:r>
+              <a:rPr lang="pt-BR" sz="2800" b="1" dirty="0" smtClean="0"/>
+              <a:t>110000</a:t>
+            </a:r>
+            <a:r>
+              <a:rPr lang="pt-BR" sz="2800" dirty="0" smtClean="0"/>
+              <a:t>,110001,110010,</a:t>
+            </a:r>
+            <a:r>
+              <a:rPr lang="pt-BR" sz="2800" b="1" dirty="0" smtClean="0"/>
+              <a:t>110011 </a:t>
+            </a:r>
+            <a:r>
+              <a:rPr lang="pt-BR" sz="2800" dirty="0" smtClean="0"/>
+              <a:t>&gt;</a:t>
+            </a:r>
+          </a:p>
+          <a:p>
+            <a:pPr lvl="2">
+              <a:buFont typeface="Arial" panose="020B0604020202020204" pitchFamily="34" charset="0"/>
+              <a:buChar char="•"/>
+            </a:pPr>
+            <a:r>
+              <a:rPr lang="pt-BR" sz="2800" dirty="0" err="1"/>
+              <a:t>Queue</a:t>
+            </a:r>
+            <a:r>
+              <a:rPr lang="pt-BR" sz="2800" dirty="0"/>
+              <a:t>: </a:t>
+            </a:r>
+            <a:r>
+              <a:rPr lang="pt-BR" sz="2800" dirty="0" smtClean="0"/>
+              <a:t>{}</a:t>
+            </a:r>
+          </a:p>
+          <a:p>
+            <a:pPr lvl="1">
+              <a:buFont typeface="Arial" panose="020B0604020202020204" pitchFamily="34" charset="0"/>
+              <a:buChar char="•"/>
+            </a:pPr>
+            <a:endParaRPr lang="en-US" sz="3200" dirty="0"/>
+          </a:p>
+        </p:txBody>
+      </p:sp>
+      <p:pic>
+        <p:nvPicPr>
+          <p:cNvPr id="4" name="Picture 3"/>
+          <p:cNvPicPr>
+            <a:picLocks noChangeAspect="1"/>
+          </p:cNvPicPr>
+          <p:nvPr/>
+        </p:nvPicPr>
+        <p:blipFill>
+          <a:blip r:embed="rId2">
+            <a:extLst>
+              <a:ext uri="{28A0092B-C50C-407E-A947-70E740481C1C}">
+                <a14:useLocalDpi xmlns:a14="http://schemas.microsoft.com/office/drawing/2010/main" val="0"/>
+              </a:ext>
+            </a:extLst>
+          </a:blip>
+          <a:stretch>
+            <a:fillRect/>
+          </a:stretch>
+        </p:blipFill>
+        <p:spPr>
+          <a:xfrm>
+            <a:off x="5679582" y="1845734"/>
+            <a:ext cx="5476098" cy="2180058"/>
+          </a:xfrm>
+          <a:prstGeom prst="rect">
+            <a:avLst/>
+          </a:prstGeom>
+        </p:spPr>
+      </p:pic>
+      <p:sp>
+        <p:nvSpPr>
+          <p:cNvPr id="7" name="TextBox 6"/>
+          <p:cNvSpPr txBox="1"/>
+          <p:nvPr/>
+        </p:nvSpPr>
+        <p:spPr>
+          <a:xfrm>
+            <a:off x="5679582" y="4134166"/>
+            <a:ext cx="5476097" cy="1384995"/>
+          </a:xfrm>
+          <a:prstGeom prst="rect">
+            <a:avLst/>
+          </a:prstGeom>
+          <a:noFill/>
+        </p:spPr>
+        <p:txBody>
+          <a:bodyPr wrap="square" rtlCol="0">
+            <a:spAutoFit/>
+          </a:bodyPr>
+          <a:lstStyle/>
+          <a:p>
+            <a:r>
+              <a:rPr lang="pt-BR" sz="2800" b="1" dirty="0" smtClean="0">
+                <a:solidFill>
+                  <a:schemeClr val="tx1">
+                    <a:lumMod val="75000"/>
+                    <a:lumOff val="25000"/>
+                  </a:schemeClr>
+                </a:solidFill>
+              </a:rPr>
+              <a:t>Preto</a:t>
+            </a:r>
+            <a:r>
+              <a:rPr lang="pt-BR" sz="2800" dirty="0" smtClean="0">
+                <a:solidFill>
+                  <a:schemeClr val="tx1">
+                    <a:lumMod val="75000"/>
+                    <a:lumOff val="25000"/>
+                  </a:schemeClr>
+                </a:solidFill>
+              </a:rPr>
+              <a:t>: Sucesso</a:t>
+            </a:r>
+          </a:p>
+          <a:p>
+            <a:r>
+              <a:rPr lang="pt-BR" sz="2800" dirty="0" smtClean="0">
+                <a:solidFill>
+                  <a:schemeClr val="tx1">
+                    <a:lumMod val="75000"/>
+                    <a:lumOff val="25000"/>
+                  </a:schemeClr>
+                </a:solidFill>
+              </a:rPr>
+              <a:t>Branco: Ocioso</a:t>
+            </a:r>
+          </a:p>
+          <a:p>
+            <a:r>
+              <a:rPr lang="pt-BR" sz="2800" u="sng" dirty="0" smtClean="0">
+                <a:solidFill>
+                  <a:schemeClr val="tx1">
+                    <a:lumMod val="75000"/>
+                    <a:lumOff val="25000"/>
+                  </a:schemeClr>
+                </a:solidFill>
+              </a:rPr>
+              <a:t>Cinza</a:t>
+            </a:r>
+            <a:r>
+              <a:rPr lang="pt-BR" sz="2800" dirty="0" smtClean="0">
+                <a:solidFill>
+                  <a:schemeClr val="tx1">
+                    <a:lumMod val="75000"/>
+                    <a:lumOff val="25000"/>
+                  </a:schemeClr>
+                </a:solidFill>
+              </a:rPr>
+              <a:t>: Conflito</a:t>
+            </a:r>
+            <a:endParaRPr lang="en-US" sz="2800" dirty="0">
+              <a:solidFill>
+                <a:schemeClr val="tx1">
+                  <a:lumMod val="75000"/>
+                  <a:lumOff val="25000"/>
+                </a:schemeClr>
+              </a:solidFill>
+            </a:endParaRPr>
           </a:p>
         </p:txBody>
       </p:sp>
     </p:spTree>
     <p:extLst>
       <p:ext uri="{BB962C8B-B14F-4D97-AF65-F5344CB8AC3E}">
-        <p14:creationId xmlns:p14="http://schemas.microsoft.com/office/powerpoint/2010/main" val="827102952"/>
+        <p14:creationId xmlns:p14="http://schemas.microsoft.com/office/powerpoint/2010/main" val="2091085566"/>
       </p:ext>
     </p:extLst>
   </p:cSld>
@@ -3945,14 +4245,23 @@
         </p:nvSpPr>
         <p:spPr/>
         <p:txBody>
-          <a:bodyPr/>
+          <a:bodyPr>
+            <a:normAutofit/>
+          </a:bodyPr>
           <a:lstStyle/>
           <a:p>
             <a:r>
-              <a:rPr lang="pt-BR" dirty="0" smtClean="0"/>
-              <a:t>Conclusão</a:t>
-            </a:r>
-            <a:endParaRPr lang="en-US" dirty="0"/>
+              <a:rPr lang="pt-BR" sz="4000" dirty="0" smtClean="0"/>
+              <a:t>Proposta - </a:t>
+            </a:r>
+            <a:r>
+              <a:rPr lang="en-US" sz="4000" i="1" dirty="0"/>
+              <a:t>Base Adaptive Query Tree </a:t>
+            </a:r>
+            <a:r>
+              <a:rPr lang="en-US" sz="4000" dirty="0"/>
+              <a:t>(BAQT)</a:t>
+            </a:r>
           </a:p>
         </p:txBody>
       </p:sp>
@@ -3966,19 +4275,3069 @@
             <p:ph idx="1"/>
           </p:nvPr>
         </p:nvSpPr>
-        <p:spPr/>
-        <p:txBody>
-          <a:bodyPr/>
+        <p:spPr>
+          <a:xfrm>
+            <a:off x="1097280" y="1845734"/>
+            <a:ext cx="5029200" cy="4168700"/>
+          </a:xfrm>
+        </p:spPr>
+        <p:txBody>
+          <a:bodyPr>
+            <a:normAutofit/>
+          </a:bodyPr>
           <a:lstStyle/>
           <a:p>
-            <a:endParaRPr lang="en-US"/>
-          </a:p>
-        </p:txBody>
-      </p:sp>
+            <a:pPr lvl="1">
+              <a:buFont typeface="Arial" panose="020B0604020202020204" pitchFamily="34" charset="0"/>
+              <a:buChar char="•"/>
+            </a:pPr>
+            <a:r>
+              <a:rPr lang="pt-BR" sz="3200" dirty="0" smtClean="0"/>
+              <a:t>Algoritmo baseado no MQT com um tamanho dinâmico de nós filhos</a:t>
+            </a:r>
+          </a:p>
+          <a:p>
+            <a:pPr lvl="1">
+              <a:buFont typeface="Arial" panose="020B0604020202020204" pitchFamily="34" charset="0"/>
+              <a:buChar char="•"/>
+            </a:pPr>
+            <a:r>
+              <a:rPr lang="pt-BR" sz="3200" dirty="0" smtClean="0"/>
+              <a:t>Alguns nós ociosos podem ser descartados</a:t>
+            </a:r>
+          </a:p>
+          <a:p>
+            <a:pPr lvl="1">
+              <a:buFont typeface="Arial" panose="020B0604020202020204" pitchFamily="34" charset="0"/>
+              <a:buChar char="•"/>
+            </a:pPr>
+            <a:r>
+              <a:rPr lang="pt-BR" sz="3200" dirty="0" smtClean="0"/>
+              <a:t>Quantidade de nós filhos depende do número de etiquetas em colisão</a:t>
+            </a:r>
+          </a:p>
+          <a:p>
+            <a:pPr lvl="1">
+              <a:buFont typeface="Arial" panose="020B0604020202020204" pitchFamily="34" charset="0"/>
+              <a:buChar char="•"/>
+            </a:pPr>
+            <a:endParaRPr lang="en-US" sz="3200" dirty="0"/>
+          </a:p>
+        </p:txBody>
+      </p:sp>
+      <p:pic>
+        <p:nvPicPr>
+          <p:cNvPr id="4" name="Picture 3"/>
+          <p:cNvPicPr>
+            <a:picLocks noChangeAspect="1"/>
+          </p:cNvPicPr>
+          <p:nvPr/>
+        </p:nvPicPr>
+        <p:blipFill>
+          <a:blip r:embed="rId2">
+            <a:extLst>
+              <a:ext uri="{28A0092B-C50C-407E-A947-70E740481C1C}">
+                <a14:useLocalDpi xmlns:a14="http://schemas.microsoft.com/office/drawing/2010/main" val="0"/>
+              </a:ext>
+            </a:extLst>
+          </a:blip>
+          <a:stretch>
+            <a:fillRect/>
+          </a:stretch>
+        </p:blipFill>
+        <p:spPr>
+          <a:xfrm>
+            <a:off x="6126480" y="1845734"/>
+            <a:ext cx="5097839" cy="4310367"/>
+          </a:xfrm>
+          <a:prstGeom prst="rect">
+            <a:avLst/>
+          </a:prstGeom>
+        </p:spPr>
+      </p:pic>
     </p:spTree>
     <p:extLst>
       <p:ext uri="{BB962C8B-B14F-4D97-AF65-F5344CB8AC3E}">
-        <p14:creationId xmlns:p14="http://schemas.microsoft.com/office/powerpoint/2010/main" val="4138466480"/>
+        <p14:creationId xmlns:p14="http://schemas.microsoft.com/office/powerpoint/2010/main" val="1823009840"/>
+      </p:ext>
+    </p:extLst>
+  </p:cSld>
+  <p:clrMapOvr>
+    <a:masterClrMapping/>
+  </p:clrMapOvr>
+  <p:timing>
+    <p:tnLst>
+      <p:par>
+        <p:cTn id="1" dur="indefinite" restart="never" nodeType="tmRoot"/>
+      </p:par>
+    </p:tnLst>
+  </p:timing>
+</p:sld>
+</file>
+
+<file path=ppt/slides/slide12.xml><?xml version="1.0" encoding="utf-8"?>
+<p:sld xmlns:a="http://schemas.openxmlformats.org/drawingml/2006/main" xmlns:r="http://schemas.openxmlformats.org/officeDocument/2006/relationships" xmlns:p="http://schemas.openxmlformats.org/presentationml/2006/main">
+  <p:cSld>
+    <p:spTree>
+      <p:nvGrpSpPr>
+        <p:cNvPr id="1" name=""/>
+        <p:cNvGrpSpPr/>
+        <p:nvPr/>
+      </p:nvGrpSpPr>
+      <p:grpSpPr>
+        <a:xfrm>
+          <a:off x="0" y="0"/>
+          <a:ext cx="0" cy="0"/>
+          <a:chOff x="0" y="0"/>
+          <a:chExt cx="0" cy="0"/>
+        </a:xfrm>
+      </p:grpSpPr>
+      <p:sp>
+        <p:nvSpPr>
+          <p:cNvPr id="2" name="Title 1"/>
+          <p:cNvSpPr>
+            <a:spLocks noGrp="1"/>
+          </p:cNvSpPr>
+          <p:nvPr>
+            <p:ph type="title"/>
+          </p:nvPr>
+        </p:nvSpPr>
+        <p:spPr/>
+        <p:txBody>
+          <a:bodyPr>
+            <a:normAutofit/>
+          </a:bodyPr>
+          <a:lstStyle/>
+          <a:p>
+            <a:r>
+              <a:rPr lang="pt-BR" sz="4000" dirty="0"/>
+              <a:t>Proposta - </a:t>
+            </a:r>
+            <a:r>
+              <a:rPr lang="en-US" sz="4000" i="1" dirty="0"/>
+              <a:t>Base Adaptive Query Tree </a:t>
+            </a:r>
+            <a:r>
+              <a:rPr lang="en-US" sz="4000" dirty="0"/>
+              <a:t>(BAQT)</a:t>
+            </a:r>
+          </a:p>
+        </p:txBody>
+      </p:sp>
+      <mc:AlternateContent xmlns:mc="http://schemas.openxmlformats.org/markup-compatibility/2006">
+        <mc:Choice xmlns:a14="http://schemas.microsoft.com/office/drawing/2010/main" Requires="a14">
+          <p:sp>
+            <p:nvSpPr>
+              <p:cNvPr id="3" name="Content Placeholder 2"/>
+              <p:cNvSpPr>
+                <a:spLocks noGrp="1"/>
+              </p:cNvSpPr>
+              <p:nvPr>
+                <p:ph idx="1"/>
+              </p:nvPr>
+            </p:nvSpPr>
+            <p:spPr>
+              <a:xfrm>
+                <a:off x="1097280" y="1845734"/>
+                <a:ext cx="4582302" cy="4168700"/>
+              </a:xfrm>
+            </p:spPr>
+            <p:txBody>
+              <a:bodyPr>
+                <a:normAutofit fontScale="92500" lnSpcReduction="10000"/>
+              </a:bodyPr>
+              <a:lstStyle/>
+              <a:p>
+                <a:pPr lvl="1">
+                  <a:buFont typeface="Arial" panose="020B0604020202020204" pitchFamily="34" charset="0"/>
+                  <a:buChar char="•"/>
+                </a:pPr>
+                <a:r>
+                  <a:rPr lang="pt-BR" sz="3200" dirty="0" smtClean="0"/>
+                  <a:t>Exemplo</a:t>
+                </a:r>
+              </a:p>
+              <a:p>
+                <a:pPr lvl="2">
+                  <a:buFont typeface="Arial" panose="020B0604020202020204" pitchFamily="34" charset="0"/>
+                  <a:buChar char="•"/>
+                </a:pPr>
+                <a:r>
+                  <a:rPr lang="pt-BR" sz="2800" dirty="0" err="1" smtClean="0"/>
+                  <a:t>Tags</a:t>
+                </a:r>
+                <a:r>
+                  <a:rPr lang="pt-BR" sz="2800" dirty="0" smtClean="0"/>
+                  <a:t>: {000000, 010011, 010010, 010001, 011000, 011110, 110010, 110100, 110111}</a:t>
+                </a:r>
+              </a:p>
+              <a:p>
+                <a:pPr lvl="2">
+                  <a:buFont typeface="Arial" panose="020B0604020202020204" pitchFamily="34" charset="0"/>
+                  <a:buChar char="•"/>
+                </a:pPr>
+                <a:r>
+                  <a:rPr lang="pt-BR" sz="2800" dirty="0" smtClean="0"/>
+                  <a:t>Queries: </a:t>
+                </a:r>
+                <a14:m>
+                  <m:oMath xmlns:m="http://schemas.openxmlformats.org/officeDocument/2006/math">
+                    <m:r>
+                      <a:rPr lang="pt-BR" sz="2800" i="1" u="sng" smtClean="0">
+                        <a:latin typeface="Cambria Math" panose="02040503050406030204" pitchFamily="18" charset="0"/>
+                        <a:ea typeface="Cambria Math" panose="02040503050406030204" pitchFamily="18" charset="0"/>
+                      </a:rPr>
+                      <m:t>𝜀</m:t>
+                    </m:r>
+                  </m:oMath>
+                </a14:m>
+                <a:endParaRPr lang="pt-BR" sz="2800" u="sng" dirty="0" smtClean="0"/>
+              </a:p>
+              <a:p>
+                <a:pPr lvl="2">
+                  <a:buFont typeface="Arial" panose="020B0604020202020204" pitchFamily="34" charset="0"/>
+                  <a:buChar char="•"/>
+                </a:pPr>
+                <a14:m>
+                  <m:oMath xmlns:m="http://schemas.openxmlformats.org/officeDocument/2006/math">
+                    <m:r>
+                      <a:rPr lang="pt-BR" sz="2800" b="0" i="1" smtClean="0">
+                        <a:latin typeface="Cambria Math" panose="02040503050406030204" pitchFamily="18" charset="0"/>
+                      </a:rPr>
+                      <m:t>𝑛</m:t>
+                    </m:r>
+                    <m:r>
+                      <a:rPr lang="pt-BR" sz="2800" b="0" i="1" smtClean="0">
+                        <a:latin typeface="Cambria Math" panose="02040503050406030204" pitchFamily="18" charset="0"/>
+                      </a:rPr>
+                      <m:t>=9</m:t>
+                    </m:r>
+                  </m:oMath>
+                </a14:m>
+                <a:endParaRPr lang="pt-BR" sz="2800" b="0" i="1" dirty="0" smtClean="0">
+                  <a:latin typeface="Cambria Math" panose="02040503050406030204" pitchFamily="18" charset="0"/>
+                </a:endParaRPr>
+              </a:p>
+              <a:p>
+                <a:pPr lvl="2">
+                  <a:buFont typeface="Arial" panose="020B0604020202020204" pitchFamily="34" charset="0"/>
+                  <a:buChar char="•"/>
+                </a:pPr>
+                <a14:m>
+                  <m:oMath xmlns:m="http://schemas.openxmlformats.org/officeDocument/2006/math">
+                    <m:r>
+                      <a:rPr lang="pt-BR" sz="2800" b="0" i="1" smtClean="0">
+                        <a:latin typeface="Cambria Math" panose="02040503050406030204" pitchFamily="18" charset="0"/>
+                      </a:rPr>
+                      <m:t>𝑛</m:t>
+                    </m:r>
+                    <m:r>
+                      <a:rPr lang="pt-BR" sz="2800" b="0" i="1" smtClean="0">
+                        <a:latin typeface="Cambria Math" panose="02040503050406030204" pitchFamily="18" charset="0"/>
+                      </a:rPr>
+                      <m:t> ∈</m:t>
+                    </m:r>
+                    <m:sSub>
+                      <m:sSubPr>
+                        <m:ctrlPr>
+                          <a:rPr lang="pt-BR" sz="2800" b="0" i="1" smtClean="0">
+                            <a:latin typeface="Cambria Math" panose="02040503050406030204" pitchFamily="18" charset="0"/>
+                            <a:ea typeface="Cambria Math" panose="02040503050406030204" pitchFamily="18" charset="0"/>
+                          </a:rPr>
+                        </m:ctrlPr>
+                      </m:sSubPr>
+                      <m:e>
+                        <m:r>
+                          <a:rPr lang="pt-BR" sz="2800" b="0" i="1" smtClean="0">
+                            <a:latin typeface="Cambria Math" panose="02040503050406030204" pitchFamily="18" charset="0"/>
+                            <a:ea typeface="Cambria Math" panose="02040503050406030204" pitchFamily="18" charset="0"/>
+                          </a:rPr>
+                          <m:t>𝑅</m:t>
+                        </m:r>
+                      </m:e>
+                      <m:sub>
+                        <m:r>
+                          <a:rPr lang="pt-BR" sz="2800" b="0" i="1" smtClean="0">
+                            <a:latin typeface="Cambria Math" panose="02040503050406030204" pitchFamily="18" charset="0"/>
+                            <a:ea typeface="Cambria Math" panose="02040503050406030204" pitchFamily="18" charset="0"/>
+                          </a:rPr>
+                          <m:t>3</m:t>
+                        </m:r>
+                      </m:sub>
+                    </m:sSub>
+                    <m:r>
+                      <a:rPr lang="pt-BR" sz="2800" b="0" i="1" smtClean="0">
+                        <a:latin typeface="Cambria Math" panose="02040503050406030204" pitchFamily="18" charset="0"/>
+                        <a:ea typeface="Cambria Math" panose="02040503050406030204" pitchFamily="18" charset="0"/>
+                      </a:rPr>
+                      <m:t>[5,9]</m:t>
+                    </m:r>
+                  </m:oMath>
+                </a14:m>
+                <a:endParaRPr lang="pt-BR" sz="2800" dirty="0" smtClean="0"/>
+              </a:p>
+              <a:p>
+                <a:pPr lvl="2">
+                  <a:buFont typeface="Arial" panose="020B0604020202020204" pitchFamily="34" charset="0"/>
+                  <a:buChar char="•"/>
+                </a:pPr>
+                <a:r>
+                  <a:rPr lang="pt-BR" sz="2800" dirty="0" err="1"/>
+                  <a:t>Queue</a:t>
+                </a:r>
+                <a:r>
+                  <a:rPr lang="pt-BR" sz="2800" dirty="0"/>
+                  <a:t>: </a:t>
+                </a:r>
+                <a:r>
+                  <a:rPr lang="pt-BR" sz="2800" dirty="0" smtClean="0"/>
+                  <a:t>{000,001,010,011,100,101,110,111}</a:t>
+                </a:r>
+              </a:p>
+              <a:p>
+                <a:pPr lvl="1">
+                  <a:buFont typeface="Arial" panose="020B0604020202020204" pitchFamily="34" charset="0"/>
+                  <a:buChar char="•"/>
+                </a:pPr>
+                <a:endParaRPr lang="en-US" sz="3200" dirty="0"/>
+              </a:p>
+            </p:txBody>
+          </p:sp>
+        </mc:Choice>
+        <mc:Fallback>
+          <p:sp>
+            <p:nvSpPr>
+              <p:cNvPr id="3" name="Content Placeholder 2"/>
+              <p:cNvSpPr>
+                <a:spLocks noGrp="1" noRot="1" noChangeAspect="1" noMove="1" noResize="1" noEditPoints="1" noAdjustHandles="1" noChangeArrowheads="1" noChangeShapeType="1" noTextEdit="1"/>
+              </p:cNvSpPr>
+              <p:nvPr>
+                <p:ph idx="1"/>
+              </p:nvPr>
+            </p:nvSpPr>
+            <p:spPr>
+              <a:xfrm>
+                <a:off x="1097280" y="1845734"/>
+                <a:ext cx="4582302" cy="4168700"/>
+              </a:xfrm>
+              <a:blipFill rotWithShape="0">
+                <a:blip r:embed="rId2"/>
+                <a:stretch>
+                  <a:fillRect l="-266" t="-3801" r="-1862" b="-146"/>
+                </a:stretch>
+              </a:blipFill>
+            </p:spPr>
+            <p:txBody>
+              <a:bodyPr/>
+              <a:lstStyle/>
+              <a:p>
+                <a:r>
+                  <a:rPr lang="en-US">
+                    <a:noFill/>
+                  </a:rPr>
+                  <a:t> </a:t>
+                </a:r>
+              </a:p>
+            </p:txBody>
+          </p:sp>
+        </mc:Fallback>
+      </mc:AlternateContent>
+      <p:sp>
+        <p:nvSpPr>
+          <p:cNvPr id="7" name="TextBox 6"/>
+          <p:cNvSpPr txBox="1"/>
+          <p:nvPr/>
+        </p:nvSpPr>
+        <p:spPr>
+          <a:xfrm>
+            <a:off x="5679582" y="4242163"/>
+            <a:ext cx="5476097" cy="1815882"/>
+          </a:xfrm>
+          <a:prstGeom prst="rect">
+            <a:avLst/>
+          </a:prstGeom>
+          <a:noFill/>
+        </p:spPr>
+        <p:txBody>
+          <a:bodyPr wrap="square" rtlCol="0">
+            <a:spAutoFit/>
+          </a:bodyPr>
+          <a:lstStyle/>
+          <a:p>
+            <a:r>
+              <a:rPr lang="pt-BR" sz="2800" b="1" dirty="0" smtClean="0">
+                <a:solidFill>
+                  <a:schemeClr val="tx1">
+                    <a:lumMod val="75000"/>
+                    <a:lumOff val="25000"/>
+                  </a:schemeClr>
+                </a:solidFill>
+              </a:rPr>
+              <a:t>Preto</a:t>
+            </a:r>
+            <a:r>
+              <a:rPr lang="pt-BR" sz="2800" dirty="0" smtClean="0">
+                <a:solidFill>
+                  <a:schemeClr val="tx1">
+                    <a:lumMod val="75000"/>
+                    <a:lumOff val="25000"/>
+                  </a:schemeClr>
+                </a:solidFill>
+              </a:rPr>
+              <a:t>: Sucesso</a:t>
+            </a:r>
+          </a:p>
+          <a:p>
+            <a:r>
+              <a:rPr lang="pt-BR" sz="2800" dirty="0" smtClean="0">
+                <a:solidFill>
+                  <a:schemeClr val="tx1">
+                    <a:lumMod val="75000"/>
+                    <a:lumOff val="25000"/>
+                  </a:schemeClr>
+                </a:solidFill>
+              </a:rPr>
+              <a:t>Branco: Ocioso</a:t>
+            </a:r>
+          </a:p>
+          <a:p>
+            <a:r>
+              <a:rPr lang="pt-BR" sz="2800" u="sng" dirty="0" smtClean="0">
+                <a:solidFill>
+                  <a:schemeClr val="tx1">
+                    <a:lumMod val="75000"/>
+                    <a:lumOff val="25000"/>
+                  </a:schemeClr>
+                </a:solidFill>
+              </a:rPr>
+              <a:t>Cinza</a:t>
+            </a:r>
+            <a:r>
+              <a:rPr lang="pt-BR" sz="2800" dirty="0" smtClean="0">
+                <a:solidFill>
+                  <a:schemeClr val="tx1">
+                    <a:lumMod val="75000"/>
+                    <a:lumOff val="25000"/>
+                  </a:schemeClr>
+                </a:solidFill>
+              </a:rPr>
+              <a:t>: Conflito</a:t>
+            </a:r>
+          </a:p>
+          <a:p>
+            <a:r>
+              <a:rPr lang="pt-BR" sz="2800" dirty="0" smtClean="0">
+                <a:solidFill>
+                  <a:srgbClr val="FF0000"/>
+                </a:solidFill>
+              </a:rPr>
+              <a:t>Vermelho</a:t>
+            </a:r>
+            <a:r>
+              <a:rPr lang="pt-BR" sz="2800" dirty="0" smtClean="0">
+                <a:solidFill>
+                  <a:schemeClr val="tx1">
+                    <a:lumMod val="75000"/>
+                    <a:lumOff val="25000"/>
+                  </a:schemeClr>
+                </a:solidFill>
+              </a:rPr>
+              <a:t>: Descartado</a:t>
+            </a:r>
+            <a:endParaRPr lang="en-US" sz="2800" dirty="0">
+              <a:solidFill>
+                <a:srgbClr val="FF0000"/>
+              </a:solidFill>
+            </a:endParaRPr>
+          </a:p>
+        </p:txBody>
+      </p:sp>
+      <p:pic>
+        <p:nvPicPr>
+          <p:cNvPr id="5" name="Picture 4"/>
+          <p:cNvPicPr>
+            <a:picLocks noChangeAspect="1"/>
+          </p:cNvPicPr>
+          <p:nvPr/>
+        </p:nvPicPr>
+        <p:blipFill>
+          <a:blip r:embed="rId3">
+            <a:extLst>
+              <a:ext uri="{28A0092B-C50C-407E-A947-70E740481C1C}">
+                <a14:useLocalDpi xmlns:a14="http://schemas.microsoft.com/office/drawing/2010/main" val="0"/>
+              </a:ext>
+            </a:extLst>
+          </a:blip>
+          <a:stretch>
+            <a:fillRect/>
+          </a:stretch>
+        </p:blipFill>
+        <p:spPr>
+          <a:xfrm>
+            <a:off x="5679582" y="1845734"/>
+            <a:ext cx="5476097" cy="2396429"/>
+          </a:xfrm>
+          <a:prstGeom prst="rect">
+            <a:avLst/>
+          </a:prstGeom>
+        </p:spPr>
+      </p:pic>
+    </p:spTree>
+    <p:extLst>
+      <p:ext uri="{BB962C8B-B14F-4D97-AF65-F5344CB8AC3E}">
+        <p14:creationId xmlns:p14="http://schemas.microsoft.com/office/powerpoint/2010/main" val="1261833755"/>
+      </p:ext>
+    </p:extLst>
+  </p:cSld>
+  <p:clrMapOvr>
+    <a:masterClrMapping/>
+  </p:clrMapOvr>
+  <p:timing>
+    <p:tnLst>
+      <p:par>
+        <p:cTn id="1" dur="indefinite" restart="never" nodeType="tmRoot"/>
+      </p:par>
+    </p:tnLst>
+  </p:timing>
+</p:sld>
+</file>
+
+<file path=ppt/slides/slide13.xml><?xml version="1.0" encoding="utf-8"?>
+<p:sld xmlns:a="http://schemas.openxmlformats.org/drawingml/2006/main" xmlns:r="http://schemas.openxmlformats.org/officeDocument/2006/relationships" xmlns:p="http://schemas.openxmlformats.org/presentationml/2006/main">
+  <p:cSld>
+    <p:spTree>
+      <p:nvGrpSpPr>
+        <p:cNvPr id="1" name=""/>
+        <p:cNvGrpSpPr/>
+        <p:nvPr/>
+      </p:nvGrpSpPr>
+      <p:grpSpPr>
+        <a:xfrm>
+          <a:off x="0" y="0"/>
+          <a:ext cx="0" cy="0"/>
+          <a:chOff x="0" y="0"/>
+          <a:chExt cx="0" cy="0"/>
+        </a:xfrm>
+      </p:grpSpPr>
+      <p:sp>
+        <p:nvSpPr>
+          <p:cNvPr id="2" name="Title 1"/>
+          <p:cNvSpPr>
+            <a:spLocks noGrp="1"/>
+          </p:cNvSpPr>
+          <p:nvPr>
+            <p:ph type="title"/>
+          </p:nvPr>
+        </p:nvSpPr>
+        <p:spPr/>
+        <p:txBody>
+          <a:bodyPr>
+            <a:normAutofit/>
+          </a:bodyPr>
+          <a:lstStyle/>
+          <a:p>
+            <a:r>
+              <a:rPr lang="pt-BR" sz="4000" dirty="0"/>
+              <a:t>Proposta - </a:t>
+            </a:r>
+            <a:r>
+              <a:rPr lang="en-US" sz="4000" i="1" dirty="0"/>
+              <a:t>Base Adaptive Query Tree </a:t>
+            </a:r>
+            <a:r>
+              <a:rPr lang="en-US" sz="4000" dirty="0"/>
+              <a:t>(BAQT)</a:t>
+            </a:r>
+          </a:p>
+        </p:txBody>
+      </p:sp>
+      <mc:AlternateContent xmlns:mc="http://schemas.openxmlformats.org/markup-compatibility/2006">
+        <mc:Choice xmlns:a14="http://schemas.microsoft.com/office/drawing/2010/main" Requires="a14">
+          <p:sp>
+            <p:nvSpPr>
+              <p:cNvPr id="3" name="Content Placeholder 2"/>
+              <p:cNvSpPr>
+                <a:spLocks noGrp="1"/>
+              </p:cNvSpPr>
+              <p:nvPr>
+                <p:ph idx="1"/>
+              </p:nvPr>
+            </p:nvSpPr>
+            <p:spPr>
+              <a:xfrm>
+                <a:off x="1097280" y="1845734"/>
+                <a:ext cx="4582302" cy="4168700"/>
+              </a:xfrm>
+            </p:spPr>
+            <p:txBody>
+              <a:bodyPr>
+                <a:normAutofit fontScale="85000" lnSpcReduction="20000"/>
+              </a:bodyPr>
+              <a:lstStyle/>
+              <a:p>
+                <a:pPr lvl="1">
+                  <a:buFont typeface="Arial" panose="020B0604020202020204" pitchFamily="34" charset="0"/>
+                  <a:buChar char="•"/>
+                </a:pPr>
+                <a:r>
+                  <a:rPr lang="pt-BR" sz="3200" dirty="0" smtClean="0"/>
+                  <a:t>Exemplo</a:t>
+                </a:r>
+              </a:p>
+              <a:p>
+                <a:pPr lvl="2">
+                  <a:buFont typeface="Arial" panose="020B0604020202020204" pitchFamily="34" charset="0"/>
+                  <a:buChar char="•"/>
+                </a:pPr>
+                <a:r>
+                  <a:rPr lang="pt-BR" sz="2800" dirty="0" err="1" smtClean="0"/>
+                  <a:t>Tags</a:t>
+                </a:r>
+                <a:r>
+                  <a:rPr lang="pt-BR" sz="2800" dirty="0" smtClean="0"/>
+                  <a:t>: {</a:t>
+                </a:r>
+                <a:r>
+                  <a:rPr lang="pt-BR" sz="2800" strike="sngStrike" dirty="0" smtClean="0"/>
+                  <a:t>000000</a:t>
+                </a:r>
+                <a:r>
+                  <a:rPr lang="pt-BR" sz="2800" dirty="0" smtClean="0"/>
+                  <a:t>, 010011, 010010, 010001, 011000, 011110, 110010, 110100, 110111}</a:t>
+                </a:r>
+              </a:p>
+              <a:p>
+                <a:pPr lvl="2">
+                  <a:buFont typeface="Arial" panose="020B0604020202020204" pitchFamily="34" charset="0"/>
+                  <a:buChar char="•"/>
+                </a:pPr>
+                <a:r>
+                  <a:rPr lang="pt-BR" sz="2800" dirty="0" smtClean="0"/>
+                  <a:t>Queries: &lt;</a:t>
+                </a:r>
+                <a:r>
+                  <a:rPr lang="pt-BR" sz="2800" b="1" dirty="0" smtClean="0"/>
+                  <a:t>000</a:t>
+                </a:r>
+                <a:r>
+                  <a:rPr lang="pt-BR" sz="2800" dirty="0" smtClean="0"/>
+                  <a:t>,001,</a:t>
+                </a:r>
+                <a:r>
+                  <a:rPr lang="pt-BR" sz="2800" u="sng" dirty="0" smtClean="0"/>
+                  <a:t>010</a:t>
+                </a:r>
+                <a:r>
+                  <a:rPr lang="pt-BR" sz="2800" dirty="0" smtClean="0"/>
+                  <a:t>,</a:t>
+                </a:r>
+                <a:r>
+                  <a:rPr lang="pt-BR" sz="2800" u="sng" dirty="0" smtClean="0"/>
+                  <a:t>011</a:t>
+                </a:r>
+                <a:r>
+                  <a:rPr lang="pt-BR" sz="2800" dirty="0" smtClean="0"/>
+                  <a:t>,100,101,</a:t>
+                </a:r>
+                <a:r>
+                  <a:rPr lang="pt-BR" sz="2800" u="sng" dirty="0" smtClean="0"/>
+                  <a:t>110</a:t>
+                </a:r>
+                <a:r>
+                  <a:rPr lang="pt-BR" sz="2800" dirty="0" smtClean="0"/>
+                  <a:t>,</a:t>
+                </a:r>
+                <a:r>
+                  <a:rPr lang="pt-BR" sz="2800" dirty="0" smtClean="0">
+                    <a:solidFill>
+                      <a:srgbClr val="FF0000"/>
+                    </a:solidFill>
+                  </a:rPr>
+                  <a:t>111</a:t>
+                </a:r>
+                <a:r>
+                  <a:rPr lang="pt-BR" sz="2800" dirty="0" smtClean="0"/>
+                  <a:t> &gt;</a:t>
+                </a:r>
+                <a:endParaRPr lang="pt-BR" sz="2800" u="sng" dirty="0" smtClean="0"/>
+              </a:p>
+              <a:p>
+                <a:pPr lvl="2">
+                  <a:buFont typeface="Arial" panose="020B0604020202020204" pitchFamily="34" charset="0"/>
+                  <a:buChar char="•"/>
+                </a:pPr>
+                <a14:m>
+                  <m:oMath xmlns:m="http://schemas.openxmlformats.org/officeDocument/2006/math">
+                    <m:r>
+                      <a:rPr lang="pt-BR" sz="2800" b="0" i="1" smtClean="0">
+                        <a:latin typeface="Cambria Math" panose="02040503050406030204" pitchFamily="18" charset="0"/>
+                      </a:rPr>
+                      <m:t>𝑛</m:t>
+                    </m:r>
+                    <m:r>
+                      <a:rPr lang="pt-BR" sz="2800" b="0" i="1" smtClean="0">
+                        <a:latin typeface="Cambria Math" panose="02040503050406030204" pitchFamily="18" charset="0"/>
+                      </a:rPr>
+                      <m:t>=3,2,3</m:t>
+                    </m:r>
+                  </m:oMath>
+                </a14:m>
+                <a:endParaRPr lang="pt-BR" sz="2800" b="0" i="1" dirty="0" smtClean="0">
+                  <a:latin typeface="Cambria Math" panose="02040503050406030204" pitchFamily="18" charset="0"/>
+                </a:endParaRPr>
+              </a:p>
+              <a:p>
+                <a:pPr lvl="2">
+                  <a:buFont typeface="Arial" panose="020B0604020202020204" pitchFamily="34" charset="0"/>
+                  <a:buChar char="•"/>
+                </a:pPr>
+                <a14:m>
+                  <m:oMath xmlns:m="http://schemas.openxmlformats.org/officeDocument/2006/math">
+                    <m:sSub>
+                      <m:sSubPr>
+                        <m:ctrlPr>
+                          <a:rPr lang="pt-BR" sz="2800" b="0" i="1" smtClean="0">
+                            <a:latin typeface="Cambria Math" panose="02040503050406030204" pitchFamily="18" charset="0"/>
+                          </a:rPr>
+                        </m:ctrlPr>
+                      </m:sSubPr>
+                      <m:e>
+                        <m:r>
+                          <a:rPr lang="pt-BR" sz="2800" b="0" i="1" smtClean="0">
+                            <a:latin typeface="Cambria Math" panose="02040503050406030204" pitchFamily="18" charset="0"/>
+                          </a:rPr>
+                          <m:t>𝑛</m:t>
+                        </m:r>
+                      </m:e>
+                      <m:sub>
+                        <m:r>
+                          <a:rPr lang="pt-BR" sz="2800" b="0" i="1" smtClean="0">
+                            <a:latin typeface="Cambria Math" panose="02040503050406030204" pitchFamily="18" charset="0"/>
+                          </a:rPr>
+                          <m:t>1</m:t>
+                        </m:r>
+                      </m:sub>
+                    </m:sSub>
+                    <m:r>
+                      <a:rPr lang="pt-BR" sz="2800" b="0" i="1" smtClean="0">
+                        <a:latin typeface="Cambria Math" panose="02040503050406030204" pitchFamily="18" charset="0"/>
+                      </a:rPr>
+                      <m:t> </m:t>
+                    </m:r>
+                    <m:r>
+                      <a:rPr lang="pt-BR" sz="2800" b="0" i="1" smtClean="0">
+                        <a:latin typeface="Cambria Math" panose="02040503050406030204" pitchFamily="18" charset="0"/>
+                        <a:ea typeface="Cambria Math" panose="02040503050406030204" pitchFamily="18" charset="0"/>
+                      </a:rPr>
+                      <m:t>∈</m:t>
+                    </m:r>
+                    <m:sSub>
+                      <m:sSubPr>
+                        <m:ctrlPr>
+                          <a:rPr lang="pt-BR" sz="2800" b="0" i="1" smtClean="0">
+                            <a:latin typeface="Cambria Math" panose="02040503050406030204" pitchFamily="18" charset="0"/>
+                            <a:ea typeface="Cambria Math" panose="02040503050406030204" pitchFamily="18" charset="0"/>
+                          </a:rPr>
+                        </m:ctrlPr>
+                      </m:sSubPr>
+                      <m:e>
+                        <m:r>
+                          <a:rPr lang="pt-BR" sz="2800" b="0" i="1" smtClean="0">
+                            <a:latin typeface="Cambria Math" panose="02040503050406030204" pitchFamily="18" charset="0"/>
+                            <a:ea typeface="Cambria Math" panose="02040503050406030204" pitchFamily="18" charset="0"/>
+                          </a:rPr>
+                          <m:t>𝑅</m:t>
+                        </m:r>
+                      </m:e>
+                      <m:sub>
+                        <m:r>
+                          <a:rPr lang="pt-BR" sz="2800" b="0" i="1" smtClean="0">
+                            <a:latin typeface="Cambria Math" panose="02040503050406030204" pitchFamily="18" charset="0"/>
+                            <a:ea typeface="Cambria Math" panose="02040503050406030204" pitchFamily="18" charset="0"/>
+                          </a:rPr>
+                          <m:t>2</m:t>
+                        </m:r>
+                      </m:sub>
+                    </m:sSub>
+                    <m:d>
+                      <m:dPr>
+                        <m:begChr m:val="["/>
+                        <m:endChr m:val="]"/>
+                        <m:ctrlPr>
+                          <a:rPr lang="pt-BR" sz="2800" b="0" i="1" smtClean="0">
+                            <a:latin typeface="Cambria Math" panose="02040503050406030204" pitchFamily="18" charset="0"/>
+                            <a:ea typeface="Cambria Math" panose="02040503050406030204" pitchFamily="18" charset="0"/>
+                          </a:rPr>
+                        </m:ctrlPr>
+                      </m:dPr>
+                      <m:e>
+                        <m:r>
+                          <a:rPr lang="pt-BR" sz="2800" b="0" i="1" smtClean="0">
+                            <a:latin typeface="Cambria Math" panose="02040503050406030204" pitchFamily="18" charset="0"/>
+                            <a:ea typeface="Cambria Math" panose="02040503050406030204" pitchFamily="18" charset="0"/>
+                          </a:rPr>
+                          <m:t>3,4</m:t>
+                        </m:r>
+                      </m:e>
+                    </m:d>
+                    <m:r>
+                      <a:rPr lang="pt-BR" sz="2800" b="0" i="1" smtClean="0">
+                        <a:latin typeface="Cambria Math" panose="02040503050406030204" pitchFamily="18" charset="0"/>
+                        <a:ea typeface="Cambria Math" panose="02040503050406030204" pitchFamily="18" charset="0"/>
+                      </a:rPr>
+                      <m:t>, </m:t>
+                    </m:r>
+                    <m:sSub>
+                      <m:sSubPr>
+                        <m:ctrlPr>
+                          <a:rPr lang="pt-BR" sz="2800" b="0" i="1" smtClean="0">
+                            <a:latin typeface="Cambria Math" panose="02040503050406030204" pitchFamily="18" charset="0"/>
+                            <a:ea typeface="Cambria Math" panose="02040503050406030204" pitchFamily="18" charset="0"/>
+                          </a:rPr>
+                        </m:ctrlPr>
+                      </m:sSubPr>
+                      <m:e>
+                        <m:r>
+                          <a:rPr lang="pt-BR" sz="2800" b="0" i="1" smtClean="0">
+                            <a:latin typeface="Cambria Math" panose="02040503050406030204" pitchFamily="18" charset="0"/>
+                            <a:ea typeface="Cambria Math" panose="02040503050406030204" pitchFamily="18" charset="0"/>
+                          </a:rPr>
+                          <m:t>𝑛</m:t>
+                        </m:r>
+                      </m:e>
+                      <m:sub>
+                        <m:r>
+                          <a:rPr lang="pt-BR" sz="2800" b="0" i="1" smtClean="0">
+                            <a:latin typeface="Cambria Math" panose="02040503050406030204" pitchFamily="18" charset="0"/>
+                            <a:ea typeface="Cambria Math" panose="02040503050406030204" pitchFamily="18" charset="0"/>
+                          </a:rPr>
+                          <m:t>2</m:t>
+                        </m:r>
+                      </m:sub>
+                    </m:sSub>
+                    <m:r>
+                      <a:rPr lang="pt-BR" sz="2800" b="0" i="1" smtClean="0">
+                        <a:latin typeface="Cambria Math" panose="02040503050406030204" pitchFamily="18" charset="0"/>
+                        <a:ea typeface="Cambria Math" panose="02040503050406030204" pitchFamily="18" charset="0"/>
+                      </a:rPr>
+                      <m:t> ∈ </m:t>
+                    </m:r>
+                    <m:sSub>
+                      <m:sSubPr>
+                        <m:ctrlPr>
+                          <a:rPr lang="pt-BR" sz="2800" b="0" i="1" smtClean="0">
+                            <a:latin typeface="Cambria Math" panose="02040503050406030204" pitchFamily="18" charset="0"/>
+                            <a:ea typeface="Cambria Math" panose="02040503050406030204" pitchFamily="18" charset="0"/>
+                          </a:rPr>
+                        </m:ctrlPr>
+                      </m:sSubPr>
+                      <m:e>
+                        <m:r>
+                          <a:rPr lang="pt-BR" sz="2800" b="0" i="1" smtClean="0">
+                            <a:latin typeface="Cambria Math" panose="02040503050406030204" pitchFamily="18" charset="0"/>
+                            <a:ea typeface="Cambria Math" panose="02040503050406030204" pitchFamily="18" charset="0"/>
+                          </a:rPr>
+                          <m:t>𝑅</m:t>
+                        </m:r>
+                      </m:e>
+                      <m:sub>
+                        <m:r>
+                          <a:rPr lang="pt-BR" sz="2800" b="0" i="1" smtClean="0">
+                            <a:latin typeface="Cambria Math" panose="02040503050406030204" pitchFamily="18" charset="0"/>
+                            <a:ea typeface="Cambria Math" panose="02040503050406030204" pitchFamily="18" charset="0"/>
+                          </a:rPr>
+                          <m:t>1</m:t>
+                        </m:r>
+                      </m:sub>
+                    </m:sSub>
+                    <m:d>
+                      <m:dPr>
+                        <m:begChr m:val="["/>
+                        <m:endChr m:val="]"/>
+                        <m:ctrlPr>
+                          <a:rPr lang="pt-BR" sz="2800" b="0" i="1" smtClean="0">
+                            <a:latin typeface="Cambria Math" panose="02040503050406030204" pitchFamily="18" charset="0"/>
+                            <a:ea typeface="Cambria Math" panose="02040503050406030204" pitchFamily="18" charset="0"/>
+                          </a:rPr>
+                        </m:ctrlPr>
+                      </m:dPr>
+                      <m:e>
+                        <m:r>
+                          <a:rPr lang="pt-BR" sz="2800" b="0" i="1" smtClean="0">
+                            <a:latin typeface="Cambria Math" panose="02040503050406030204" pitchFamily="18" charset="0"/>
+                            <a:ea typeface="Cambria Math" panose="02040503050406030204" pitchFamily="18" charset="0"/>
+                          </a:rPr>
+                          <m:t>1,2</m:t>
+                        </m:r>
+                      </m:e>
+                    </m:d>
+                    <m:r>
+                      <a:rPr lang="pt-BR" sz="2800" b="0" i="1" smtClean="0">
+                        <a:latin typeface="Cambria Math" panose="02040503050406030204" pitchFamily="18" charset="0"/>
+                        <a:ea typeface="Cambria Math" panose="02040503050406030204" pitchFamily="18" charset="0"/>
+                      </a:rPr>
+                      <m:t>, </m:t>
+                    </m:r>
+                    <m:sSub>
+                      <m:sSubPr>
+                        <m:ctrlPr>
+                          <a:rPr lang="pt-BR" sz="2800" b="0" i="1" smtClean="0">
+                            <a:latin typeface="Cambria Math" panose="02040503050406030204" pitchFamily="18" charset="0"/>
+                            <a:ea typeface="Cambria Math" panose="02040503050406030204" pitchFamily="18" charset="0"/>
+                          </a:rPr>
+                        </m:ctrlPr>
+                      </m:sSubPr>
+                      <m:e>
+                        <m:r>
+                          <a:rPr lang="pt-BR" sz="2800" b="0" i="1" smtClean="0">
+                            <a:latin typeface="Cambria Math" panose="02040503050406030204" pitchFamily="18" charset="0"/>
+                            <a:ea typeface="Cambria Math" panose="02040503050406030204" pitchFamily="18" charset="0"/>
+                          </a:rPr>
+                          <m:t>𝑛</m:t>
+                        </m:r>
+                      </m:e>
+                      <m:sub>
+                        <m:r>
+                          <a:rPr lang="pt-BR" sz="2800" b="0" i="1" smtClean="0">
+                            <a:latin typeface="Cambria Math" panose="02040503050406030204" pitchFamily="18" charset="0"/>
+                            <a:ea typeface="Cambria Math" panose="02040503050406030204" pitchFamily="18" charset="0"/>
+                          </a:rPr>
+                          <m:t>3</m:t>
+                        </m:r>
+                      </m:sub>
+                    </m:sSub>
+                    <m:r>
+                      <a:rPr lang="pt-BR" sz="2800" b="0" i="1" smtClean="0">
+                        <a:latin typeface="Cambria Math" panose="02040503050406030204" pitchFamily="18" charset="0"/>
+                        <a:ea typeface="Cambria Math" panose="02040503050406030204" pitchFamily="18" charset="0"/>
+                      </a:rPr>
+                      <m:t> ∈</m:t>
+                    </m:r>
+                    <m:sSub>
+                      <m:sSubPr>
+                        <m:ctrlPr>
+                          <a:rPr lang="pt-BR" sz="2800" b="0" i="1" smtClean="0">
+                            <a:latin typeface="Cambria Math" panose="02040503050406030204" pitchFamily="18" charset="0"/>
+                            <a:ea typeface="Cambria Math" panose="02040503050406030204" pitchFamily="18" charset="0"/>
+                          </a:rPr>
+                        </m:ctrlPr>
+                      </m:sSubPr>
+                      <m:e>
+                        <m:r>
+                          <a:rPr lang="pt-BR" sz="2800" b="0" i="1" smtClean="0">
+                            <a:latin typeface="Cambria Math" panose="02040503050406030204" pitchFamily="18" charset="0"/>
+                            <a:ea typeface="Cambria Math" panose="02040503050406030204" pitchFamily="18" charset="0"/>
+                          </a:rPr>
+                          <m:t>𝑅</m:t>
+                        </m:r>
+                      </m:e>
+                      <m:sub>
+                        <m:r>
+                          <a:rPr lang="pt-BR" sz="2800" b="0" i="1" smtClean="0">
+                            <a:latin typeface="Cambria Math" panose="02040503050406030204" pitchFamily="18" charset="0"/>
+                            <a:ea typeface="Cambria Math" panose="02040503050406030204" pitchFamily="18" charset="0"/>
+                          </a:rPr>
+                          <m:t>2</m:t>
+                        </m:r>
+                      </m:sub>
+                    </m:sSub>
+                    <m:r>
+                      <a:rPr lang="pt-BR" sz="2800" b="0" i="1" smtClean="0">
+                        <a:latin typeface="Cambria Math" panose="02040503050406030204" pitchFamily="18" charset="0"/>
+                        <a:ea typeface="Cambria Math" panose="02040503050406030204" pitchFamily="18" charset="0"/>
+                      </a:rPr>
+                      <m:t>[3,4]</m:t>
+                    </m:r>
+                  </m:oMath>
+                </a14:m>
+                <a:endParaRPr lang="pt-BR" sz="2800" dirty="0" smtClean="0"/>
+              </a:p>
+              <a:p>
+                <a:pPr lvl="2">
+                  <a:buFont typeface="Arial" panose="020B0604020202020204" pitchFamily="34" charset="0"/>
+                  <a:buChar char="•"/>
+                </a:pPr>
+                <a:r>
+                  <a:rPr lang="pt-BR" sz="2800" dirty="0" err="1"/>
+                  <a:t>Queue</a:t>
+                </a:r>
+                <a:r>
+                  <a:rPr lang="pt-BR" sz="2800" dirty="0"/>
+                  <a:t>: </a:t>
+                </a:r>
+                <a:r>
+                  <a:rPr lang="pt-BR" sz="2800" dirty="0" smtClean="0"/>
+                  <a:t>{01000,01001,01010,01011,0110,0111,11000,11001,11010,11011}</a:t>
+                </a:r>
+              </a:p>
+              <a:p>
+                <a:pPr lvl="1">
+                  <a:buFont typeface="Arial" panose="020B0604020202020204" pitchFamily="34" charset="0"/>
+                  <a:buChar char="•"/>
+                </a:pPr>
+                <a:endParaRPr lang="en-US" sz="3200" dirty="0"/>
+              </a:p>
+            </p:txBody>
+          </p:sp>
+        </mc:Choice>
+        <mc:Fallback>
+          <p:sp>
+            <p:nvSpPr>
+              <p:cNvPr id="3" name="Content Placeholder 2"/>
+              <p:cNvSpPr>
+                <a:spLocks noGrp="1" noRot="1" noChangeAspect="1" noMove="1" noResize="1" noEditPoints="1" noAdjustHandles="1" noChangeArrowheads="1" noChangeShapeType="1" noTextEdit="1"/>
+              </p:cNvSpPr>
+              <p:nvPr>
+                <p:ph idx="1"/>
+              </p:nvPr>
+            </p:nvSpPr>
+            <p:spPr>
+              <a:xfrm>
+                <a:off x="1097280" y="1845734"/>
+                <a:ext cx="4582302" cy="4168700"/>
+              </a:xfrm>
+              <a:blipFill rotWithShape="0">
+                <a:blip r:embed="rId2"/>
+                <a:stretch>
+                  <a:fillRect t="-3947" r="-3191" b="-1608"/>
+                </a:stretch>
+              </a:blipFill>
+            </p:spPr>
+            <p:txBody>
+              <a:bodyPr/>
+              <a:lstStyle/>
+              <a:p>
+                <a:r>
+                  <a:rPr lang="en-US">
+                    <a:noFill/>
+                  </a:rPr>
+                  <a:t> </a:t>
+                </a:r>
+              </a:p>
+            </p:txBody>
+          </p:sp>
+        </mc:Fallback>
+      </mc:AlternateContent>
+      <p:pic>
+        <p:nvPicPr>
+          <p:cNvPr id="4" name="Picture 3"/>
+          <p:cNvPicPr>
+            <a:picLocks noChangeAspect="1"/>
+          </p:cNvPicPr>
+          <p:nvPr/>
+        </p:nvPicPr>
+        <p:blipFill>
+          <a:blip r:embed="rId3">
+            <a:extLst>
+              <a:ext uri="{28A0092B-C50C-407E-A947-70E740481C1C}">
+                <a14:useLocalDpi xmlns:a14="http://schemas.microsoft.com/office/drawing/2010/main" val="0"/>
+              </a:ext>
+            </a:extLst>
+          </a:blip>
+          <a:stretch>
+            <a:fillRect/>
+          </a:stretch>
+        </p:blipFill>
+        <p:spPr>
+          <a:xfrm>
+            <a:off x="5662931" y="1842091"/>
+            <a:ext cx="5492748" cy="2403716"/>
+          </a:xfrm>
+          <a:prstGeom prst="rect">
+            <a:avLst/>
+          </a:prstGeom>
+        </p:spPr>
+      </p:pic>
+      <p:sp>
+        <p:nvSpPr>
+          <p:cNvPr id="8" name="TextBox 7"/>
+          <p:cNvSpPr txBox="1"/>
+          <p:nvPr/>
+        </p:nvSpPr>
+        <p:spPr>
+          <a:xfrm>
+            <a:off x="5679582" y="4242163"/>
+            <a:ext cx="5476097" cy="1815882"/>
+          </a:xfrm>
+          <a:prstGeom prst="rect">
+            <a:avLst/>
+          </a:prstGeom>
+          <a:noFill/>
+        </p:spPr>
+        <p:txBody>
+          <a:bodyPr wrap="square" rtlCol="0">
+            <a:spAutoFit/>
+          </a:bodyPr>
+          <a:lstStyle/>
+          <a:p>
+            <a:r>
+              <a:rPr lang="pt-BR" sz="2800" b="1" dirty="0" smtClean="0">
+                <a:solidFill>
+                  <a:schemeClr val="tx1">
+                    <a:lumMod val="75000"/>
+                    <a:lumOff val="25000"/>
+                  </a:schemeClr>
+                </a:solidFill>
+              </a:rPr>
+              <a:t>Preto</a:t>
+            </a:r>
+            <a:r>
+              <a:rPr lang="pt-BR" sz="2800" dirty="0" smtClean="0">
+                <a:solidFill>
+                  <a:schemeClr val="tx1">
+                    <a:lumMod val="75000"/>
+                    <a:lumOff val="25000"/>
+                  </a:schemeClr>
+                </a:solidFill>
+              </a:rPr>
+              <a:t>: Sucesso</a:t>
+            </a:r>
+          </a:p>
+          <a:p>
+            <a:r>
+              <a:rPr lang="pt-BR" sz="2800" dirty="0" smtClean="0">
+                <a:solidFill>
+                  <a:schemeClr val="tx1">
+                    <a:lumMod val="75000"/>
+                    <a:lumOff val="25000"/>
+                  </a:schemeClr>
+                </a:solidFill>
+              </a:rPr>
+              <a:t>Branco: Ocioso</a:t>
+            </a:r>
+          </a:p>
+          <a:p>
+            <a:r>
+              <a:rPr lang="pt-BR" sz="2800" u="sng" dirty="0" smtClean="0">
+                <a:solidFill>
+                  <a:schemeClr val="tx1">
+                    <a:lumMod val="75000"/>
+                    <a:lumOff val="25000"/>
+                  </a:schemeClr>
+                </a:solidFill>
+              </a:rPr>
+              <a:t>Cinza</a:t>
+            </a:r>
+            <a:r>
+              <a:rPr lang="pt-BR" sz="2800" dirty="0" smtClean="0">
+                <a:solidFill>
+                  <a:schemeClr val="tx1">
+                    <a:lumMod val="75000"/>
+                    <a:lumOff val="25000"/>
+                  </a:schemeClr>
+                </a:solidFill>
+              </a:rPr>
+              <a:t>: Conflito</a:t>
+            </a:r>
+          </a:p>
+          <a:p>
+            <a:r>
+              <a:rPr lang="pt-BR" sz="2800" dirty="0" smtClean="0">
+                <a:solidFill>
+                  <a:srgbClr val="FF0000"/>
+                </a:solidFill>
+              </a:rPr>
+              <a:t>Vermelho</a:t>
+            </a:r>
+            <a:r>
+              <a:rPr lang="pt-BR" sz="2800" dirty="0" smtClean="0">
+                <a:solidFill>
+                  <a:schemeClr val="tx1">
+                    <a:lumMod val="75000"/>
+                    <a:lumOff val="25000"/>
+                  </a:schemeClr>
+                </a:solidFill>
+              </a:rPr>
+              <a:t>: Descartado</a:t>
+            </a:r>
+            <a:endParaRPr lang="en-US" sz="2800" dirty="0">
+              <a:solidFill>
+                <a:srgbClr val="FF0000"/>
+              </a:solidFill>
+            </a:endParaRPr>
+          </a:p>
+        </p:txBody>
+      </p:sp>
+    </p:spTree>
+    <p:extLst>
+      <p:ext uri="{BB962C8B-B14F-4D97-AF65-F5344CB8AC3E}">
+        <p14:creationId xmlns:p14="http://schemas.microsoft.com/office/powerpoint/2010/main" val="4068003790"/>
+      </p:ext>
+    </p:extLst>
+  </p:cSld>
+  <p:clrMapOvr>
+    <a:masterClrMapping/>
+  </p:clrMapOvr>
+  <p:timing>
+    <p:tnLst>
+      <p:par>
+        <p:cTn id="1" dur="indefinite" restart="never" nodeType="tmRoot"/>
+      </p:par>
+    </p:tnLst>
+  </p:timing>
+</p:sld>
+</file>
+
+<file path=ppt/slides/slide14.xml><?xml version="1.0" encoding="utf-8"?>
+<p:sld xmlns:a="http://schemas.openxmlformats.org/drawingml/2006/main" xmlns:r="http://schemas.openxmlformats.org/officeDocument/2006/relationships" xmlns:p="http://schemas.openxmlformats.org/presentationml/2006/main">
+  <p:cSld>
+    <p:spTree>
+      <p:nvGrpSpPr>
+        <p:cNvPr id="1" name=""/>
+        <p:cNvGrpSpPr/>
+        <p:nvPr/>
+      </p:nvGrpSpPr>
+      <p:grpSpPr>
+        <a:xfrm>
+          <a:off x="0" y="0"/>
+          <a:ext cx="0" cy="0"/>
+          <a:chOff x="0" y="0"/>
+          <a:chExt cx="0" cy="0"/>
+        </a:xfrm>
+      </p:grpSpPr>
+      <p:sp>
+        <p:nvSpPr>
+          <p:cNvPr id="2" name="Title 1"/>
+          <p:cNvSpPr>
+            <a:spLocks noGrp="1"/>
+          </p:cNvSpPr>
+          <p:nvPr>
+            <p:ph type="title"/>
+          </p:nvPr>
+        </p:nvSpPr>
+        <p:spPr/>
+        <p:txBody>
+          <a:bodyPr>
+            <a:normAutofit/>
+          </a:bodyPr>
+          <a:lstStyle/>
+          <a:p>
+            <a:r>
+              <a:rPr lang="pt-BR" sz="4000" dirty="0"/>
+              <a:t>Proposta - </a:t>
+            </a:r>
+            <a:r>
+              <a:rPr lang="en-US" sz="4000" i="1" dirty="0"/>
+              <a:t>Base Adaptive Query Tree </a:t>
+            </a:r>
+            <a:r>
+              <a:rPr lang="en-US" sz="4000" dirty="0"/>
+              <a:t>(BAQT)</a:t>
+            </a:r>
+          </a:p>
+        </p:txBody>
+      </p:sp>
+      <mc:AlternateContent xmlns:mc="http://schemas.openxmlformats.org/markup-compatibility/2006">
+        <mc:Choice xmlns:a14="http://schemas.microsoft.com/office/drawing/2010/main" Requires="a14">
+          <p:sp>
+            <p:nvSpPr>
+              <p:cNvPr id="3" name="Content Placeholder 2"/>
+              <p:cNvSpPr>
+                <a:spLocks noGrp="1"/>
+              </p:cNvSpPr>
+              <p:nvPr>
+                <p:ph idx="1"/>
+              </p:nvPr>
+            </p:nvSpPr>
+            <p:spPr>
+              <a:xfrm>
+                <a:off x="1097280" y="1845734"/>
+                <a:ext cx="4582302" cy="4168700"/>
+              </a:xfrm>
+            </p:spPr>
+            <p:txBody>
+              <a:bodyPr>
+                <a:normAutofit fontScale="92500" lnSpcReduction="20000"/>
+              </a:bodyPr>
+              <a:lstStyle/>
+              <a:p>
+                <a:pPr lvl="1">
+                  <a:buFont typeface="Arial" panose="020B0604020202020204" pitchFamily="34" charset="0"/>
+                  <a:buChar char="•"/>
+                </a:pPr>
+                <a:r>
+                  <a:rPr lang="pt-BR" sz="3200" dirty="0" smtClean="0"/>
+                  <a:t>Exemplo</a:t>
+                </a:r>
+              </a:p>
+              <a:p>
+                <a:pPr lvl="2">
+                  <a:buFont typeface="Arial" panose="020B0604020202020204" pitchFamily="34" charset="0"/>
+                  <a:buChar char="•"/>
+                </a:pPr>
+                <a:r>
+                  <a:rPr lang="pt-BR" sz="2800" dirty="0" err="1" smtClean="0"/>
+                  <a:t>Tags</a:t>
+                </a:r>
+                <a:r>
+                  <a:rPr lang="pt-BR" sz="2800" dirty="0" smtClean="0"/>
+                  <a:t>: {</a:t>
+                </a:r>
+                <a:r>
+                  <a:rPr lang="pt-BR" sz="2800" strike="sngStrike" dirty="0" smtClean="0"/>
+                  <a:t>000000</a:t>
+                </a:r>
+                <a:r>
+                  <a:rPr lang="pt-BR" sz="2800" dirty="0" smtClean="0"/>
+                  <a:t>, 010011, 010010, </a:t>
+                </a:r>
+                <a:r>
+                  <a:rPr lang="pt-BR" sz="2800" strike="sngStrike" dirty="0" smtClean="0"/>
+                  <a:t>010001</a:t>
+                </a:r>
+                <a:r>
+                  <a:rPr lang="pt-BR" sz="2800" dirty="0" smtClean="0"/>
+                  <a:t>, 011000, 011110, 110010, 110100, 110111}</a:t>
+                </a:r>
+              </a:p>
+              <a:p>
+                <a:pPr lvl="2">
+                  <a:buFont typeface="Arial" panose="020B0604020202020204" pitchFamily="34" charset="0"/>
+                  <a:buChar char="•"/>
+                </a:pPr>
+                <a:r>
+                  <a:rPr lang="pt-BR" sz="2800" dirty="0" smtClean="0"/>
+                  <a:t>Queries: &lt;</a:t>
+                </a:r>
+                <a:r>
+                  <a:rPr lang="pt-BR" sz="2800" b="1" dirty="0"/>
+                  <a:t>01000</a:t>
+                </a:r>
+                <a:r>
+                  <a:rPr lang="pt-BR" sz="2800" dirty="0"/>
+                  <a:t>,</a:t>
+                </a:r>
+                <a:r>
+                  <a:rPr lang="pt-BR" sz="2800" u="sng" dirty="0"/>
+                  <a:t>01001</a:t>
+                </a:r>
+                <a:r>
+                  <a:rPr lang="pt-BR" sz="2800" dirty="0"/>
+                  <a:t>,</a:t>
+                </a:r>
+                <a:r>
+                  <a:rPr lang="pt-BR" sz="2800" dirty="0">
+                    <a:solidFill>
+                      <a:srgbClr val="FF0000"/>
+                    </a:solidFill>
+                  </a:rPr>
+                  <a:t>01010</a:t>
+                </a:r>
+                <a:r>
+                  <a:rPr lang="pt-BR" sz="2800" dirty="0"/>
+                  <a:t>,</a:t>
+                </a:r>
+                <a:r>
+                  <a:rPr lang="pt-BR" sz="2800" dirty="0">
+                    <a:solidFill>
+                      <a:srgbClr val="FF0000"/>
+                    </a:solidFill>
+                  </a:rPr>
+                  <a:t>01011</a:t>
+                </a:r>
+                <a:r>
+                  <a:rPr lang="pt-BR" sz="2800" dirty="0" smtClean="0"/>
+                  <a:t>&gt;</a:t>
+                </a:r>
+                <a:endParaRPr lang="pt-BR" sz="2800" u="sng" dirty="0" smtClean="0"/>
+              </a:p>
+              <a:p>
+                <a:pPr lvl="2">
+                  <a:buFont typeface="Arial" panose="020B0604020202020204" pitchFamily="34" charset="0"/>
+                  <a:buChar char="•"/>
+                </a:pPr>
+                <a14:m>
+                  <m:oMath xmlns:m="http://schemas.openxmlformats.org/officeDocument/2006/math">
+                    <m:r>
+                      <a:rPr lang="pt-BR" sz="2800" b="0" i="1" smtClean="0">
+                        <a:latin typeface="Cambria Math" panose="02040503050406030204" pitchFamily="18" charset="0"/>
+                      </a:rPr>
+                      <m:t>𝑛</m:t>
+                    </m:r>
+                    <m:r>
+                      <a:rPr lang="pt-BR" sz="2800" b="0" i="1" smtClean="0">
+                        <a:latin typeface="Cambria Math" panose="02040503050406030204" pitchFamily="18" charset="0"/>
+                      </a:rPr>
+                      <m:t>=2</m:t>
+                    </m:r>
+                  </m:oMath>
+                </a14:m>
+                <a:endParaRPr lang="pt-BR" sz="2800" b="0" i="1" dirty="0" smtClean="0">
+                  <a:latin typeface="Cambria Math" panose="02040503050406030204" pitchFamily="18" charset="0"/>
+                </a:endParaRPr>
+              </a:p>
+              <a:p>
+                <a:pPr lvl="2">
+                  <a:buFont typeface="Arial" panose="020B0604020202020204" pitchFamily="34" charset="0"/>
+                  <a:buChar char="•"/>
+                </a:pPr>
+                <a14:m>
+                  <m:oMath xmlns:m="http://schemas.openxmlformats.org/officeDocument/2006/math">
+                    <m:r>
+                      <a:rPr lang="pt-BR" sz="2800" b="0" i="1" smtClean="0">
+                        <a:latin typeface="Cambria Math" panose="02040503050406030204" pitchFamily="18" charset="0"/>
+                        <a:ea typeface="Cambria Math" panose="02040503050406030204" pitchFamily="18" charset="0"/>
+                      </a:rPr>
+                      <m:t>𝑛</m:t>
+                    </m:r>
+                    <m:r>
+                      <a:rPr lang="pt-BR" sz="2800" b="0" i="1" smtClean="0">
+                        <a:latin typeface="Cambria Math" panose="02040503050406030204" pitchFamily="18" charset="0"/>
+                        <a:ea typeface="Cambria Math" panose="02040503050406030204" pitchFamily="18" charset="0"/>
+                      </a:rPr>
+                      <m:t> ∈</m:t>
+                    </m:r>
+                    <m:sSub>
+                      <m:sSubPr>
+                        <m:ctrlPr>
+                          <a:rPr lang="pt-BR" sz="2800" b="0" i="1" smtClean="0">
+                            <a:latin typeface="Cambria Math" panose="02040503050406030204" pitchFamily="18" charset="0"/>
+                            <a:ea typeface="Cambria Math" panose="02040503050406030204" pitchFamily="18" charset="0"/>
+                          </a:rPr>
+                        </m:ctrlPr>
+                      </m:sSubPr>
+                      <m:e>
+                        <m:r>
+                          <a:rPr lang="pt-BR" sz="2800" b="0" i="1" smtClean="0">
+                            <a:latin typeface="Cambria Math" panose="02040503050406030204" pitchFamily="18" charset="0"/>
+                            <a:ea typeface="Cambria Math" panose="02040503050406030204" pitchFamily="18" charset="0"/>
+                          </a:rPr>
+                          <m:t>𝑅</m:t>
+                        </m:r>
+                      </m:e>
+                      <m:sub>
+                        <m:r>
+                          <a:rPr lang="pt-BR" sz="2800" b="0" i="1" smtClean="0">
+                            <a:latin typeface="Cambria Math" panose="02040503050406030204" pitchFamily="18" charset="0"/>
+                            <a:ea typeface="Cambria Math" panose="02040503050406030204" pitchFamily="18" charset="0"/>
+                          </a:rPr>
+                          <m:t>1</m:t>
+                        </m:r>
+                      </m:sub>
+                    </m:sSub>
+                    <m:d>
+                      <m:dPr>
+                        <m:begChr m:val="["/>
+                        <m:endChr m:val="]"/>
+                        <m:ctrlPr>
+                          <a:rPr lang="pt-BR" sz="2800" b="0" i="1" smtClean="0">
+                            <a:latin typeface="Cambria Math" panose="02040503050406030204" pitchFamily="18" charset="0"/>
+                            <a:ea typeface="Cambria Math" panose="02040503050406030204" pitchFamily="18" charset="0"/>
+                          </a:rPr>
+                        </m:ctrlPr>
+                      </m:dPr>
+                      <m:e>
+                        <m:r>
+                          <a:rPr lang="pt-BR" sz="2800" b="0" i="1" smtClean="0">
+                            <a:latin typeface="Cambria Math" panose="02040503050406030204" pitchFamily="18" charset="0"/>
+                            <a:ea typeface="Cambria Math" panose="02040503050406030204" pitchFamily="18" charset="0"/>
+                          </a:rPr>
+                          <m:t>1</m:t>
+                        </m:r>
+                        <m:r>
+                          <a:rPr lang="pt-BR" sz="2800" b="0" i="1" smtClean="0">
+                            <a:latin typeface="Cambria Math" panose="02040503050406030204" pitchFamily="18" charset="0"/>
+                            <a:ea typeface="Cambria Math" panose="02040503050406030204" pitchFamily="18" charset="0"/>
+                          </a:rPr>
+                          <m:t>,2</m:t>
+                        </m:r>
+                      </m:e>
+                    </m:d>
+                    <m:r>
+                      <a:rPr lang="pt-BR" sz="2800" b="0" i="1" smtClean="0">
+                        <a:latin typeface="Cambria Math" panose="02040503050406030204" pitchFamily="18" charset="0"/>
+                        <a:ea typeface="Cambria Math" panose="02040503050406030204" pitchFamily="18" charset="0"/>
+                      </a:rPr>
+                      <m:t> </m:t>
+                    </m:r>
+                  </m:oMath>
+                </a14:m>
+                <a:endParaRPr lang="pt-BR" sz="2800" dirty="0" smtClean="0"/>
+              </a:p>
+              <a:p>
+                <a:pPr lvl="2">
+                  <a:buFont typeface="Arial" panose="020B0604020202020204" pitchFamily="34" charset="0"/>
+                  <a:buChar char="•"/>
+                </a:pPr>
+                <a:r>
+                  <a:rPr lang="pt-BR" sz="2800" dirty="0" smtClean="0"/>
+                  <a:t>Queue</a:t>
+                </a:r>
+                <a:r>
+                  <a:rPr lang="pt-BR" sz="2800" dirty="0"/>
+                  <a:t>: </a:t>
+                </a:r>
+                <a:r>
+                  <a:rPr lang="pt-BR" sz="2800" dirty="0" smtClean="0"/>
+                  <a:t>{0110,0111,11000,11001,11010,11011,010010,010011}</a:t>
+                </a:r>
+              </a:p>
+              <a:p>
+                <a:pPr lvl="1">
+                  <a:buFont typeface="Arial" panose="020B0604020202020204" pitchFamily="34" charset="0"/>
+                  <a:buChar char="•"/>
+                </a:pPr>
+                <a:endParaRPr lang="en-US" sz="3200" dirty="0"/>
+              </a:p>
+            </p:txBody>
+          </p:sp>
+        </mc:Choice>
+        <mc:Fallback>
+          <p:sp>
+            <p:nvSpPr>
+              <p:cNvPr id="3" name="Content Placeholder 2"/>
+              <p:cNvSpPr>
+                <a:spLocks noGrp="1" noRot="1" noChangeAspect="1" noMove="1" noResize="1" noEditPoints="1" noAdjustHandles="1" noChangeArrowheads="1" noChangeShapeType="1" noTextEdit="1"/>
+              </p:cNvSpPr>
+              <p:nvPr>
+                <p:ph idx="1"/>
+              </p:nvPr>
+            </p:nvSpPr>
+            <p:spPr>
+              <a:xfrm>
+                <a:off x="1097280" y="1845734"/>
+                <a:ext cx="4582302" cy="4168700"/>
+              </a:xfrm>
+              <a:blipFill rotWithShape="0">
+                <a:blip r:embed="rId2"/>
+                <a:stretch>
+                  <a:fillRect l="-266" t="-4678" r="-1862"/>
+                </a:stretch>
+              </a:blipFill>
+            </p:spPr>
+            <p:txBody>
+              <a:bodyPr/>
+              <a:lstStyle/>
+              <a:p>
+                <a:r>
+                  <a:rPr lang="en-US">
+                    <a:noFill/>
+                  </a:rPr>
+                  <a:t> </a:t>
+                </a:r>
+              </a:p>
+            </p:txBody>
+          </p:sp>
+        </mc:Fallback>
+      </mc:AlternateContent>
+      <p:sp>
+        <p:nvSpPr>
+          <p:cNvPr id="8" name="TextBox 7"/>
+          <p:cNvSpPr txBox="1"/>
+          <p:nvPr/>
+        </p:nvSpPr>
+        <p:spPr>
+          <a:xfrm>
+            <a:off x="5679582" y="4242163"/>
+            <a:ext cx="5476097" cy="1815882"/>
+          </a:xfrm>
+          <a:prstGeom prst="rect">
+            <a:avLst/>
+          </a:prstGeom>
+          <a:noFill/>
+        </p:spPr>
+        <p:txBody>
+          <a:bodyPr wrap="square" rtlCol="0">
+            <a:spAutoFit/>
+          </a:bodyPr>
+          <a:lstStyle/>
+          <a:p>
+            <a:r>
+              <a:rPr lang="pt-BR" sz="2800" b="1" dirty="0" smtClean="0">
+                <a:solidFill>
+                  <a:schemeClr val="tx1">
+                    <a:lumMod val="75000"/>
+                    <a:lumOff val="25000"/>
+                  </a:schemeClr>
+                </a:solidFill>
+              </a:rPr>
+              <a:t>Preto</a:t>
+            </a:r>
+            <a:r>
+              <a:rPr lang="pt-BR" sz="2800" dirty="0" smtClean="0">
+                <a:solidFill>
+                  <a:schemeClr val="tx1">
+                    <a:lumMod val="75000"/>
+                    <a:lumOff val="25000"/>
+                  </a:schemeClr>
+                </a:solidFill>
+              </a:rPr>
+              <a:t>: Sucesso</a:t>
+            </a:r>
+          </a:p>
+          <a:p>
+            <a:r>
+              <a:rPr lang="pt-BR" sz="2800" dirty="0" smtClean="0">
+                <a:solidFill>
+                  <a:schemeClr val="tx1">
+                    <a:lumMod val="75000"/>
+                    <a:lumOff val="25000"/>
+                  </a:schemeClr>
+                </a:solidFill>
+              </a:rPr>
+              <a:t>Branco: Ocioso</a:t>
+            </a:r>
+          </a:p>
+          <a:p>
+            <a:r>
+              <a:rPr lang="pt-BR" sz="2800" u="sng" dirty="0" smtClean="0">
+                <a:solidFill>
+                  <a:schemeClr val="tx1">
+                    <a:lumMod val="75000"/>
+                    <a:lumOff val="25000"/>
+                  </a:schemeClr>
+                </a:solidFill>
+              </a:rPr>
+              <a:t>Cinza</a:t>
+            </a:r>
+            <a:r>
+              <a:rPr lang="pt-BR" sz="2800" dirty="0" smtClean="0">
+                <a:solidFill>
+                  <a:schemeClr val="tx1">
+                    <a:lumMod val="75000"/>
+                    <a:lumOff val="25000"/>
+                  </a:schemeClr>
+                </a:solidFill>
+              </a:rPr>
+              <a:t>: Conflito</a:t>
+            </a:r>
+          </a:p>
+          <a:p>
+            <a:r>
+              <a:rPr lang="pt-BR" sz="2800" dirty="0" smtClean="0">
+                <a:solidFill>
+                  <a:srgbClr val="FF0000"/>
+                </a:solidFill>
+              </a:rPr>
+              <a:t>Vermelho</a:t>
+            </a:r>
+            <a:r>
+              <a:rPr lang="pt-BR" sz="2800" dirty="0" smtClean="0">
+                <a:solidFill>
+                  <a:schemeClr val="tx1">
+                    <a:lumMod val="75000"/>
+                    <a:lumOff val="25000"/>
+                  </a:schemeClr>
+                </a:solidFill>
+              </a:rPr>
+              <a:t>: Descartado</a:t>
+            </a:r>
+            <a:endParaRPr lang="en-US" sz="2800" dirty="0">
+              <a:solidFill>
+                <a:srgbClr val="FF0000"/>
+              </a:solidFill>
+            </a:endParaRPr>
+          </a:p>
+        </p:txBody>
+      </p:sp>
+      <p:pic>
+        <p:nvPicPr>
+          <p:cNvPr id="5" name="Picture 4"/>
+          <p:cNvPicPr>
+            <a:picLocks noChangeAspect="1"/>
+          </p:cNvPicPr>
+          <p:nvPr/>
+        </p:nvPicPr>
+        <p:blipFill>
+          <a:blip r:embed="rId3">
+            <a:extLst>
+              <a:ext uri="{28A0092B-C50C-407E-A947-70E740481C1C}">
+                <a14:useLocalDpi xmlns:a14="http://schemas.microsoft.com/office/drawing/2010/main" val="0"/>
+              </a:ext>
+            </a:extLst>
+          </a:blip>
+          <a:stretch>
+            <a:fillRect/>
+          </a:stretch>
+        </p:blipFill>
+        <p:spPr>
+          <a:xfrm>
+            <a:off x="5679582" y="1845734"/>
+            <a:ext cx="5443773" cy="2382284"/>
+          </a:xfrm>
+          <a:prstGeom prst="rect">
+            <a:avLst/>
+          </a:prstGeom>
+        </p:spPr>
+      </p:pic>
+    </p:spTree>
+    <p:extLst>
+      <p:ext uri="{BB962C8B-B14F-4D97-AF65-F5344CB8AC3E}">
+        <p14:creationId xmlns:p14="http://schemas.microsoft.com/office/powerpoint/2010/main" val="1942523640"/>
+      </p:ext>
+    </p:extLst>
+  </p:cSld>
+  <p:clrMapOvr>
+    <a:masterClrMapping/>
+  </p:clrMapOvr>
+  <p:timing>
+    <p:tnLst>
+      <p:par>
+        <p:cTn id="1" dur="indefinite" restart="never" nodeType="tmRoot"/>
+      </p:par>
+    </p:tnLst>
+  </p:timing>
+</p:sld>
+</file>
+
+<file path=ppt/slides/slide15.xml><?xml version="1.0" encoding="utf-8"?>
+<p:sld xmlns:a="http://schemas.openxmlformats.org/drawingml/2006/main" xmlns:r="http://schemas.openxmlformats.org/officeDocument/2006/relationships" xmlns:p="http://schemas.openxmlformats.org/presentationml/2006/main">
+  <p:cSld>
+    <p:spTree>
+      <p:nvGrpSpPr>
+        <p:cNvPr id="1" name=""/>
+        <p:cNvGrpSpPr/>
+        <p:nvPr/>
+      </p:nvGrpSpPr>
+      <p:grpSpPr>
+        <a:xfrm>
+          <a:off x="0" y="0"/>
+          <a:ext cx="0" cy="0"/>
+          <a:chOff x="0" y="0"/>
+          <a:chExt cx="0" cy="0"/>
+        </a:xfrm>
+      </p:grpSpPr>
+      <p:sp>
+        <p:nvSpPr>
+          <p:cNvPr id="2" name="Title 1"/>
+          <p:cNvSpPr>
+            <a:spLocks noGrp="1"/>
+          </p:cNvSpPr>
+          <p:nvPr>
+            <p:ph type="title"/>
+          </p:nvPr>
+        </p:nvSpPr>
+        <p:spPr/>
+        <p:txBody>
+          <a:bodyPr>
+            <a:normAutofit/>
+          </a:bodyPr>
+          <a:lstStyle/>
+          <a:p>
+            <a:r>
+              <a:rPr lang="pt-BR" sz="4000" dirty="0"/>
+              <a:t>Proposta - </a:t>
+            </a:r>
+            <a:r>
+              <a:rPr lang="en-US" sz="4000" i="1" dirty="0"/>
+              <a:t>Base Adaptive Query Tree </a:t>
+            </a:r>
+            <a:r>
+              <a:rPr lang="en-US" sz="4000" dirty="0"/>
+              <a:t>(BAQT)</a:t>
+            </a:r>
+          </a:p>
+        </p:txBody>
+      </p:sp>
+      <p:sp>
+        <p:nvSpPr>
+          <p:cNvPr id="3" name="Content Placeholder 2"/>
+          <p:cNvSpPr>
+            <a:spLocks noGrp="1"/>
+          </p:cNvSpPr>
+          <p:nvPr>
+            <p:ph idx="1"/>
+          </p:nvPr>
+        </p:nvSpPr>
+        <p:spPr>
+          <a:xfrm>
+            <a:off x="1097280" y="1845734"/>
+            <a:ext cx="4582302" cy="4168700"/>
+          </a:xfrm>
+        </p:spPr>
+        <p:txBody>
+          <a:bodyPr>
+            <a:normAutofit/>
+          </a:bodyPr>
+          <a:lstStyle/>
+          <a:p>
+            <a:pPr lvl="1">
+              <a:buFont typeface="Arial" panose="020B0604020202020204" pitchFamily="34" charset="0"/>
+              <a:buChar char="•"/>
+            </a:pPr>
+            <a:r>
+              <a:rPr lang="pt-BR" sz="3200" dirty="0" smtClean="0"/>
+              <a:t>Exemplo</a:t>
+            </a:r>
+          </a:p>
+          <a:p>
+            <a:pPr lvl="2">
+              <a:buFont typeface="Arial" panose="020B0604020202020204" pitchFamily="34" charset="0"/>
+              <a:buChar char="•"/>
+            </a:pPr>
+            <a:r>
+              <a:rPr lang="pt-BR" sz="2800" dirty="0" err="1" smtClean="0"/>
+              <a:t>Tags</a:t>
+            </a:r>
+            <a:r>
+              <a:rPr lang="pt-BR" sz="2800" dirty="0" smtClean="0"/>
+              <a:t>: {</a:t>
+            </a:r>
+            <a:r>
+              <a:rPr lang="pt-BR" sz="2800" strike="sngStrike" dirty="0" smtClean="0"/>
+              <a:t>000000</a:t>
+            </a:r>
+            <a:r>
+              <a:rPr lang="pt-BR" sz="2800" dirty="0" smtClean="0"/>
+              <a:t>, 010011, 010010, </a:t>
+            </a:r>
+            <a:r>
+              <a:rPr lang="pt-BR" sz="2800" strike="sngStrike" dirty="0" smtClean="0"/>
+              <a:t>010001</a:t>
+            </a:r>
+            <a:r>
+              <a:rPr lang="pt-BR" sz="2800" dirty="0" smtClean="0"/>
+              <a:t>, </a:t>
+            </a:r>
+            <a:r>
+              <a:rPr lang="pt-BR" sz="2800" strike="sngStrike" dirty="0" smtClean="0"/>
+              <a:t>011000</a:t>
+            </a:r>
+            <a:r>
+              <a:rPr lang="pt-BR" sz="2800" dirty="0" smtClean="0"/>
+              <a:t>, </a:t>
+            </a:r>
+            <a:r>
+              <a:rPr lang="pt-BR" sz="2800" strike="sngStrike" dirty="0" smtClean="0"/>
+              <a:t>011110</a:t>
+            </a:r>
+            <a:r>
+              <a:rPr lang="pt-BR" sz="2800" dirty="0" smtClean="0"/>
+              <a:t>, 110010, 110100, 110111}</a:t>
+            </a:r>
+          </a:p>
+          <a:p>
+            <a:pPr lvl="2">
+              <a:buFont typeface="Arial" panose="020B0604020202020204" pitchFamily="34" charset="0"/>
+              <a:buChar char="•"/>
+            </a:pPr>
+            <a:r>
+              <a:rPr lang="pt-BR" sz="2800" dirty="0" smtClean="0"/>
+              <a:t>Queries: &lt;</a:t>
+            </a:r>
+            <a:r>
+              <a:rPr lang="pt-BR" sz="2800" b="1" dirty="0" smtClean="0"/>
+              <a:t>0110</a:t>
+            </a:r>
+            <a:r>
+              <a:rPr lang="pt-BR" sz="2800" dirty="0" smtClean="0"/>
+              <a:t>,</a:t>
+            </a:r>
+            <a:r>
+              <a:rPr lang="pt-BR" sz="2800" b="1" dirty="0" smtClean="0"/>
+              <a:t>0111</a:t>
+            </a:r>
+            <a:r>
+              <a:rPr lang="pt-BR" sz="2800" dirty="0" smtClean="0"/>
+              <a:t>&gt;</a:t>
+            </a:r>
+          </a:p>
+          <a:p>
+            <a:pPr lvl="2">
+              <a:buFont typeface="Arial" panose="020B0604020202020204" pitchFamily="34" charset="0"/>
+              <a:buChar char="•"/>
+            </a:pPr>
+            <a:r>
+              <a:rPr lang="pt-BR" sz="2800" dirty="0" err="1" smtClean="0"/>
+              <a:t>Queue</a:t>
+            </a:r>
+            <a:r>
+              <a:rPr lang="pt-BR" sz="2800" dirty="0"/>
+              <a:t>: </a:t>
+            </a:r>
+            <a:r>
+              <a:rPr lang="pt-BR" sz="2800" dirty="0" smtClean="0"/>
+              <a:t>{11000,11001,11010,11011,010010,010011}</a:t>
+            </a:r>
+          </a:p>
+          <a:p>
+            <a:pPr lvl="1">
+              <a:buFont typeface="Arial" panose="020B0604020202020204" pitchFamily="34" charset="0"/>
+              <a:buChar char="•"/>
+            </a:pPr>
+            <a:endParaRPr lang="en-US" sz="3200" dirty="0"/>
+          </a:p>
+        </p:txBody>
+      </p:sp>
+      <p:sp>
+        <p:nvSpPr>
+          <p:cNvPr id="8" name="TextBox 7"/>
+          <p:cNvSpPr txBox="1"/>
+          <p:nvPr/>
+        </p:nvSpPr>
+        <p:spPr>
+          <a:xfrm>
+            <a:off x="5679582" y="4242163"/>
+            <a:ext cx="5476097" cy="1815882"/>
+          </a:xfrm>
+          <a:prstGeom prst="rect">
+            <a:avLst/>
+          </a:prstGeom>
+          <a:noFill/>
+        </p:spPr>
+        <p:txBody>
+          <a:bodyPr wrap="square" rtlCol="0">
+            <a:spAutoFit/>
+          </a:bodyPr>
+          <a:lstStyle/>
+          <a:p>
+            <a:r>
+              <a:rPr lang="pt-BR" sz="2800" b="1" dirty="0" smtClean="0">
+                <a:solidFill>
+                  <a:schemeClr val="tx1">
+                    <a:lumMod val="75000"/>
+                    <a:lumOff val="25000"/>
+                  </a:schemeClr>
+                </a:solidFill>
+              </a:rPr>
+              <a:t>Preto</a:t>
+            </a:r>
+            <a:r>
+              <a:rPr lang="pt-BR" sz="2800" dirty="0" smtClean="0">
+                <a:solidFill>
+                  <a:schemeClr val="tx1">
+                    <a:lumMod val="75000"/>
+                    <a:lumOff val="25000"/>
+                  </a:schemeClr>
+                </a:solidFill>
+              </a:rPr>
+              <a:t>: Sucesso</a:t>
+            </a:r>
+          </a:p>
+          <a:p>
+            <a:r>
+              <a:rPr lang="pt-BR" sz="2800" dirty="0" smtClean="0">
+                <a:solidFill>
+                  <a:schemeClr val="tx1">
+                    <a:lumMod val="75000"/>
+                    <a:lumOff val="25000"/>
+                  </a:schemeClr>
+                </a:solidFill>
+              </a:rPr>
+              <a:t>Branco: Ocioso</a:t>
+            </a:r>
+          </a:p>
+          <a:p>
+            <a:r>
+              <a:rPr lang="pt-BR" sz="2800" u="sng" dirty="0" smtClean="0">
+                <a:solidFill>
+                  <a:schemeClr val="tx1">
+                    <a:lumMod val="75000"/>
+                    <a:lumOff val="25000"/>
+                  </a:schemeClr>
+                </a:solidFill>
+              </a:rPr>
+              <a:t>Cinza</a:t>
+            </a:r>
+            <a:r>
+              <a:rPr lang="pt-BR" sz="2800" dirty="0" smtClean="0">
+                <a:solidFill>
+                  <a:schemeClr val="tx1">
+                    <a:lumMod val="75000"/>
+                    <a:lumOff val="25000"/>
+                  </a:schemeClr>
+                </a:solidFill>
+              </a:rPr>
+              <a:t>: Conflito</a:t>
+            </a:r>
+          </a:p>
+          <a:p>
+            <a:r>
+              <a:rPr lang="pt-BR" sz="2800" dirty="0" smtClean="0">
+                <a:solidFill>
+                  <a:srgbClr val="FF0000"/>
+                </a:solidFill>
+              </a:rPr>
+              <a:t>Vermelho</a:t>
+            </a:r>
+            <a:r>
+              <a:rPr lang="pt-BR" sz="2800" dirty="0" smtClean="0">
+                <a:solidFill>
+                  <a:schemeClr val="tx1">
+                    <a:lumMod val="75000"/>
+                    <a:lumOff val="25000"/>
+                  </a:schemeClr>
+                </a:solidFill>
+              </a:rPr>
+              <a:t>: Descartado</a:t>
+            </a:r>
+            <a:endParaRPr lang="en-US" sz="2800" dirty="0">
+              <a:solidFill>
+                <a:srgbClr val="FF0000"/>
+              </a:solidFill>
+            </a:endParaRPr>
+          </a:p>
+        </p:txBody>
+      </p:sp>
+      <p:pic>
+        <p:nvPicPr>
+          <p:cNvPr id="4" name="Picture 3"/>
+          <p:cNvPicPr>
+            <a:picLocks noChangeAspect="1"/>
+          </p:cNvPicPr>
+          <p:nvPr/>
+        </p:nvPicPr>
+        <p:blipFill>
+          <a:blip r:embed="rId2">
+            <a:extLst>
+              <a:ext uri="{28A0092B-C50C-407E-A947-70E740481C1C}">
+                <a14:useLocalDpi xmlns:a14="http://schemas.microsoft.com/office/drawing/2010/main" val="0"/>
+              </a:ext>
+            </a:extLst>
+          </a:blip>
+          <a:stretch>
+            <a:fillRect/>
+          </a:stretch>
+        </p:blipFill>
+        <p:spPr>
+          <a:xfrm>
+            <a:off x="5678893" y="1845432"/>
+            <a:ext cx="5477476" cy="2397033"/>
+          </a:xfrm>
+          <a:prstGeom prst="rect">
+            <a:avLst/>
+          </a:prstGeom>
+        </p:spPr>
+      </p:pic>
+    </p:spTree>
+    <p:extLst>
+      <p:ext uri="{BB962C8B-B14F-4D97-AF65-F5344CB8AC3E}">
+        <p14:creationId xmlns:p14="http://schemas.microsoft.com/office/powerpoint/2010/main" val="470555839"/>
+      </p:ext>
+    </p:extLst>
+  </p:cSld>
+  <p:clrMapOvr>
+    <a:masterClrMapping/>
+  </p:clrMapOvr>
+  <p:timing>
+    <p:tnLst>
+      <p:par>
+        <p:cTn id="1" dur="indefinite" restart="never" nodeType="tmRoot"/>
+      </p:par>
+    </p:tnLst>
+  </p:timing>
+</p:sld>
+</file>
+
+<file path=ppt/slides/slide16.xml><?xml version="1.0" encoding="utf-8"?>
+<p:sld xmlns:a="http://schemas.openxmlformats.org/drawingml/2006/main" xmlns:r="http://schemas.openxmlformats.org/officeDocument/2006/relationships" xmlns:p="http://schemas.openxmlformats.org/presentationml/2006/main">
+  <p:cSld>
+    <p:spTree>
+      <p:nvGrpSpPr>
+        <p:cNvPr id="1" name=""/>
+        <p:cNvGrpSpPr/>
+        <p:nvPr/>
+      </p:nvGrpSpPr>
+      <p:grpSpPr>
+        <a:xfrm>
+          <a:off x="0" y="0"/>
+          <a:ext cx="0" cy="0"/>
+          <a:chOff x="0" y="0"/>
+          <a:chExt cx="0" cy="0"/>
+        </a:xfrm>
+      </p:grpSpPr>
+      <p:sp>
+        <p:nvSpPr>
+          <p:cNvPr id="2" name="Title 1"/>
+          <p:cNvSpPr>
+            <a:spLocks noGrp="1"/>
+          </p:cNvSpPr>
+          <p:nvPr>
+            <p:ph type="title"/>
+          </p:nvPr>
+        </p:nvSpPr>
+        <p:spPr/>
+        <p:txBody>
+          <a:bodyPr>
+            <a:normAutofit/>
+          </a:bodyPr>
+          <a:lstStyle/>
+          <a:p>
+            <a:r>
+              <a:rPr lang="pt-BR" sz="4000" dirty="0"/>
+              <a:t>Proposta - </a:t>
+            </a:r>
+            <a:r>
+              <a:rPr lang="en-US" sz="4000" i="1" dirty="0"/>
+              <a:t>Base Adaptive Query Tree </a:t>
+            </a:r>
+            <a:r>
+              <a:rPr lang="en-US" sz="4000" dirty="0"/>
+              <a:t>(BAQT)</a:t>
+            </a:r>
+          </a:p>
+        </p:txBody>
+      </p:sp>
+      <p:sp>
+        <p:nvSpPr>
+          <p:cNvPr id="3" name="Content Placeholder 2"/>
+          <p:cNvSpPr>
+            <a:spLocks noGrp="1"/>
+          </p:cNvSpPr>
+          <p:nvPr>
+            <p:ph idx="1"/>
+          </p:nvPr>
+        </p:nvSpPr>
+        <p:spPr>
+          <a:xfrm>
+            <a:off x="1097280" y="1845734"/>
+            <a:ext cx="4582302" cy="4168700"/>
+          </a:xfrm>
+        </p:spPr>
+        <p:txBody>
+          <a:bodyPr>
+            <a:normAutofit/>
+          </a:bodyPr>
+          <a:lstStyle/>
+          <a:p>
+            <a:pPr lvl="1">
+              <a:buFont typeface="Arial" panose="020B0604020202020204" pitchFamily="34" charset="0"/>
+              <a:buChar char="•"/>
+            </a:pPr>
+            <a:r>
+              <a:rPr lang="pt-BR" sz="3200" dirty="0" smtClean="0"/>
+              <a:t>Exemplo</a:t>
+            </a:r>
+          </a:p>
+          <a:p>
+            <a:pPr lvl="2">
+              <a:buFont typeface="Arial" panose="020B0604020202020204" pitchFamily="34" charset="0"/>
+              <a:buChar char="•"/>
+            </a:pPr>
+            <a:r>
+              <a:rPr lang="pt-BR" sz="2800" dirty="0" err="1" smtClean="0"/>
+              <a:t>Tags</a:t>
+            </a:r>
+            <a:r>
+              <a:rPr lang="pt-BR" sz="2800" dirty="0" smtClean="0"/>
+              <a:t>: {</a:t>
+            </a:r>
+            <a:r>
+              <a:rPr lang="pt-BR" sz="2800" strike="sngStrike" dirty="0" smtClean="0"/>
+              <a:t>000000</a:t>
+            </a:r>
+            <a:r>
+              <a:rPr lang="pt-BR" sz="2800" dirty="0" smtClean="0"/>
+              <a:t>, 010011, 010010, </a:t>
+            </a:r>
+            <a:r>
+              <a:rPr lang="pt-BR" sz="2800" strike="sngStrike" dirty="0" smtClean="0"/>
+              <a:t>010001</a:t>
+            </a:r>
+            <a:r>
+              <a:rPr lang="pt-BR" sz="2800" dirty="0" smtClean="0"/>
+              <a:t>, </a:t>
+            </a:r>
+            <a:r>
+              <a:rPr lang="pt-BR" sz="2800" strike="sngStrike" dirty="0" smtClean="0"/>
+              <a:t>011000</a:t>
+            </a:r>
+            <a:r>
+              <a:rPr lang="pt-BR" sz="2800" dirty="0" smtClean="0"/>
+              <a:t>, </a:t>
+            </a:r>
+            <a:r>
+              <a:rPr lang="pt-BR" sz="2800" strike="sngStrike" dirty="0" smtClean="0"/>
+              <a:t>011110</a:t>
+            </a:r>
+            <a:r>
+              <a:rPr lang="pt-BR" sz="2800" dirty="0" smtClean="0"/>
+              <a:t>, </a:t>
+            </a:r>
+            <a:r>
+              <a:rPr lang="pt-BR" sz="2800" strike="sngStrike" dirty="0" smtClean="0"/>
+              <a:t>110010</a:t>
+            </a:r>
+            <a:r>
+              <a:rPr lang="pt-BR" sz="2800" dirty="0" smtClean="0"/>
+              <a:t>, </a:t>
+            </a:r>
+            <a:r>
+              <a:rPr lang="pt-BR" sz="2800" strike="sngStrike" dirty="0" smtClean="0"/>
+              <a:t>110100</a:t>
+            </a:r>
+            <a:r>
+              <a:rPr lang="pt-BR" sz="2800" dirty="0" smtClean="0"/>
+              <a:t>, </a:t>
+            </a:r>
+            <a:r>
+              <a:rPr lang="pt-BR" sz="2800" strike="sngStrike" dirty="0" smtClean="0"/>
+              <a:t>110111</a:t>
+            </a:r>
+            <a:r>
+              <a:rPr lang="pt-BR" sz="2800" dirty="0" smtClean="0"/>
+              <a:t>}</a:t>
+            </a:r>
+          </a:p>
+          <a:p>
+            <a:pPr lvl="2">
+              <a:buFont typeface="Arial" panose="020B0604020202020204" pitchFamily="34" charset="0"/>
+              <a:buChar char="•"/>
+            </a:pPr>
+            <a:r>
+              <a:rPr lang="pt-BR" sz="2800" dirty="0" smtClean="0"/>
+              <a:t>Queries: &lt;</a:t>
+            </a:r>
+            <a:r>
+              <a:rPr lang="pt-BR" sz="2800" dirty="0"/>
+              <a:t>11000,</a:t>
+            </a:r>
+            <a:r>
+              <a:rPr lang="pt-BR" sz="2800" b="1" dirty="0"/>
+              <a:t>11001</a:t>
+            </a:r>
+            <a:r>
+              <a:rPr lang="pt-BR" sz="2800" dirty="0"/>
+              <a:t>,</a:t>
+            </a:r>
+            <a:r>
+              <a:rPr lang="pt-BR" sz="2800" b="1" dirty="0"/>
+              <a:t>11010</a:t>
+            </a:r>
+            <a:r>
+              <a:rPr lang="pt-BR" sz="2800" dirty="0"/>
+              <a:t>,</a:t>
+            </a:r>
+            <a:r>
+              <a:rPr lang="pt-BR" sz="2800" b="1" dirty="0"/>
+              <a:t>11011</a:t>
+            </a:r>
+            <a:r>
+              <a:rPr lang="pt-BR" sz="2800" dirty="0" smtClean="0"/>
+              <a:t>&gt;</a:t>
+            </a:r>
+          </a:p>
+          <a:p>
+            <a:pPr lvl="2">
+              <a:buFont typeface="Arial" panose="020B0604020202020204" pitchFamily="34" charset="0"/>
+              <a:buChar char="•"/>
+            </a:pPr>
+            <a:r>
+              <a:rPr lang="pt-BR" sz="2800" dirty="0" err="1" smtClean="0"/>
+              <a:t>Queue</a:t>
+            </a:r>
+            <a:r>
+              <a:rPr lang="pt-BR" sz="2800" dirty="0"/>
+              <a:t>: </a:t>
+            </a:r>
+            <a:r>
+              <a:rPr lang="pt-BR" sz="2800" dirty="0" smtClean="0"/>
+              <a:t>{010010,010011}</a:t>
+            </a:r>
+          </a:p>
+          <a:p>
+            <a:pPr lvl="1">
+              <a:buFont typeface="Arial" panose="020B0604020202020204" pitchFamily="34" charset="0"/>
+              <a:buChar char="•"/>
+            </a:pPr>
+            <a:endParaRPr lang="en-US" sz="3200" dirty="0"/>
+          </a:p>
+        </p:txBody>
+      </p:sp>
+      <p:sp>
+        <p:nvSpPr>
+          <p:cNvPr id="8" name="TextBox 7"/>
+          <p:cNvSpPr txBox="1"/>
+          <p:nvPr/>
+        </p:nvSpPr>
+        <p:spPr>
+          <a:xfrm>
+            <a:off x="5679582" y="4242163"/>
+            <a:ext cx="5476097" cy="1815882"/>
+          </a:xfrm>
+          <a:prstGeom prst="rect">
+            <a:avLst/>
+          </a:prstGeom>
+          <a:noFill/>
+        </p:spPr>
+        <p:txBody>
+          <a:bodyPr wrap="square" rtlCol="0">
+            <a:spAutoFit/>
+          </a:bodyPr>
+          <a:lstStyle/>
+          <a:p>
+            <a:r>
+              <a:rPr lang="pt-BR" sz="2800" b="1" dirty="0" smtClean="0">
+                <a:solidFill>
+                  <a:schemeClr val="tx1">
+                    <a:lumMod val="75000"/>
+                    <a:lumOff val="25000"/>
+                  </a:schemeClr>
+                </a:solidFill>
+              </a:rPr>
+              <a:t>Preto</a:t>
+            </a:r>
+            <a:r>
+              <a:rPr lang="pt-BR" sz="2800" dirty="0" smtClean="0">
+                <a:solidFill>
+                  <a:schemeClr val="tx1">
+                    <a:lumMod val="75000"/>
+                    <a:lumOff val="25000"/>
+                  </a:schemeClr>
+                </a:solidFill>
+              </a:rPr>
+              <a:t>: Sucesso</a:t>
+            </a:r>
+          </a:p>
+          <a:p>
+            <a:r>
+              <a:rPr lang="pt-BR" sz="2800" dirty="0" smtClean="0">
+                <a:solidFill>
+                  <a:schemeClr val="tx1">
+                    <a:lumMod val="75000"/>
+                    <a:lumOff val="25000"/>
+                  </a:schemeClr>
+                </a:solidFill>
+              </a:rPr>
+              <a:t>Branco: Ocioso</a:t>
+            </a:r>
+          </a:p>
+          <a:p>
+            <a:r>
+              <a:rPr lang="pt-BR" sz="2800" u="sng" dirty="0" smtClean="0">
+                <a:solidFill>
+                  <a:schemeClr val="tx1">
+                    <a:lumMod val="75000"/>
+                    <a:lumOff val="25000"/>
+                  </a:schemeClr>
+                </a:solidFill>
+              </a:rPr>
+              <a:t>Cinza</a:t>
+            </a:r>
+            <a:r>
+              <a:rPr lang="pt-BR" sz="2800" dirty="0" smtClean="0">
+                <a:solidFill>
+                  <a:schemeClr val="tx1">
+                    <a:lumMod val="75000"/>
+                    <a:lumOff val="25000"/>
+                  </a:schemeClr>
+                </a:solidFill>
+              </a:rPr>
+              <a:t>: Conflito</a:t>
+            </a:r>
+          </a:p>
+          <a:p>
+            <a:r>
+              <a:rPr lang="pt-BR" sz="2800" dirty="0" smtClean="0">
+                <a:solidFill>
+                  <a:srgbClr val="FF0000"/>
+                </a:solidFill>
+              </a:rPr>
+              <a:t>Vermelho</a:t>
+            </a:r>
+            <a:r>
+              <a:rPr lang="pt-BR" sz="2800" dirty="0" smtClean="0">
+                <a:solidFill>
+                  <a:schemeClr val="tx1">
+                    <a:lumMod val="75000"/>
+                    <a:lumOff val="25000"/>
+                  </a:schemeClr>
+                </a:solidFill>
+              </a:rPr>
+              <a:t>: Descartado</a:t>
+            </a:r>
+            <a:endParaRPr lang="en-US" sz="2800" dirty="0">
+              <a:solidFill>
+                <a:srgbClr val="FF0000"/>
+              </a:solidFill>
+            </a:endParaRPr>
+          </a:p>
+        </p:txBody>
+      </p:sp>
+      <p:pic>
+        <p:nvPicPr>
+          <p:cNvPr id="5" name="Picture 4"/>
+          <p:cNvPicPr>
+            <a:picLocks noChangeAspect="1"/>
+          </p:cNvPicPr>
+          <p:nvPr/>
+        </p:nvPicPr>
+        <p:blipFill>
+          <a:blip r:embed="rId2">
+            <a:extLst>
+              <a:ext uri="{28A0092B-C50C-407E-A947-70E740481C1C}">
+                <a14:useLocalDpi xmlns:a14="http://schemas.microsoft.com/office/drawing/2010/main" val="0"/>
+              </a:ext>
+            </a:extLst>
+          </a:blip>
+          <a:stretch>
+            <a:fillRect/>
+          </a:stretch>
+        </p:blipFill>
+        <p:spPr>
+          <a:xfrm>
+            <a:off x="5679582" y="1846984"/>
+            <a:ext cx="5473240" cy="2395179"/>
+          </a:xfrm>
+          <a:prstGeom prst="rect">
+            <a:avLst/>
+          </a:prstGeom>
+        </p:spPr>
+      </p:pic>
+    </p:spTree>
+    <p:extLst>
+      <p:ext uri="{BB962C8B-B14F-4D97-AF65-F5344CB8AC3E}">
+        <p14:creationId xmlns:p14="http://schemas.microsoft.com/office/powerpoint/2010/main" val="848853734"/>
+      </p:ext>
+    </p:extLst>
+  </p:cSld>
+  <p:clrMapOvr>
+    <a:masterClrMapping/>
+  </p:clrMapOvr>
+  <p:timing>
+    <p:tnLst>
+      <p:par>
+        <p:cTn id="1" dur="indefinite" restart="never" nodeType="tmRoot"/>
+      </p:par>
+    </p:tnLst>
+  </p:timing>
+</p:sld>
+</file>
+
+<file path=ppt/slides/slide17.xml><?xml version="1.0" encoding="utf-8"?>
+<p:sld xmlns:a="http://schemas.openxmlformats.org/drawingml/2006/main" xmlns:r="http://schemas.openxmlformats.org/officeDocument/2006/relationships" xmlns:p="http://schemas.openxmlformats.org/presentationml/2006/main">
+  <p:cSld>
+    <p:spTree>
+      <p:nvGrpSpPr>
+        <p:cNvPr id="1" name=""/>
+        <p:cNvGrpSpPr/>
+        <p:nvPr/>
+      </p:nvGrpSpPr>
+      <p:grpSpPr>
+        <a:xfrm>
+          <a:off x="0" y="0"/>
+          <a:ext cx="0" cy="0"/>
+          <a:chOff x="0" y="0"/>
+          <a:chExt cx="0" cy="0"/>
+        </a:xfrm>
+      </p:grpSpPr>
+      <p:sp>
+        <p:nvSpPr>
+          <p:cNvPr id="2" name="Title 1"/>
+          <p:cNvSpPr>
+            <a:spLocks noGrp="1"/>
+          </p:cNvSpPr>
+          <p:nvPr>
+            <p:ph type="title"/>
+          </p:nvPr>
+        </p:nvSpPr>
+        <p:spPr/>
+        <p:txBody>
+          <a:bodyPr>
+            <a:normAutofit/>
+          </a:bodyPr>
+          <a:lstStyle/>
+          <a:p>
+            <a:r>
+              <a:rPr lang="pt-BR" sz="4000" dirty="0"/>
+              <a:t>Proposta - </a:t>
+            </a:r>
+            <a:r>
+              <a:rPr lang="en-US" sz="4000" i="1" dirty="0"/>
+              <a:t>Base Adaptive Query Tree </a:t>
+            </a:r>
+            <a:r>
+              <a:rPr lang="en-US" sz="4000" dirty="0"/>
+              <a:t>(BAQT)</a:t>
+            </a:r>
+          </a:p>
+        </p:txBody>
+      </p:sp>
+      <p:sp>
+        <p:nvSpPr>
+          <p:cNvPr id="3" name="Content Placeholder 2"/>
+          <p:cNvSpPr>
+            <a:spLocks noGrp="1"/>
+          </p:cNvSpPr>
+          <p:nvPr>
+            <p:ph idx="1"/>
+          </p:nvPr>
+        </p:nvSpPr>
+        <p:spPr>
+          <a:xfrm>
+            <a:off x="1097280" y="1845734"/>
+            <a:ext cx="4582302" cy="4168700"/>
+          </a:xfrm>
+        </p:spPr>
+        <p:txBody>
+          <a:bodyPr>
+            <a:normAutofit/>
+          </a:bodyPr>
+          <a:lstStyle/>
+          <a:p>
+            <a:pPr lvl="1">
+              <a:buFont typeface="Arial" panose="020B0604020202020204" pitchFamily="34" charset="0"/>
+              <a:buChar char="•"/>
+            </a:pPr>
+            <a:r>
+              <a:rPr lang="pt-BR" sz="3200" dirty="0" smtClean="0"/>
+              <a:t>Exemplo</a:t>
+            </a:r>
+          </a:p>
+          <a:p>
+            <a:pPr lvl="2">
+              <a:buFont typeface="Arial" panose="020B0604020202020204" pitchFamily="34" charset="0"/>
+              <a:buChar char="•"/>
+            </a:pPr>
+            <a:r>
+              <a:rPr lang="pt-BR" sz="2800" dirty="0" err="1" smtClean="0"/>
+              <a:t>Tags</a:t>
+            </a:r>
+            <a:r>
+              <a:rPr lang="pt-BR" sz="2800" dirty="0" smtClean="0"/>
+              <a:t>: {</a:t>
+            </a:r>
+            <a:r>
+              <a:rPr lang="pt-BR" sz="2800" strike="sngStrike" dirty="0" smtClean="0"/>
+              <a:t>000000</a:t>
+            </a:r>
+            <a:r>
+              <a:rPr lang="pt-BR" sz="2800" dirty="0" smtClean="0"/>
+              <a:t>, </a:t>
+            </a:r>
+            <a:r>
+              <a:rPr lang="pt-BR" sz="2800" strike="sngStrike" dirty="0" smtClean="0"/>
+              <a:t>010011</a:t>
+            </a:r>
+            <a:r>
+              <a:rPr lang="pt-BR" sz="2800" dirty="0" smtClean="0"/>
+              <a:t>, </a:t>
+            </a:r>
+            <a:r>
+              <a:rPr lang="pt-BR" sz="2800" strike="sngStrike" dirty="0" smtClean="0"/>
+              <a:t>010010</a:t>
+            </a:r>
+            <a:r>
+              <a:rPr lang="pt-BR" sz="2800" dirty="0" smtClean="0"/>
+              <a:t>, </a:t>
+            </a:r>
+            <a:r>
+              <a:rPr lang="pt-BR" sz="2800" strike="sngStrike" dirty="0" smtClean="0"/>
+              <a:t>010001</a:t>
+            </a:r>
+            <a:r>
+              <a:rPr lang="pt-BR" sz="2800" dirty="0" smtClean="0"/>
+              <a:t>, </a:t>
+            </a:r>
+            <a:r>
+              <a:rPr lang="pt-BR" sz="2800" strike="sngStrike" dirty="0" smtClean="0"/>
+              <a:t>011000</a:t>
+            </a:r>
+            <a:r>
+              <a:rPr lang="pt-BR" sz="2800" dirty="0" smtClean="0"/>
+              <a:t>, </a:t>
+            </a:r>
+            <a:r>
+              <a:rPr lang="pt-BR" sz="2800" strike="sngStrike" dirty="0" smtClean="0"/>
+              <a:t>011110</a:t>
+            </a:r>
+            <a:r>
+              <a:rPr lang="pt-BR" sz="2800" dirty="0" smtClean="0"/>
+              <a:t>, </a:t>
+            </a:r>
+            <a:r>
+              <a:rPr lang="pt-BR" sz="2800" strike="sngStrike" dirty="0" smtClean="0"/>
+              <a:t>110010</a:t>
+            </a:r>
+            <a:r>
+              <a:rPr lang="pt-BR" sz="2800" dirty="0" smtClean="0"/>
+              <a:t>, </a:t>
+            </a:r>
+            <a:r>
+              <a:rPr lang="pt-BR" sz="2800" strike="sngStrike" dirty="0" smtClean="0"/>
+              <a:t>110100</a:t>
+            </a:r>
+            <a:r>
+              <a:rPr lang="pt-BR" sz="2800" dirty="0" smtClean="0"/>
+              <a:t>, </a:t>
+            </a:r>
+            <a:r>
+              <a:rPr lang="pt-BR" sz="2800" strike="sngStrike" dirty="0" smtClean="0"/>
+              <a:t>110111</a:t>
+            </a:r>
+            <a:r>
+              <a:rPr lang="pt-BR" sz="2800" dirty="0" smtClean="0"/>
+              <a:t>}</a:t>
+            </a:r>
+          </a:p>
+          <a:p>
+            <a:pPr lvl="2">
+              <a:buFont typeface="Arial" panose="020B0604020202020204" pitchFamily="34" charset="0"/>
+              <a:buChar char="•"/>
+            </a:pPr>
+            <a:r>
+              <a:rPr lang="pt-BR" sz="2800" dirty="0" smtClean="0"/>
+              <a:t>Queries: &lt;</a:t>
+            </a:r>
+            <a:r>
+              <a:rPr lang="pt-BR" sz="2800" b="1" dirty="0" smtClean="0"/>
+              <a:t>010010</a:t>
+            </a:r>
+            <a:r>
+              <a:rPr lang="pt-BR" sz="2800" dirty="0" smtClean="0"/>
+              <a:t>,</a:t>
+            </a:r>
+            <a:r>
+              <a:rPr lang="pt-BR" sz="2800" b="1" dirty="0" smtClean="0"/>
+              <a:t>010011</a:t>
+            </a:r>
+            <a:r>
+              <a:rPr lang="pt-BR" sz="2800" dirty="0" smtClean="0"/>
+              <a:t>&gt;</a:t>
+            </a:r>
+          </a:p>
+          <a:p>
+            <a:pPr lvl="2">
+              <a:buFont typeface="Arial" panose="020B0604020202020204" pitchFamily="34" charset="0"/>
+              <a:buChar char="•"/>
+            </a:pPr>
+            <a:r>
+              <a:rPr lang="pt-BR" sz="2800" dirty="0" err="1" smtClean="0"/>
+              <a:t>Queue</a:t>
+            </a:r>
+            <a:r>
+              <a:rPr lang="pt-BR" sz="2800" dirty="0"/>
+              <a:t>: </a:t>
+            </a:r>
+            <a:r>
+              <a:rPr lang="pt-BR" sz="2800" dirty="0" smtClean="0"/>
+              <a:t>{}</a:t>
+            </a:r>
+          </a:p>
+          <a:p>
+            <a:pPr lvl="1">
+              <a:buFont typeface="Arial" panose="020B0604020202020204" pitchFamily="34" charset="0"/>
+              <a:buChar char="•"/>
+            </a:pPr>
+            <a:endParaRPr lang="en-US" sz="3200" dirty="0"/>
+          </a:p>
+        </p:txBody>
+      </p:sp>
+      <p:sp>
+        <p:nvSpPr>
+          <p:cNvPr id="8" name="TextBox 7"/>
+          <p:cNvSpPr txBox="1"/>
+          <p:nvPr/>
+        </p:nvSpPr>
+        <p:spPr>
+          <a:xfrm>
+            <a:off x="5679582" y="4242163"/>
+            <a:ext cx="5476097" cy="1815882"/>
+          </a:xfrm>
+          <a:prstGeom prst="rect">
+            <a:avLst/>
+          </a:prstGeom>
+          <a:noFill/>
+        </p:spPr>
+        <p:txBody>
+          <a:bodyPr wrap="square" rtlCol="0">
+            <a:spAutoFit/>
+          </a:bodyPr>
+          <a:lstStyle/>
+          <a:p>
+            <a:r>
+              <a:rPr lang="pt-BR" sz="2800" b="1" dirty="0" smtClean="0">
+                <a:solidFill>
+                  <a:schemeClr val="tx1">
+                    <a:lumMod val="75000"/>
+                    <a:lumOff val="25000"/>
+                  </a:schemeClr>
+                </a:solidFill>
+              </a:rPr>
+              <a:t>Preto</a:t>
+            </a:r>
+            <a:r>
+              <a:rPr lang="pt-BR" sz="2800" dirty="0" smtClean="0">
+                <a:solidFill>
+                  <a:schemeClr val="tx1">
+                    <a:lumMod val="75000"/>
+                    <a:lumOff val="25000"/>
+                  </a:schemeClr>
+                </a:solidFill>
+              </a:rPr>
+              <a:t>: Sucesso</a:t>
+            </a:r>
+          </a:p>
+          <a:p>
+            <a:r>
+              <a:rPr lang="pt-BR" sz="2800" dirty="0" smtClean="0">
+                <a:solidFill>
+                  <a:schemeClr val="tx1">
+                    <a:lumMod val="75000"/>
+                    <a:lumOff val="25000"/>
+                  </a:schemeClr>
+                </a:solidFill>
+              </a:rPr>
+              <a:t>Branco: Ocioso</a:t>
+            </a:r>
+          </a:p>
+          <a:p>
+            <a:r>
+              <a:rPr lang="pt-BR" sz="2800" u="sng" dirty="0" smtClean="0">
+                <a:solidFill>
+                  <a:schemeClr val="tx1">
+                    <a:lumMod val="75000"/>
+                    <a:lumOff val="25000"/>
+                  </a:schemeClr>
+                </a:solidFill>
+              </a:rPr>
+              <a:t>Cinza</a:t>
+            </a:r>
+            <a:r>
+              <a:rPr lang="pt-BR" sz="2800" dirty="0" smtClean="0">
+                <a:solidFill>
+                  <a:schemeClr val="tx1">
+                    <a:lumMod val="75000"/>
+                    <a:lumOff val="25000"/>
+                  </a:schemeClr>
+                </a:solidFill>
+              </a:rPr>
+              <a:t>: Conflito</a:t>
+            </a:r>
+          </a:p>
+          <a:p>
+            <a:r>
+              <a:rPr lang="pt-BR" sz="2800" dirty="0" smtClean="0">
+                <a:solidFill>
+                  <a:srgbClr val="FF0000"/>
+                </a:solidFill>
+              </a:rPr>
+              <a:t>Vermelho</a:t>
+            </a:r>
+            <a:r>
+              <a:rPr lang="pt-BR" sz="2800" dirty="0" smtClean="0">
+                <a:solidFill>
+                  <a:schemeClr val="tx1">
+                    <a:lumMod val="75000"/>
+                    <a:lumOff val="25000"/>
+                  </a:schemeClr>
+                </a:solidFill>
+              </a:rPr>
+              <a:t>: Descartado</a:t>
+            </a:r>
+            <a:endParaRPr lang="en-US" sz="2800" dirty="0">
+              <a:solidFill>
+                <a:srgbClr val="FF0000"/>
+              </a:solidFill>
+            </a:endParaRPr>
+          </a:p>
+        </p:txBody>
+      </p:sp>
+      <p:pic>
+        <p:nvPicPr>
+          <p:cNvPr id="4" name="Picture 3"/>
+          <p:cNvPicPr>
+            <a:picLocks noChangeAspect="1"/>
+          </p:cNvPicPr>
+          <p:nvPr/>
+        </p:nvPicPr>
+        <p:blipFill>
+          <a:blip r:embed="rId2">
+            <a:extLst>
+              <a:ext uri="{28A0092B-C50C-407E-A947-70E740481C1C}">
+                <a14:useLocalDpi xmlns:a14="http://schemas.microsoft.com/office/drawing/2010/main" val="0"/>
+              </a:ext>
+            </a:extLst>
+          </a:blip>
+          <a:stretch>
+            <a:fillRect/>
+          </a:stretch>
+        </p:blipFill>
+        <p:spPr>
+          <a:xfrm>
+            <a:off x="5679581" y="1845734"/>
+            <a:ext cx="5476097" cy="2396429"/>
+          </a:xfrm>
+          <a:prstGeom prst="rect">
+            <a:avLst/>
+          </a:prstGeom>
+        </p:spPr>
+      </p:pic>
+    </p:spTree>
+    <p:extLst>
+      <p:ext uri="{BB962C8B-B14F-4D97-AF65-F5344CB8AC3E}">
+        <p14:creationId xmlns:p14="http://schemas.microsoft.com/office/powerpoint/2010/main" val="1133071117"/>
+      </p:ext>
+    </p:extLst>
+  </p:cSld>
+  <p:clrMapOvr>
+    <a:masterClrMapping/>
+  </p:clrMapOvr>
+  <p:timing>
+    <p:tnLst>
+      <p:par>
+        <p:cTn id="1" dur="indefinite" restart="never" nodeType="tmRoot"/>
+      </p:par>
+    </p:tnLst>
+  </p:timing>
+</p:sld>
+</file>
+
+<file path=ppt/slides/slide18.xml><?xml version="1.0" encoding="utf-8"?>
+<p:sld xmlns:a="http://schemas.openxmlformats.org/drawingml/2006/main" xmlns:r="http://schemas.openxmlformats.org/officeDocument/2006/relationships" xmlns:p="http://schemas.openxmlformats.org/presentationml/2006/main">
+  <p:cSld>
+    <p:spTree>
+      <p:nvGrpSpPr>
+        <p:cNvPr id="1" name=""/>
+        <p:cNvGrpSpPr/>
+        <p:nvPr/>
+      </p:nvGrpSpPr>
+      <p:grpSpPr>
+        <a:xfrm>
+          <a:off x="0" y="0"/>
+          <a:ext cx="0" cy="0"/>
+          <a:chOff x="0" y="0"/>
+          <a:chExt cx="0" cy="0"/>
+        </a:xfrm>
+      </p:grpSpPr>
+      <p:sp>
+        <p:nvSpPr>
+          <p:cNvPr id="2" name="Title 1"/>
+          <p:cNvSpPr>
+            <a:spLocks noGrp="1"/>
+          </p:cNvSpPr>
+          <p:nvPr>
+            <p:ph type="title"/>
+          </p:nvPr>
+        </p:nvSpPr>
+        <p:spPr/>
+        <p:txBody>
+          <a:bodyPr>
+            <a:normAutofit/>
+          </a:bodyPr>
+          <a:lstStyle/>
+          <a:p>
+            <a:r>
+              <a:rPr lang="pt-BR" sz="4000" dirty="0" smtClean="0"/>
+              <a:t>Proposta - </a:t>
+            </a:r>
+            <a:r>
+              <a:rPr lang="en-US" sz="4000" i="1" dirty="0"/>
+              <a:t>Modified Adaptive Query Tree (MAQT)</a:t>
+            </a:r>
+            <a:endParaRPr lang="en-US" sz="4000" dirty="0"/>
+          </a:p>
+        </p:txBody>
+      </p:sp>
+      <p:sp>
+        <p:nvSpPr>
+          <p:cNvPr id="3" name="Content Placeholder 2"/>
+          <p:cNvSpPr>
+            <a:spLocks noGrp="1"/>
+          </p:cNvSpPr>
+          <p:nvPr>
+            <p:ph idx="1"/>
+          </p:nvPr>
+        </p:nvSpPr>
+        <p:spPr>
+          <a:xfrm>
+            <a:off x="1097280" y="1845734"/>
+            <a:ext cx="5029200" cy="4168700"/>
+          </a:xfrm>
+        </p:spPr>
+        <p:txBody>
+          <a:bodyPr>
+            <a:normAutofit/>
+          </a:bodyPr>
+          <a:lstStyle/>
+          <a:p>
+            <a:pPr lvl="1">
+              <a:buFont typeface="Arial" panose="020B0604020202020204" pitchFamily="34" charset="0"/>
+              <a:buChar char="•"/>
+            </a:pPr>
+            <a:r>
+              <a:rPr lang="pt-BR" sz="3200" dirty="0" smtClean="0"/>
+              <a:t>Algoritmo pensado para lidar com problemas de </a:t>
+            </a:r>
+            <a:r>
+              <a:rPr lang="pt-BR" sz="3200" i="1" dirty="0" err="1" smtClean="0"/>
+              <a:t>warehousing</a:t>
+            </a:r>
+            <a:endParaRPr lang="pt-BR" sz="3200" i="1" dirty="0" smtClean="0"/>
+          </a:p>
+          <a:p>
+            <a:pPr lvl="1">
+              <a:buFont typeface="Arial" panose="020B0604020202020204" pitchFamily="34" charset="0"/>
+              <a:buChar char="•"/>
+            </a:pPr>
+            <a:r>
+              <a:rPr lang="pt-BR" sz="3200" dirty="0" smtClean="0"/>
+              <a:t>Segmento fixo e segmento variável do EPC</a:t>
+            </a:r>
+          </a:p>
+          <a:p>
+            <a:pPr lvl="1">
+              <a:buFont typeface="Arial" panose="020B0604020202020204" pitchFamily="34" charset="0"/>
+              <a:buChar char="•"/>
+            </a:pPr>
+            <a:r>
+              <a:rPr lang="pt-BR" sz="3200" dirty="0" smtClean="0"/>
+              <a:t>Utilização combinada do BQT e do BAQT</a:t>
+            </a:r>
+          </a:p>
+          <a:p>
+            <a:pPr lvl="1">
+              <a:buFont typeface="Arial" panose="020B0604020202020204" pitchFamily="34" charset="0"/>
+              <a:buChar char="•"/>
+            </a:pPr>
+            <a:endParaRPr lang="pt-BR" sz="3200" dirty="0" smtClean="0"/>
+          </a:p>
+          <a:p>
+            <a:pPr lvl="1">
+              <a:buFont typeface="Arial" panose="020B0604020202020204" pitchFamily="34" charset="0"/>
+              <a:buChar char="•"/>
+            </a:pPr>
+            <a:endParaRPr lang="en-US" sz="3200" dirty="0"/>
+          </a:p>
+        </p:txBody>
+      </p:sp>
+      <p:pic>
+        <p:nvPicPr>
+          <p:cNvPr id="5" name="Picture 4"/>
+          <p:cNvPicPr>
+            <a:picLocks noChangeAspect="1"/>
+          </p:cNvPicPr>
+          <p:nvPr/>
+        </p:nvPicPr>
+        <p:blipFill>
+          <a:blip r:embed="rId2">
+            <a:extLst>
+              <a:ext uri="{28A0092B-C50C-407E-A947-70E740481C1C}">
+                <a14:useLocalDpi xmlns:a14="http://schemas.microsoft.com/office/drawing/2010/main" val="0"/>
+              </a:ext>
+            </a:extLst>
+          </a:blip>
+          <a:stretch>
+            <a:fillRect/>
+          </a:stretch>
+        </p:blipFill>
+        <p:spPr>
+          <a:xfrm>
+            <a:off x="6126480" y="1845734"/>
+            <a:ext cx="5117386" cy="3254300"/>
+          </a:xfrm>
+          <a:prstGeom prst="rect">
+            <a:avLst/>
+          </a:prstGeom>
+        </p:spPr>
+      </p:pic>
+    </p:spTree>
+    <p:extLst>
+      <p:ext uri="{BB962C8B-B14F-4D97-AF65-F5344CB8AC3E}">
+        <p14:creationId xmlns:p14="http://schemas.microsoft.com/office/powerpoint/2010/main" val="1575680881"/>
+      </p:ext>
+    </p:extLst>
+  </p:cSld>
+  <p:clrMapOvr>
+    <a:masterClrMapping/>
+  </p:clrMapOvr>
+  <p:timing>
+    <p:tnLst>
+      <p:par>
+        <p:cTn id="1" dur="indefinite" restart="never" nodeType="tmRoot"/>
+      </p:par>
+    </p:tnLst>
+  </p:timing>
+</p:sld>
+</file>
+
+<file path=ppt/slides/slide19.xml><?xml version="1.0" encoding="utf-8"?>
+<p:sld xmlns:a="http://schemas.openxmlformats.org/drawingml/2006/main" xmlns:r="http://schemas.openxmlformats.org/officeDocument/2006/relationships" xmlns:p="http://schemas.openxmlformats.org/presentationml/2006/main">
+  <p:cSld>
+    <p:spTree>
+      <p:nvGrpSpPr>
+        <p:cNvPr id="1" name=""/>
+        <p:cNvGrpSpPr/>
+        <p:nvPr/>
+      </p:nvGrpSpPr>
+      <p:grpSpPr>
+        <a:xfrm>
+          <a:off x="0" y="0"/>
+          <a:ext cx="0" cy="0"/>
+          <a:chOff x="0" y="0"/>
+          <a:chExt cx="0" cy="0"/>
+        </a:xfrm>
+      </p:grpSpPr>
+      <p:sp>
+        <p:nvSpPr>
+          <p:cNvPr id="2" name="Title 1"/>
+          <p:cNvSpPr>
+            <a:spLocks noGrp="1"/>
+          </p:cNvSpPr>
+          <p:nvPr>
+            <p:ph type="title"/>
+          </p:nvPr>
+        </p:nvSpPr>
+        <p:spPr/>
+        <p:txBody>
+          <a:bodyPr>
+            <a:normAutofit/>
+          </a:bodyPr>
+          <a:lstStyle/>
+          <a:p>
+            <a:r>
+              <a:rPr lang="pt-BR" sz="4000" dirty="0"/>
+              <a:t>Proposta - </a:t>
+            </a:r>
+            <a:r>
+              <a:rPr lang="en-US" sz="4000" i="1" dirty="0"/>
+              <a:t>Modified Adaptive Query Tree (MAQT)</a:t>
+            </a:r>
+            <a:endParaRPr lang="en-US" sz="4000" dirty="0"/>
+          </a:p>
+        </p:txBody>
+      </p:sp>
+      <p:sp>
+        <p:nvSpPr>
+          <p:cNvPr id="3" name="Content Placeholder 2"/>
+          <p:cNvSpPr>
+            <a:spLocks noGrp="1"/>
+          </p:cNvSpPr>
+          <p:nvPr>
+            <p:ph idx="1"/>
+          </p:nvPr>
+        </p:nvSpPr>
+        <p:spPr>
+          <a:xfrm>
+            <a:off x="1097280" y="1845734"/>
+            <a:ext cx="10058400" cy="4168700"/>
+          </a:xfrm>
+        </p:spPr>
+        <p:txBody>
+          <a:bodyPr>
+            <a:normAutofit/>
+          </a:bodyPr>
+          <a:lstStyle/>
+          <a:p>
+            <a:pPr lvl="1">
+              <a:buFont typeface="Arial" panose="020B0604020202020204" pitchFamily="34" charset="0"/>
+              <a:buChar char="•"/>
+            </a:pPr>
+            <a:r>
+              <a:rPr lang="pt-BR" sz="3200" dirty="0" smtClean="0"/>
+              <a:t>Exemplo</a:t>
+            </a:r>
+          </a:p>
+          <a:p>
+            <a:pPr lvl="1">
+              <a:buFont typeface="Arial" panose="020B0604020202020204" pitchFamily="34" charset="0"/>
+              <a:buChar char="•"/>
+            </a:pPr>
+            <a:endParaRPr lang="pt-BR" sz="3200" dirty="0" smtClean="0"/>
+          </a:p>
+          <a:p>
+            <a:pPr lvl="1">
+              <a:buFont typeface="Arial" panose="020B0604020202020204" pitchFamily="34" charset="0"/>
+              <a:buChar char="•"/>
+            </a:pPr>
+            <a:endParaRPr lang="en-US" sz="3200" dirty="0"/>
+          </a:p>
+        </p:txBody>
+      </p:sp>
+    </p:spTree>
+    <p:extLst>
+      <p:ext uri="{BB962C8B-B14F-4D97-AF65-F5344CB8AC3E}">
+        <p14:creationId xmlns:p14="http://schemas.microsoft.com/office/powerpoint/2010/main" val="2356975110"/>
       </p:ext>
     </p:extLst>
   </p:cSld>
@@ -4241,6 +7600,164 @@
     <p:extLst>
       <p:ext uri="{BB962C8B-B14F-4D97-AF65-F5344CB8AC3E}">
         <p14:creationId xmlns:p14="http://schemas.microsoft.com/office/powerpoint/2010/main" val="2123254038"/>
+      </p:ext>
+    </p:extLst>
+  </p:cSld>
+  <p:clrMapOvr>
+    <a:masterClrMapping/>
+  </p:clrMapOvr>
+  <p:timing>
+    <p:tnLst>
+      <p:par>
+        <p:cTn id="1" dur="indefinite" restart="never" nodeType="tmRoot"/>
+      </p:par>
+    </p:tnLst>
+  </p:timing>
+</p:sld>
+</file>
+
+<file path=ppt/slides/slide20.xml><?xml version="1.0" encoding="utf-8"?>
+<p:sld xmlns:a="http://schemas.openxmlformats.org/drawingml/2006/main" xmlns:r="http://schemas.openxmlformats.org/officeDocument/2006/relationships" xmlns:p="http://schemas.openxmlformats.org/presentationml/2006/main">
+  <p:cSld>
+    <p:spTree>
+      <p:nvGrpSpPr>
+        <p:cNvPr id="1" name=""/>
+        <p:cNvGrpSpPr/>
+        <p:nvPr/>
+      </p:nvGrpSpPr>
+      <p:grpSpPr>
+        <a:xfrm>
+          <a:off x="0" y="0"/>
+          <a:ext cx="0" cy="0"/>
+          <a:chOff x="0" y="0"/>
+          <a:chExt cx="0" cy="0"/>
+        </a:xfrm>
+      </p:grpSpPr>
+      <p:sp>
+        <p:nvSpPr>
+          <p:cNvPr id="2" name="Title 1"/>
+          <p:cNvSpPr>
+            <a:spLocks noGrp="1"/>
+          </p:cNvSpPr>
+          <p:nvPr>
+            <p:ph type="title"/>
+          </p:nvPr>
+        </p:nvSpPr>
+        <p:spPr/>
+        <p:txBody>
+          <a:bodyPr/>
+          <a:lstStyle/>
+          <a:p>
+            <a:r>
+              <a:rPr lang="pt-BR" dirty="0" smtClean="0"/>
+              <a:t>Experimentos</a:t>
+            </a:r>
+            <a:endParaRPr lang="en-US" dirty="0"/>
+          </a:p>
+        </p:txBody>
+      </p:sp>
+      <p:sp>
+        <p:nvSpPr>
+          <p:cNvPr id="3" name="Content Placeholder 2"/>
+          <p:cNvSpPr>
+            <a:spLocks noGrp="1"/>
+          </p:cNvSpPr>
+          <p:nvPr>
+            <p:ph idx="1"/>
+          </p:nvPr>
+        </p:nvSpPr>
+        <p:spPr/>
+        <p:txBody>
+          <a:bodyPr/>
+          <a:lstStyle/>
+          <a:p>
+            <a:endParaRPr lang="en-US"/>
+          </a:p>
+        </p:txBody>
+      </p:sp>
+    </p:spTree>
+    <p:extLst>
+      <p:ext uri="{BB962C8B-B14F-4D97-AF65-F5344CB8AC3E}">
+        <p14:creationId xmlns:p14="http://schemas.microsoft.com/office/powerpoint/2010/main" val="827102952"/>
+      </p:ext>
+    </p:extLst>
+  </p:cSld>
+  <p:clrMapOvr>
+    <a:masterClrMapping/>
+  </p:clrMapOvr>
+  <p:timing>
+    <p:tnLst>
+      <p:par>
+        <p:cTn id="1" dur="indefinite" restart="never" nodeType="tmRoot"/>
+      </p:par>
+    </p:tnLst>
+  </p:timing>
+</p:sld>
+</file>
+
+<file path=ppt/slides/slide21.xml><?xml version="1.0" encoding="utf-8"?>
+<p:sld xmlns:a="http://schemas.openxmlformats.org/drawingml/2006/main" xmlns:r="http://schemas.openxmlformats.org/officeDocument/2006/relationships" xmlns:p="http://schemas.openxmlformats.org/presentationml/2006/main">
+  <p:cSld>
+    <p:spTree>
+      <p:nvGrpSpPr>
+        <p:cNvPr id="1" name=""/>
+        <p:cNvGrpSpPr/>
+        <p:nvPr/>
+      </p:nvGrpSpPr>
+      <p:grpSpPr>
+        <a:xfrm>
+          <a:off x="0" y="0"/>
+          <a:ext cx="0" cy="0"/>
+          <a:chOff x="0" y="0"/>
+          <a:chExt cx="0" cy="0"/>
+        </a:xfrm>
+      </p:grpSpPr>
+      <p:sp>
+        <p:nvSpPr>
+          <p:cNvPr id="2" name="Title 1"/>
+          <p:cNvSpPr>
+            <a:spLocks noGrp="1"/>
+          </p:cNvSpPr>
+          <p:nvPr>
+            <p:ph type="title"/>
+          </p:nvPr>
+        </p:nvSpPr>
+        <p:spPr/>
+        <p:txBody>
+          <a:bodyPr/>
+          <a:lstStyle/>
+          <a:p>
+            <a:r>
+              <a:rPr lang="pt-BR" dirty="0" smtClean="0"/>
+              <a:t>Conclusão</a:t>
+            </a:r>
+            <a:endParaRPr lang="en-US" dirty="0"/>
+          </a:p>
+        </p:txBody>
+      </p:sp>
+      <p:sp>
+        <p:nvSpPr>
+          <p:cNvPr id="3" name="Content Placeholder 2"/>
+          <p:cNvSpPr>
+            <a:spLocks noGrp="1"/>
+          </p:cNvSpPr>
+          <p:nvPr>
+            <p:ph idx="1"/>
+          </p:nvPr>
+        </p:nvSpPr>
+        <p:spPr/>
+        <p:txBody>
+          <a:bodyPr/>
+          <a:lstStyle/>
+          <a:p>
+            <a:endParaRPr lang="en-US"/>
+          </a:p>
+        </p:txBody>
+      </p:sp>
+    </p:spTree>
+    <p:extLst>
+      <p:ext uri="{BB962C8B-B14F-4D97-AF65-F5344CB8AC3E}">
+        <p14:creationId xmlns:p14="http://schemas.microsoft.com/office/powerpoint/2010/main" val="4138466480"/>
       </p:ext>
     </p:extLst>
   </p:cSld>
@@ -4772,50 +8289,256 @@
           </a:p>
         </p:txBody>
       </p:sp>
-      <p:sp>
-        <p:nvSpPr>
-          <p:cNvPr id="3" name="Content Placeholder 2"/>
-          <p:cNvSpPr>
-            <a:spLocks noGrp="1"/>
-          </p:cNvSpPr>
-          <p:nvPr>
-            <p:ph idx="1"/>
-          </p:nvPr>
-        </p:nvSpPr>
+      <mc:AlternateContent xmlns:mc="http://schemas.openxmlformats.org/markup-compatibility/2006">
+        <mc:Choice xmlns:a14="http://schemas.microsoft.com/office/drawing/2010/main" Requires="a14">
+          <p:sp>
+            <p:nvSpPr>
+              <p:cNvPr id="3" name="Content Placeholder 2"/>
+              <p:cNvSpPr>
+                <a:spLocks noGrp="1"/>
+              </p:cNvSpPr>
+              <p:nvPr>
+                <p:ph idx="1"/>
+              </p:nvPr>
+            </p:nvSpPr>
+            <p:spPr>
+              <a:xfrm>
+                <a:off x="1097280" y="1845734"/>
+                <a:ext cx="4582302" cy="4168700"/>
+              </a:xfrm>
+            </p:spPr>
+            <p:txBody>
+              <a:bodyPr>
+                <a:normAutofit/>
+              </a:bodyPr>
+              <a:lstStyle/>
+              <a:p>
+                <a:pPr lvl="1">
+                  <a:buFont typeface="Arial" panose="020B0604020202020204" pitchFamily="34" charset="0"/>
+                  <a:buChar char="•"/>
+                </a:pPr>
+                <a:r>
+                  <a:rPr lang="pt-BR" sz="3200" dirty="0" smtClean="0"/>
+                  <a:t>Exemplo</a:t>
+                </a:r>
+              </a:p>
+              <a:p>
+                <a:pPr lvl="2">
+                  <a:buFont typeface="Arial" panose="020B0604020202020204" pitchFamily="34" charset="0"/>
+                  <a:buChar char="•"/>
+                </a:pPr>
+                <a:r>
+                  <a:rPr lang="pt-BR" sz="2800" dirty="0" err="1" smtClean="0"/>
+                  <a:t>Tags</a:t>
+                </a:r>
+                <a:r>
+                  <a:rPr lang="pt-BR" sz="2800" dirty="0" smtClean="0"/>
+                  <a:t>: {000000, 010011, 010010, 010001, 011000, 011110, 110010, 110100, 110111}</a:t>
+                </a:r>
+              </a:p>
+              <a:p>
+                <a:pPr lvl="2">
+                  <a:buFont typeface="Arial" panose="020B0604020202020204" pitchFamily="34" charset="0"/>
+                  <a:buChar char="•"/>
+                </a:pPr>
+                <a:r>
+                  <a:rPr lang="pt-BR" sz="2800" dirty="0" smtClean="0"/>
+                  <a:t>Query: </a:t>
+                </a:r>
+                <a14:m>
+                  <m:oMath xmlns:m="http://schemas.openxmlformats.org/officeDocument/2006/math">
+                    <m:r>
+                      <a:rPr lang="pt-BR" sz="2800" b="0" i="1" u="sng" smtClean="0">
+                        <a:latin typeface="Cambria Math" panose="02040503050406030204" pitchFamily="18" charset="0"/>
+                        <a:ea typeface="Cambria Math" panose="02040503050406030204" pitchFamily="18" charset="0"/>
+                      </a:rPr>
+                      <m:t>𝜀</m:t>
+                    </m:r>
+                  </m:oMath>
+                </a14:m>
+                <a:endParaRPr lang="pt-BR" sz="2800" u="sng" dirty="0" smtClean="0"/>
+              </a:p>
+              <a:p>
+                <a:pPr lvl="2">
+                  <a:buFont typeface="Arial" panose="020B0604020202020204" pitchFamily="34" charset="0"/>
+                  <a:buChar char="•"/>
+                </a:pPr>
+                <a:r>
+                  <a:rPr lang="pt-BR" sz="2800" dirty="0" err="1" smtClean="0"/>
+                  <a:t>Queue</a:t>
+                </a:r>
+                <a:r>
+                  <a:rPr lang="pt-BR" sz="2800" dirty="0" smtClean="0"/>
+                  <a:t>: {00,01,10,11}</a:t>
+                </a:r>
+              </a:p>
+              <a:p>
+                <a:pPr lvl="1">
+                  <a:buFont typeface="Arial" panose="020B0604020202020204" pitchFamily="34" charset="0"/>
+                  <a:buChar char="•"/>
+                </a:pPr>
+                <a:endParaRPr lang="en-US" sz="3200" dirty="0"/>
+              </a:p>
+            </p:txBody>
+          </p:sp>
+        </mc:Choice>
+        <mc:Fallback>
+          <p:sp>
+            <p:nvSpPr>
+              <p:cNvPr id="3" name="Content Placeholder 2"/>
+              <p:cNvSpPr>
+                <a:spLocks noGrp="1" noRot="1" noChangeAspect="1" noMove="1" noResize="1" noEditPoints="1" noAdjustHandles="1" noChangeArrowheads="1" noChangeShapeType="1" noTextEdit="1"/>
+              </p:cNvSpPr>
+              <p:nvPr>
+                <p:ph idx="1"/>
+              </p:nvPr>
+            </p:nvSpPr>
+            <p:spPr>
+              <a:xfrm>
+                <a:off x="1097280" y="1845734"/>
+                <a:ext cx="4582302" cy="4168700"/>
+              </a:xfrm>
+              <a:blipFill rotWithShape="0">
+                <a:blip r:embed="rId2"/>
+                <a:stretch>
+                  <a:fillRect l="-665" t="-3070"/>
+                </a:stretch>
+              </a:blipFill>
+            </p:spPr>
+            <p:txBody>
+              <a:bodyPr/>
+              <a:lstStyle/>
+              <a:p>
+                <a:r>
+                  <a:rPr lang="en-US">
+                    <a:noFill/>
+                  </a:rPr>
+                  <a:t> </a:t>
+                </a:r>
+              </a:p>
+            </p:txBody>
+          </p:sp>
+        </mc:Fallback>
+      </mc:AlternateContent>
+      <p:pic>
+        <p:nvPicPr>
+          <p:cNvPr id="6" name="Picture 5"/>
+          <p:cNvPicPr>
+            <a:picLocks noChangeAspect="1"/>
+          </p:cNvPicPr>
+          <p:nvPr/>
+        </p:nvPicPr>
+        <p:blipFill>
+          <a:blip r:embed="rId3">
+            <a:extLst>
+              <a:ext uri="{28A0092B-C50C-407E-A947-70E740481C1C}">
+                <a14:useLocalDpi xmlns:a14="http://schemas.microsoft.com/office/drawing/2010/main" val="0"/>
+              </a:ext>
+            </a:extLst>
+          </a:blip>
+          <a:stretch>
+            <a:fillRect/>
+          </a:stretch>
+        </p:blipFill>
         <p:spPr>
           <a:xfrm>
-            <a:off x="1097280" y="1845734"/>
-            <a:ext cx="10058400" cy="4168700"/>
+            <a:off x="5679582" y="1845734"/>
+            <a:ext cx="5476097" cy="2180058"/>
           </a:xfrm>
+          <a:prstGeom prst="rect">
+            <a:avLst/>
+          </a:prstGeom>
         </p:spPr>
-        <p:txBody>
-          <a:bodyPr>
-            <a:normAutofit/>
+      </p:pic>
+      <p:sp>
+        <p:nvSpPr>
+          <p:cNvPr id="7" name="TextBox 6"/>
+          <p:cNvSpPr txBox="1"/>
+          <p:nvPr/>
+        </p:nvSpPr>
+        <p:spPr>
+          <a:xfrm>
+            <a:off x="5679582" y="4134166"/>
+            <a:ext cx="5476097" cy="1384995"/>
+          </a:xfrm>
+          <a:prstGeom prst="rect">
+            <a:avLst/>
+          </a:prstGeom>
+          <a:noFill/>
+        </p:spPr>
+        <p:txBody>
+          <a:bodyPr wrap="square" rtlCol="0">
+            <a:spAutoFit/>
           </a:bodyPr>
           <a:lstStyle/>
           <a:p>
-            <a:pPr lvl="1">
-              <a:buFont typeface="Arial" panose="020B0604020202020204" pitchFamily="34" charset="0"/>
-              <a:buChar char="•"/>
-            </a:pPr>
-            <a:r>
-              <a:rPr lang="pt-BR" sz="3200" dirty="0" smtClean="0"/>
-              <a:t>Exemplo</a:t>
-            </a:r>
-          </a:p>
-          <a:p>
-            <a:pPr lvl="1">
-              <a:buFont typeface="Arial" panose="020B0604020202020204" pitchFamily="34" charset="0"/>
-              <a:buChar char="•"/>
-            </a:pPr>
-            <a:endParaRPr lang="pt-BR" sz="3200" dirty="0" smtClean="0"/>
-          </a:p>
-          <a:p>
-            <a:pPr lvl="1">
-              <a:buFont typeface="Arial" panose="020B0604020202020204" pitchFamily="34" charset="0"/>
-              <a:buChar char="•"/>
-            </a:pPr>
-            <a:endParaRPr lang="en-US" sz="3200" dirty="0"/>
+            <a:r>
+              <a:rPr lang="pt-BR" sz="2800" b="1" dirty="0" smtClean="0">
+                <a:solidFill>
+                  <a:schemeClr val="tx1">
+                    <a:lumMod val="75000"/>
+                    <a:lumOff val="25000"/>
+                  </a:schemeClr>
+                </a:solidFill>
+              </a:rPr>
+              <a:t>Preto</a:t>
+            </a:r>
+            <a:r>
+              <a:rPr lang="pt-BR" sz="2800" dirty="0" smtClean="0">
+                <a:solidFill>
+                  <a:schemeClr val="tx1">
+                    <a:lumMod val="75000"/>
+                    <a:lumOff val="25000"/>
+                  </a:schemeClr>
+                </a:solidFill>
+              </a:rPr>
+              <a:t>: Sucesso</a:t>
+            </a:r>
+          </a:p>
+          <a:p>
+            <a:r>
+              <a:rPr lang="pt-BR" sz="2800" dirty="0" smtClean="0">
+                <a:solidFill>
+                  <a:schemeClr val="tx1">
+                    <a:lumMod val="75000"/>
+                    <a:lumOff val="25000"/>
+                  </a:schemeClr>
+                </a:solidFill>
+              </a:rPr>
+              <a:t>Branco: Ocioso</a:t>
+            </a:r>
+          </a:p>
+          <a:p>
+            <a:r>
+              <a:rPr lang="pt-BR" sz="2800" u="sng" dirty="0" smtClean="0">
+                <a:solidFill>
+                  <a:schemeClr val="tx1">
+                    <a:lumMod val="75000"/>
+                    <a:lumOff val="25000"/>
+                  </a:schemeClr>
+                </a:solidFill>
+              </a:rPr>
+              <a:t>Cinza</a:t>
+            </a:r>
+            <a:r>
+              <a:rPr lang="pt-BR" sz="2800" dirty="0" smtClean="0">
+                <a:solidFill>
+                  <a:schemeClr val="tx1">
+                    <a:lumMod val="75000"/>
+                    <a:lumOff val="25000"/>
+                  </a:schemeClr>
+                </a:solidFill>
+              </a:rPr>
+              <a:t>: Conflito</a:t>
+            </a:r>
+            <a:endParaRPr lang="en-US" sz="2800" dirty="0">
+              <a:solidFill>
+                <a:schemeClr val="tx1">
+                  <a:lumMod val="75000"/>
+                  <a:lumOff val="25000"/>
+                </a:schemeClr>
+              </a:solidFill>
+            </a:endParaRPr>
           </a:p>
         </p:txBody>
       </p:sp>
@@ -4875,15 +8598,23 @@
           <a:p>
             <a:r>
               <a:rPr lang="pt-BR" sz="4000" dirty="0" smtClean="0"/>
-              <a:t>Proposta - </a:t>
+              <a:t>Introdução - </a:t>
             </a:r>
             <a:r>
               <a:rPr lang="en-US" sz="4000" i="1" dirty="0"/>
-              <a:t>Base Adaptive Query Tree </a:t>
+              <a:t>M-</a:t>
+            </a:r>
+            <a:r>
+              <a:rPr lang="en-US" sz="4000" i="1" dirty="0" err="1"/>
+              <a:t>ary</a:t>
+            </a:r>
+            <a:r>
+              <a:rPr lang="en-US" sz="4000" i="1" dirty="0"/>
+              <a:t> tree based Query Tree </a:t>
             </a:r>
             <a:r>
               <a:rPr lang="en-US" sz="4000" dirty="0"/>
-              <a:t>(BAQT)</a:t>
+              <a:t>(MQT)</a:t>
             </a:r>
           </a:p>
         </p:txBody>
@@ -4901,7 +8632,7 @@
         <p:spPr>
           <a:xfrm>
             <a:off x="1097280" y="1845734"/>
-            <a:ext cx="5029200" cy="4168700"/>
+            <a:ext cx="4582302" cy="4168700"/>
           </a:xfrm>
         </p:spPr>
         <p:txBody>
@@ -4916,27 +8647,81 @@
             </a:pPr>
             <a:r>
               <a:rPr lang="pt-BR" sz="3200" dirty="0" smtClean="0"/>
-              <a:t>Algoritmo baseado no MQT com um tamanho dinâmico de nós</a:t>
-            </a:r>
-          </a:p>
-          <a:p>
-            <a:pPr lvl="1">
+              <a:t>Exemplo</a:t>
+            </a:r>
+          </a:p>
+          <a:p>
+            <a:pPr lvl="2">
               <a:buFont typeface="Arial" panose="020B0604020202020204" pitchFamily="34" charset="0"/>
               <a:buChar char="•"/>
             </a:pPr>
             <a:r>
-              <a:rPr lang="pt-BR" sz="3200" dirty="0" smtClean="0"/>
-              <a:t>Folhas vazias ao fim do nó são ignoradas</a:t>
-            </a:r>
-          </a:p>
-          <a:p>
-            <a:pPr lvl="1">
+              <a:rPr lang="pt-BR" sz="2800" dirty="0" err="1" smtClean="0"/>
+              <a:t>Tags</a:t>
+            </a:r>
+            <a:r>
+              <a:rPr lang="pt-BR" sz="2800" dirty="0" smtClean="0"/>
+              <a:t>: {</a:t>
+            </a:r>
+            <a:r>
+              <a:rPr lang="pt-BR" sz="2800" strike="sngStrike" dirty="0" smtClean="0"/>
+              <a:t>000000</a:t>
+            </a:r>
+            <a:r>
+              <a:rPr lang="pt-BR" sz="2800" dirty="0" smtClean="0"/>
+              <a:t>, 010011, 010010, 010001, 011000, 011110, 110010, 110100, 110111}</a:t>
+            </a:r>
+          </a:p>
+          <a:p>
+            <a:pPr lvl="2">
               <a:buFont typeface="Arial" panose="020B0604020202020204" pitchFamily="34" charset="0"/>
               <a:buChar char="•"/>
             </a:pPr>
             <a:r>
-              <a:rPr lang="pt-BR" sz="3200" dirty="0" smtClean="0"/>
-              <a:t>Quantidade de nós seguinte depende do número de conflitos encontrados</a:t>
+              <a:rPr lang="pt-BR" sz="2800" dirty="0" smtClean="0"/>
+              <a:t>Queries: &lt;</a:t>
+            </a:r>
+            <a:r>
+              <a:rPr lang="pt-BR" sz="2800" b="1" dirty="0" smtClean="0"/>
+              <a:t>00</a:t>
+            </a:r>
+            <a:r>
+              <a:rPr lang="pt-BR" sz="2800" dirty="0" smtClean="0"/>
+              <a:t>,</a:t>
+            </a:r>
+            <a:r>
+              <a:rPr lang="pt-BR" sz="2800" u="sng" dirty="0" smtClean="0"/>
+              <a:t>01</a:t>
+            </a:r>
+            <a:r>
+              <a:rPr lang="pt-BR" sz="2800" dirty="0" smtClean="0"/>
+              <a:t>,10,</a:t>
+            </a:r>
+            <a:r>
+              <a:rPr lang="pt-BR" sz="2800" u="sng" dirty="0" smtClean="0"/>
+              <a:t>11</a:t>
+            </a:r>
+            <a:r>
+              <a:rPr lang="pt-BR" sz="2800" dirty="0" smtClean="0"/>
+              <a:t>&gt;</a:t>
+            </a:r>
+          </a:p>
+          <a:p>
+            <a:pPr lvl="2">
+              <a:buFont typeface="Arial" panose="020B0604020202020204" pitchFamily="34" charset="0"/>
+              <a:buChar char="•"/>
+            </a:pPr>
+            <a:r>
+              <a:rPr lang="pt-BR" sz="2800" dirty="0" err="1"/>
+              <a:t>Queue</a:t>
+            </a:r>
+            <a:r>
+              <a:rPr lang="pt-BR" sz="2800" dirty="0"/>
+              <a:t>: </a:t>
+            </a:r>
+            <a:r>
+              <a:rPr lang="pt-BR" sz="2800" dirty="0" smtClean="0"/>
+              <a:t>{0100,0101,0110,0111,1100,1101,1110,1111}</a:t>
             </a:r>
           </a:p>
           <a:p>
@@ -4970,18 +8755,110 @@
         </p:blipFill>
         <p:spPr>
           <a:xfrm>
-            <a:off x="6126480" y="1845734"/>
-            <a:ext cx="5097839" cy="4310367"/>
+            <a:off x="5679582" y="1845734"/>
+            <a:ext cx="5476097" cy="2180058"/>
           </a:xfrm>
           <a:prstGeom prst="rect">
             <a:avLst/>
           </a:prstGeom>
         </p:spPr>
       </p:pic>
+      <p:sp>
+        <p:nvSpPr>
+          <p:cNvPr id="8" name="TextBox 7"/>
+          <p:cNvSpPr txBox="1"/>
+          <p:nvPr/>
+        </p:nvSpPr>
+        <p:spPr>
+          <a:xfrm>
+            <a:off x="5679582" y="4134166"/>
+            <a:ext cx="5476097" cy="1384995"/>
+          </a:xfrm>
+          <a:prstGeom prst="rect">
+            <a:avLst/>
+          </a:prstGeom>
+          <a:noFill/>
+        </p:spPr>
+        <p:txBody>
+          <a:bodyPr wrap="square" rtlCol="0">
+            <a:spAutoFit/>
+          </a:bodyPr>
+          <a:lstStyle/>
+          <a:p>
+            <a:r>
+              <a:rPr lang="pt-BR" sz="2800" b="1" dirty="0" smtClean="0">
+                <a:solidFill>
+                  <a:schemeClr val="tx1">
+                    <a:lumMod val="75000"/>
+                    <a:lumOff val="25000"/>
+                  </a:schemeClr>
+                </a:solidFill>
+              </a:rPr>
+              <a:t>Preto</a:t>
+            </a:r>
+            <a:r>
+              <a:rPr lang="pt-BR" sz="2800" dirty="0" smtClean="0">
+                <a:solidFill>
+                  <a:schemeClr val="tx1">
+                    <a:lumMod val="75000"/>
+                    <a:lumOff val="25000"/>
+                  </a:schemeClr>
+                </a:solidFill>
+              </a:rPr>
+              <a:t>: Sucesso</a:t>
+            </a:r>
+          </a:p>
+          <a:p>
+            <a:r>
+              <a:rPr lang="pt-BR" sz="2800" dirty="0" smtClean="0">
+                <a:solidFill>
+                  <a:schemeClr val="tx1">
+                    <a:lumMod val="75000"/>
+                    <a:lumOff val="25000"/>
+                  </a:schemeClr>
+                </a:solidFill>
+              </a:rPr>
+              <a:t>Branco: Ocioso</a:t>
+            </a:r>
+          </a:p>
+          <a:p>
+            <a:r>
+              <a:rPr lang="pt-BR" sz="2800" u="sng" dirty="0" smtClean="0">
+                <a:solidFill>
+                  <a:schemeClr val="tx1">
+                    <a:lumMod val="75000"/>
+                    <a:lumOff val="25000"/>
+                  </a:schemeClr>
+                </a:solidFill>
+              </a:rPr>
+              <a:t>Cinza</a:t>
+            </a:r>
+            <a:r>
+              <a:rPr lang="pt-BR" sz="2800" dirty="0" smtClean="0">
+                <a:solidFill>
+                  <a:schemeClr val="tx1">
+                    <a:lumMod val="75000"/>
+                    <a:lumOff val="25000"/>
+                  </a:schemeClr>
+                </a:solidFill>
+              </a:rPr>
+              <a:t>: Conflito</a:t>
+            </a:r>
+            <a:endParaRPr lang="en-US" sz="2800" dirty="0">
+              <a:solidFill>
+                <a:schemeClr val="tx1">
+                  <a:lumMod val="75000"/>
+                  <a:lumOff val="25000"/>
+                </a:schemeClr>
+              </a:solidFill>
+            </a:endParaRPr>
+          </a:p>
+        </p:txBody>
+      </p:sp>
     </p:spTree>
     <p:extLst>
       <p:ext uri="{BB962C8B-B14F-4D97-AF65-F5344CB8AC3E}">
-        <p14:creationId xmlns:p14="http://schemas.microsoft.com/office/powerpoint/2010/main" val="1823009840"/>
+        <p14:creationId xmlns:p14="http://schemas.microsoft.com/office/powerpoint/2010/main" val="3754856759"/>
       </p:ext>
     </p:extLst>
   </p:cSld>
@@ -5033,16 +8910,24 @@
           <a:lstStyle/>
           <a:p>
             <a:r>
-              <a:rPr lang="pt-BR" sz="4000" dirty="0"/>
-              <a:t>Proposta - </a:t>
+              <a:rPr lang="pt-BR" sz="4000" dirty="0" smtClean="0"/>
+              <a:t>Introdução - </a:t>
             </a:r>
             <a:r>
               <a:rPr lang="en-US" sz="4000" i="1" dirty="0"/>
-              <a:t>Base Adaptive Query Tree </a:t>
+              <a:t>M-</a:t>
+            </a:r>
+            <a:r>
+              <a:rPr lang="en-US" sz="4000" i="1" dirty="0" err="1"/>
+              <a:t>ary</a:t>
+            </a:r>
+            <a:r>
+              <a:rPr lang="en-US" sz="4000" i="1" dirty="0"/>
+              <a:t> tree based Query Tree </a:t>
             </a:r>
             <a:r>
               <a:rPr lang="en-US" sz="4000" dirty="0"/>
-              <a:t>(BAQT)</a:t>
+              <a:t>(MQT)</a:t>
             </a:r>
           </a:p>
         </p:txBody>
@@ -5060,12 +8945,12 @@
         <p:spPr>
           <a:xfrm>
             <a:off x="1097280" y="1845734"/>
-            <a:ext cx="10058400" cy="4168700"/>
+            <a:ext cx="4582302" cy="4168700"/>
           </a:xfrm>
         </p:spPr>
         <p:txBody>
           <a:bodyPr>
-            <a:normAutofit/>
+            <a:normAutofit fontScale="92500"/>
           </a:bodyPr>
           <a:lstStyle/>
           <a:p>
@@ -5079,11 +8964,94 @@
             </a:r>
           </a:p>
           <a:p>
-            <a:pPr lvl="1">
+            <a:pPr lvl="2">
               <a:buFont typeface="Arial" panose="020B0604020202020204" pitchFamily="34" charset="0"/>
               <a:buChar char="•"/>
             </a:pPr>
-            <a:endParaRPr lang="pt-BR" sz="3200" dirty="0" smtClean="0"/>
+            <a:r>
+              <a:rPr lang="pt-BR" sz="2800" dirty="0" err="1" smtClean="0"/>
+              <a:t>Tags</a:t>
+            </a:r>
+            <a:r>
+              <a:rPr lang="pt-BR" sz="2800" dirty="0" smtClean="0"/>
+              <a:t>: {</a:t>
+            </a:r>
+            <a:r>
+              <a:rPr lang="pt-BR" sz="2800" strike="sngStrike" dirty="0" smtClean="0"/>
+              <a:t>000000</a:t>
+            </a:r>
+            <a:r>
+              <a:rPr lang="pt-BR" sz="2800" dirty="0" smtClean="0"/>
+              <a:t>, 010011, 010010, 010001, </a:t>
+            </a:r>
+            <a:r>
+              <a:rPr lang="pt-BR" sz="2800" strike="sngStrike" dirty="0" smtClean="0"/>
+              <a:t>011000</a:t>
+            </a:r>
+            <a:r>
+              <a:rPr lang="pt-BR" sz="2800" dirty="0" smtClean="0"/>
+              <a:t>, </a:t>
+            </a:r>
+            <a:r>
+              <a:rPr lang="pt-BR" sz="2800" strike="sngStrike" dirty="0" smtClean="0"/>
+              <a:t>011110</a:t>
+            </a:r>
+            <a:r>
+              <a:rPr lang="pt-BR" sz="2800" dirty="0" smtClean="0"/>
+              <a:t>, 110010, 110100, 110111}</a:t>
+            </a:r>
+          </a:p>
+          <a:p>
+            <a:pPr lvl="2">
+              <a:buFont typeface="Arial" panose="020B0604020202020204" pitchFamily="34" charset="0"/>
+              <a:buChar char="•"/>
+            </a:pPr>
+            <a:r>
+              <a:rPr lang="pt-BR" sz="2800" dirty="0" smtClean="0"/>
+              <a:t>Queries: &lt;</a:t>
+            </a:r>
+            <a:r>
+              <a:rPr lang="pt-BR" sz="2800" u="sng" dirty="0" smtClean="0"/>
+              <a:t>0100</a:t>
+            </a:r>
+            <a:r>
+              <a:rPr lang="pt-BR" sz="2800" dirty="0" smtClean="0"/>
+              <a:t>,0101,</a:t>
+            </a:r>
+            <a:r>
+              <a:rPr lang="pt-BR" sz="2800" b="1" dirty="0" smtClean="0"/>
+              <a:t>0110</a:t>
+            </a:r>
+            <a:r>
+              <a:rPr lang="pt-BR" sz="2800" dirty="0" smtClean="0"/>
+              <a:t>,</a:t>
+            </a:r>
+            <a:r>
+              <a:rPr lang="pt-BR" sz="2800" b="1" dirty="0" smtClean="0"/>
+              <a:t>0111</a:t>
+            </a:r>
+            <a:r>
+              <a:rPr lang="pt-BR" sz="2800" dirty="0" smtClean="0"/>
+              <a:t>&gt;</a:t>
+            </a:r>
+          </a:p>
+          <a:p>
+            <a:pPr lvl="2">
+              <a:buFont typeface="Arial" panose="020B0604020202020204" pitchFamily="34" charset="0"/>
+              <a:buChar char="•"/>
+            </a:pPr>
+            <a:r>
+              <a:rPr lang="pt-BR" sz="2800" dirty="0" err="1"/>
+              <a:t>Queue</a:t>
+            </a:r>
+            <a:r>
+              <a:rPr lang="pt-BR" sz="2800" dirty="0"/>
+              <a:t>: </a:t>
+            </a:r>
+            <a:r>
+              <a:rPr lang="pt-BR" sz="2800" dirty="0" smtClean="0"/>
+              <a:t>{1100,1101,1110,1111,010000,010001,010010,010011}</a:t>
+            </a:r>
           </a:p>
           <a:p>
             <a:pPr lvl="1">
@@ -5094,10 +9062,132 @@
           </a:p>
         </p:txBody>
       </p:sp>
+      <p:pic>
+        <p:nvPicPr>
+          <p:cNvPr id="5" name="Picture 4"/>
+          <p:cNvPicPr>
+            <a:picLocks noChangeAspect="1"/>
+          </p:cNvPicPr>
+          <p:nvPr/>
+        </p:nvPicPr>
+        <p:blipFill>
+          <a:blip r:embed="rId2">
+            <a:extLst>
+              <a:ext uri="{28A0092B-C50C-407E-A947-70E740481C1C}">
+                <a14:useLocalDpi xmlns:a14="http://schemas.microsoft.com/office/drawing/2010/main" val="0"/>
+              </a:ext>
+            </a:extLst>
+          </a:blip>
+          <a:stretch>
+            <a:fillRect/>
+          </a:stretch>
+        </p:blipFill>
+        <p:spPr>
+          <a:xfrm>
+            <a:off x="5679583" y="1845734"/>
+            <a:ext cx="5476097" cy="2180058"/>
+          </a:xfrm>
+          <a:prstGeom prst="rect">
+            <a:avLst/>
+          </a:prstGeom>
+        </p:spPr>
+      </p:pic>
+      <p:sp>
+        <p:nvSpPr>
+          <p:cNvPr id="7" name="TextBox 6"/>
+          <p:cNvSpPr txBox="1"/>
+          <p:nvPr/>
+        </p:nvSpPr>
+        <p:spPr>
+          <a:xfrm>
+            <a:off x="5679582" y="4134166"/>
+            <a:ext cx="5476097" cy="1384995"/>
+          </a:xfrm>
+          <a:prstGeom prst="rect">
+            <a:avLst/>
+          </a:prstGeom>
+          <a:noFill/>
+        </p:spPr>
+        <p:txBody>
+          <a:bodyPr wrap="square" rtlCol="0">
+            <a:spAutoFit/>
+          </a:bodyPr>
+          <a:lstStyle/>
+          <a:p>
+            <a:r>
+              <a:rPr lang="pt-BR" sz="2800" b="1" dirty="0" smtClean="0">
+                <a:solidFill>
+                  <a:schemeClr val="tx1">
+                    <a:lumMod val="75000"/>
+                    <a:lumOff val="25000"/>
+                  </a:schemeClr>
+                </a:solidFill>
+              </a:rPr>
+              <a:t>Preto</a:t>
+            </a:r>
+            <a:r>
+              <a:rPr lang="pt-BR" sz="2800" dirty="0" smtClean="0">
+                <a:solidFill>
+                  <a:schemeClr val="tx1">
+                    <a:lumMod val="75000"/>
+                    <a:lumOff val="25000"/>
+                  </a:schemeClr>
+                </a:solidFill>
+              </a:rPr>
+              <a:t>: Sucesso</a:t>
+            </a:r>
+          </a:p>
+          <a:p>
+            <a:r>
+              <a:rPr lang="pt-BR" sz="2800" dirty="0" smtClean="0">
+                <a:solidFill>
+                  <a:schemeClr val="tx1">
+                    <a:lumMod val="75000"/>
+                    <a:lumOff val="25000"/>
+                  </a:schemeClr>
+                </a:solidFill>
+              </a:rPr>
+              <a:t>Branco: Ocioso</a:t>
+            </a:r>
+          </a:p>
+          <a:p>
+            <a:r>
+              <a:rPr lang="pt-BR" sz="2800" u="sng" dirty="0" smtClean="0">
+                <a:solidFill>
+                  <a:schemeClr val="tx1">
+                    <a:lumMod val="75000"/>
+                    <a:lumOff val="25000"/>
+                  </a:schemeClr>
+                </a:solidFill>
+              </a:rPr>
+              <a:t>Cinza</a:t>
+            </a:r>
+            <a:r>
+              <a:rPr lang="pt-BR" sz="2800" dirty="0" smtClean="0">
+                <a:solidFill>
+                  <a:schemeClr val="tx1">
+                    <a:lumMod val="75000"/>
+                    <a:lumOff val="25000"/>
+                  </a:schemeClr>
+                </a:solidFill>
+              </a:rPr>
+              <a:t>: Conflito</a:t>
+            </a:r>
+            <a:endParaRPr lang="en-US" sz="2800" dirty="0">
+              <a:solidFill>
+                <a:schemeClr val="tx1">
+                  <a:lumMod val="75000"/>
+                  <a:lumOff val="25000"/>
+                </a:schemeClr>
+              </a:solidFill>
+            </a:endParaRPr>
+          </a:p>
+        </p:txBody>
+      </p:sp>
     </p:spTree>
     <p:extLst>
       <p:ext uri="{BB962C8B-B14F-4D97-AF65-F5344CB8AC3E}">
-        <p14:creationId xmlns:p14="http://schemas.microsoft.com/office/powerpoint/2010/main" val="3647975823"/>
+        <p14:creationId xmlns:p14="http://schemas.microsoft.com/office/powerpoint/2010/main" val="3439068026"/>
       </p:ext>
     </p:extLst>
   </p:cSld>
@@ -5150,13 +9240,24 @@
           <a:p>
             <a:r>
               <a:rPr lang="pt-BR" sz="4000" dirty="0" smtClean="0"/>
-              <a:t>Proposta - </a:t>
+              <a:t>Introdução - </a:t>
             </a:r>
             <a:r>
               <a:rPr lang="en-US" sz="4000" i="1" dirty="0"/>
-              <a:t>Modified Adaptive Query Tree (MAQT)</a:t>
-            </a:r>
-            <a:endParaRPr lang="en-US" sz="4000" dirty="0"/>
+              <a:t>M-</a:t>
+            </a:r>
+            <a:r>
+              <a:rPr lang="en-US" sz="4000" i="1" dirty="0" err="1"/>
+              <a:t>ary</a:t>
+            </a:r>
+            <a:r>
+              <a:rPr lang="en-US" sz="4000" i="1" dirty="0"/>
+              <a:t> tree based Query Tree </a:t>
+            </a:r>
+            <a:r>
+              <a:rPr lang="en-US" sz="4000" dirty="0"/>
+              <a:t>(MQT)</a:t>
+            </a:r>
           </a:p>
         </p:txBody>
       </p:sp>
@@ -5173,12 +9274,12 @@
         <p:spPr>
           <a:xfrm>
             <a:off x="1097280" y="1845734"/>
-            <a:ext cx="5029200" cy="4168700"/>
+            <a:ext cx="4582302" cy="4168700"/>
           </a:xfrm>
         </p:spPr>
         <p:txBody>
           <a:bodyPr>
-            <a:normAutofit/>
+            <a:normAutofit fontScale="92500" lnSpcReduction="10000"/>
           </a:bodyPr>
           <a:lstStyle/>
           <a:p>
@@ -5188,40 +9289,102 @@
             </a:pPr>
             <a:r>
               <a:rPr lang="pt-BR" sz="3200" dirty="0" smtClean="0"/>
-              <a:t>Algoritmo pensado para lidar com problemas de </a:t>
-            </a:r>
-            <a:r>
-              <a:rPr lang="pt-BR" sz="3200" i="1" dirty="0" err="1" smtClean="0"/>
-              <a:t>warehousing</a:t>
-            </a:r>
-            <a:endParaRPr lang="pt-BR" sz="3200" i="1" dirty="0" smtClean="0"/>
-          </a:p>
-          <a:p>
-            <a:pPr lvl="1">
+              <a:t>Exemplo</a:t>
+            </a:r>
+          </a:p>
+          <a:p>
+            <a:pPr lvl="2">
               <a:buFont typeface="Arial" panose="020B0604020202020204" pitchFamily="34" charset="0"/>
               <a:buChar char="•"/>
             </a:pPr>
             <a:r>
-              <a:rPr lang="pt-BR" sz="3200" dirty="0" smtClean="0"/>
-              <a:t>Segmento fixo e segmento variável do EPC</a:t>
-            </a:r>
-          </a:p>
-          <a:p>
-            <a:pPr lvl="1">
+              <a:rPr lang="pt-BR" sz="2800" dirty="0" err="1" smtClean="0"/>
+              <a:t>Tags</a:t>
+            </a:r>
+            <a:r>
+              <a:rPr lang="pt-BR" sz="2800" dirty="0" smtClean="0"/>
+              <a:t>: {</a:t>
+            </a:r>
+            <a:r>
+              <a:rPr lang="pt-BR" sz="2800" strike="sngStrike" dirty="0" smtClean="0"/>
+              <a:t>000000</a:t>
+            </a:r>
+            <a:r>
+              <a:rPr lang="pt-BR" sz="2800" dirty="0" smtClean="0"/>
+              <a:t>, 010011, 010010, 010001, </a:t>
+            </a:r>
+            <a:r>
+              <a:rPr lang="pt-BR" sz="2800" strike="sngStrike" dirty="0" smtClean="0"/>
+              <a:t>011000</a:t>
+            </a:r>
+            <a:r>
+              <a:rPr lang="pt-BR" sz="2800" dirty="0" smtClean="0"/>
+              <a:t>, </a:t>
+            </a:r>
+            <a:r>
+              <a:rPr lang="pt-BR" sz="2800" strike="sngStrike" dirty="0" smtClean="0"/>
+              <a:t>011110</a:t>
+            </a:r>
+            <a:r>
+              <a:rPr lang="pt-BR" sz="2800" dirty="0" smtClean="0"/>
+              <a:t>, </a:t>
+            </a:r>
+            <a:r>
+              <a:rPr lang="pt-BR" sz="2800" strike="sngStrike" dirty="0" smtClean="0"/>
+              <a:t>110010</a:t>
+            </a:r>
+            <a:r>
+              <a:rPr lang="pt-BR" sz="2800" dirty="0" smtClean="0"/>
+              <a:t>, 110100, 110111}</a:t>
+            </a:r>
+          </a:p>
+          <a:p>
+            <a:pPr lvl="2">
               <a:buFont typeface="Arial" panose="020B0604020202020204" pitchFamily="34" charset="0"/>
               <a:buChar char="•"/>
             </a:pPr>
             <a:r>
-              <a:rPr lang="pt-BR" sz="3200" dirty="0" smtClean="0"/>
-              <a:t>Utilização combinada do BQT e do BAQT</a:t>
-            </a:r>
-          </a:p>
-          <a:p>
-            <a:pPr lvl="1">
+              <a:rPr lang="pt-BR" sz="2800" dirty="0" smtClean="0"/>
+              <a:t>Queries: &lt;</a:t>
+            </a:r>
+            <a:r>
+              <a:rPr lang="pt-BR" sz="2800" b="1" dirty="0"/>
+              <a:t>1100</a:t>
+            </a:r>
+            <a:r>
+              <a:rPr lang="pt-BR" sz="2800" dirty="0"/>
+              <a:t>,</a:t>
+            </a:r>
+            <a:r>
+              <a:rPr lang="pt-BR" sz="2800" u="sng" dirty="0"/>
+              <a:t>1101</a:t>
+            </a:r>
+            <a:r>
+              <a:rPr lang="pt-BR" sz="2800" dirty="0"/>
+              <a:t>,1110,1111</a:t>
+            </a:r>
+            <a:r>
+              <a:rPr lang="pt-BR" sz="2800" dirty="0" smtClean="0"/>
+              <a:t>&gt;</a:t>
+            </a:r>
+          </a:p>
+          <a:p>
+            <a:pPr lvl="2">
               <a:buFont typeface="Arial" panose="020B0604020202020204" pitchFamily="34" charset="0"/>
               <a:buChar char="•"/>
             </a:pPr>
-            <a:endParaRPr lang="pt-BR" sz="3200" dirty="0" smtClean="0"/>
+            <a:r>
+              <a:rPr lang="pt-BR" sz="2800" dirty="0" err="1"/>
+              <a:t>Queue</a:t>
+            </a:r>
+            <a:r>
+              <a:rPr lang="pt-BR" sz="2800" dirty="0"/>
+              <a:t>: </a:t>
+            </a:r>
+            <a:r>
+              <a:rPr lang="pt-BR" sz="2800" dirty="0" smtClean="0"/>
+              <a:t>{010000,010001,010010,010011,110000,110001,110010,110011}</a:t>
+            </a:r>
           </a:p>
           <a:p>
             <a:pPr lvl="1">
@@ -5234,7 +9397,7 @@
       </p:sp>
       <p:pic>
         <p:nvPicPr>
-          <p:cNvPr id="5" name="Picture 4"/>
+          <p:cNvPr id="4" name="Picture 3"/>
           <p:cNvPicPr>
             <a:picLocks noChangeAspect="1"/>
           </p:cNvPicPr>
@@ -5254,18 +9417,110 @@
         </p:blipFill>
         <p:spPr>
           <a:xfrm>
-            <a:off x="6126480" y="1845734"/>
-            <a:ext cx="5117386" cy="3254300"/>
+            <a:off x="5679582" y="1845734"/>
+            <a:ext cx="5476098" cy="2180058"/>
           </a:xfrm>
           <a:prstGeom prst="rect">
             <a:avLst/>
           </a:prstGeom>
         </p:spPr>
       </p:pic>
+      <p:sp>
+        <p:nvSpPr>
+          <p:cNvPr id="7" name="TextBox 6"/>
+          <p:cNvSpPr txBox="1"/>
+          <p:nvPr/>
+        </p:nvSpPr>
+        <p:spPr>
+          <a:xfrm>
+            <a:off x="5679582" y="4134166"/>
+            <a:ext cx="5476097" cy="1384995"/>
+          </a:xfrm>
+          <a:prstGeom prst="rect">
+            <a:avLst/>
+          </a:prstGeom>
+          <a:noFill/>
+        </p:spPr>
+        <p:txBody>
+          <a:bodyPr wrap="square" rtlCol="0">
+            <a:spAutoFit/>
+          </a:bodyPr>
+          <a:lstStyle/>
+          <a:p>
+            <a:r>
+              <a:rPr lang="pt-BR" sz="2800" b="1" dirty="0" smtClean="0">
+                <a:solidFill>
+                  <a:schemeClr val="tx1">
+                    <a:lumMod val="75000"/>
+                    <a:lumOff val="25000"/>
+                  </a:schemeClr>
+                </a:solidFill>
+              </a:rPr>
+              <a:t>Preto</a:t>
+            </a:r>
+            <a:r>
+              <a:rPr lang="pt-BR" sz="2800" dirty="0" smtClean="0">
+                <a:solidFill>
+                  <a:schemeClr val="tx1">
+                    <a:lumMod val="75000"/>
+                    <a:lumOff val="25000"/>
+                  </a:schemeClr>
+                </a:solidFill>
+              </a:rPr>
+              <a:t>: Sucesso</a:t>
+            </a:r>
+          </a:p>
+          <a:p>
+            <a:r>
+              <a:rPr lang="pt-BR" sz="2800" dirty="0" smtClean="0">
+                <a:solidFill>
+                  <a:schemeClr val="tx1">
+                    <a:lumMod val="75000"/>
+                    <a:lumOff val="25000"/>
+                  </a:schemeClr>
+                </a:solidFill>
+              </a:rPr>
+              <a:t>Branco: Ocioso</a:t>
+            </a:r>
+          </a:p>
+          <a:p>
+            <a:r>
+              <a:rPr lang="pt-BR" sz="2800" u="sng" dirty="0" smtClean="0">
+                <a:solidFill>
+                  <a:schemeClr val="tx1">
+                    <a:lumMod val="75000"/>
+                    <a:lumOff val="25000"/>
+                  </a:schemeClr>
+                </a:solidFill>
+              </a:rPr>
+              <a:t>Cinza</a:t>
+            </a:r>
+            <a:r>
+              <a:rPr lang="pt-BR" sz="2800" dirty="0" smtClean="0">
+                <a:solidFill>
+                  <a:schemeClr val="tx1">
+                    <a:lumMod val="75000"/>
+                    <a:lumOff val="25000"/>
+                  </a:schemeClr>
+                </a:solidFill>
+              </a:rPr>
+              <a:t>: Conflito</a:t>
+            </a:r>
+            <a:endParaRPr lang="en-US" sz="2800" dirty="0">
+              <a:solidFill>
+                <a:schemeClr val="tx1">
+                  <a:lumMod val="75000"/>
+                  <a:lumOff val="25000"/>
+                </a:schemeClr>
+              </a:solidFill>
+            </a:endParaRPr>
+          </a:p>
+        </p:txBody>
+      </p:sp>
     </p:spTree>
     <p:extLst>
       <p:ext uri="{BB962C8B-B14F-4D97-AF65-F5344CB8AC3E}">
-        <p14:creationId xmlns:p14="http://schemas.microsoft.com/office/powerpoint/2010/main" val="1575680881"/>
+        <p14:creationId xmlns:p14="http://schemas.microsoft.com/office/powerpoint/2010/main" val="3438291735"/>
       </p:ext>
     </p:extLst>
   </p:cSld>
@@ -5317,14 +9572,25 @@
           <a:lstStyle/>
           <a:p>
             <a:r>
-              <a:rPr lang="pt-BR" sz="4000" dirty="0"/>
-              <a:t>Proposta - </a:t>
+              <a:rPr lang="pt-BR" sz="4000" dirty="0" smtClean="0"/>
+              <a:t>Introdução - </a:t>
             </a:r>
             <a:r>
               <a:rPr lang="en-US" sz="4000" i="1" dirty="0"/>
-              <a:t>Modified Adaptive Query Tree (MAQT)</a:t>
-            </a:r>
-            <a:endParaRPr lang="en-US" sz="4000" dirty="0"/>
+              <a:t>M-</a:t>
+            </a:r>
+            <a:r>
+              <a:rPr lang="en-US" sz="4000" i="1" dirty="0" err="1"/>
+              <a:t>ary</a:t>
+            </a:r>
+            <a:r>
+              <a:rPr lang="en-US" sz="4000" i="1" dirty="0"/>
+              <a:t> tree based Query Tree </a:t>
+            </a:r>
+            <a:r>
+              <a:rPr lang="en-US" sz="4000" dirty="0"/>
+              <a:t>(MQT)</a:t>
+            </a:r>
           </a:p>
         </p:txBody>
       </p:sp>
@@ -5341,12 +9607,12 @@
         <p:spPr>
           <a:xfrm>
             <a:off x="1097280" y="1845734"/>
-            <a:ext cx="10058400" cy="4168700"/>
+            <a:ext cx="4582302" cy="4168700"/>
           </a:xfrm>
         </p:spPr>
         <p:txBody>
           <a:bodyPr>
-            <a:normAutofit/>
+            <a:normAutofit fontScale="92500" lnSpcReduction="10000"/>
           </a:bodyPr>
           <a:lstStyle/>
           <a:p>
@@ -5360,11 +9626,130 @@
             </a:r>
           </a:p>
           <a:p>
-            <a:pPr lvl="1">
+            <a:pPr lvl="2">
               <a:buFont typeface="Arial" panose="020B0604020202020204" pitchFamily="34" charset="0"/>
               <a:buChar char="•"/>
             </a:pPr>
-            <a:endParaRPr lang="pt-BR" sz="3200" dirty="0" smtClean="0"/>
+            <a:r>
+              <a:rPr lang="pt-BR" sz="2800" dirty="0" err="1" smtClean="0"/>
+              <a:t>Tags</a:t>
+            </a:r>
+            <a:r>
+              <a:rPr lang="pt-BR" sz="2800" dirty="0" smtClean="0"/>
+              <a:t>: {</a:t>
+            </a:r>
+            <a:r>
+              <a:rPr lang="pt-BR" sz="2800" strike="sngStrike" dirty="0" smtClean="0"/>
+              <a:t>000000</a:t>
+            </a:r>
+            <a:r>
+              <a:rPr lang="pt-BR" sz="2800" dirty="0" smtClean="0"/>
+              <a:t>, </a:t>
+            </a:r>
+            <a:r>
+              <a:rPr lang="pt-BR" sz="2800" strike="sngStrike" dirty="0" smtClean="0"/>
+              <a:t>010011</a:t>
+            </a:r>
+            <a:r>
+              <a:rPr lang="pt-BR" sz="2800" dirty="0" smtClean="0"/>
+              <a:t>, </a:t>
+            </a:r>
+            <a:r>
+              <a:rPr lang="pt-BR" sz="2800" strike="sngStrike" dirty="0" smtClean="0"/>
+              <a:t>010010</a:t>
+            </a:r>
+            <a:r>
+              <a:rPr lang="pt-BR" sz="2800" dirty="0" smtClean="0"/>
+              <a:t>, </a:t>
+            </a:r>
+            <a:r>
+              <a:rPr lang="pt-BR" sz="2800" strike="sngStrike" dirty="0" smtClean="0"/>
+              <a:t>010001</a:t>
+            </a:r>
+            <a:r>
+              <a:rPr lang="pt-BR" sz="2800" dirty="0" smtClean="0"/>
+              <a:t>, </a:t>
+            </a:r>
+            <a:r>
+              <a:rPr lang="pt-BR" sz="2800" strike="sngStrike" dirty="0" smtClean="0"/>
+              <a:t>011000</a:t>
+            </a:r>
+            <a:r>
+              <a:rPr lang="pt-BR" sz="2800" dirty="0" smtClean="0"/>
+              <a:t>, </a:t>
+            </a:r>
+            <a:r>
+              <a:rPr lang="pt-BR" sz="2800" strike="sngStrike" dirty="0" smtClean="0"/>
+              <a:t>011110</a:t>
+            </a:r>
+            <a:r>
+              <a:rPr lang="pt-BR" sz="2800" dirty="0" smtClean="0"/>
+              <a:t>, </a:t>
+            </a:r>
+            <a:r>
+              <a:rPr lang="pt-BR" sz="2800" strike="sngStrike" dirty="0" smtClean="0"/>
+              <a:t>110010</a:t>
+            </a:r>
+            <a:r>
+              <a:rPr lang="pt-BR" sz="2800" dirty="0" smtClean="0"/>
+              <a:t>, 110100, 110111}</a:t>
+            </a:r>
+          </a:p>
+          <a:p>
+            <a:pPr lvl="2">
+              <a:buFont typeface="Arial" panose="020B0604020202020204" pitchFamily="34" charset="0"/>
+              <a:buChar char="•"/>
+            </a:pPr>
+            <a:r>
+              <a:rPr lang="pt-BR" sz="2800" dirty="0" smtClean="0"/>
+              <a:t>Queries: &lt;</a:t>
+            </a:r>
+            <a:r>
+              <a:rPr lang="pt-BR" sz="2800" dirty="0"/>
+              <a:t>010000,</a:t>
+            </a:r>
+            <a:r>
+              <a:rPr lang="pt-BR" sz="2800" b="1" dirty="0"/>
+              <a:t>010001</a:t>
+            </a:r>
+            <a:r>
+              <a:rPr lang="pt-BR" sz="2800" dirty="0"/>
+              <a:t>,</a:t>
+            </a:r>
+            <a:r>
+              <a:rPr lang="pt-BR" sz="2800" b="1" dirty="0"/>
+              <a:t>010010</a:t>
+            </a:r>
+            <a:r>
+              <a:rPr lang="pt-BR" sz="2800" dirty="0"/>
+              <a:t>,</a:t>
+            </a:r>
+            <a:r>
+              <a:rPr lang="pt-BR" sz="2800" b="1" dirty="0"/>
+              <a:t>010011</a:t>
+            </a:r>
+            <a:r>
+              <a:rPr lang="pt-BR" sz="2800" dirty="0" smtClean="0"/>
+              <a:t>&gt;</a:t>
+            </a:r>
+          </a:p>
+          <a:p>
+            <a:pPr lvl="2">
+              <a:buFont typeface="Arial" panose="020B0604020202020204" pitchFamily="34" charset="0"/>
+              <a:buChar char="•"/>
+            </a:pPr>
+            <a:r>
+              <a:rPr lang="pt-BR" sz="2800" dirty="0" err="1"/>
+              <a:t>Queue</a:t>
+            </a:r>
+            <a:r>
+              <a:rPr lang="pt-BR" sz="2800" dirty="0"/>
+              <a:t>: </a:t>
+            </a:r>
+            <a:r>
+              <a:rPr lang="pt-BR" sz="2800" dirty="0" smtClean="0"/>
+              <a:t>{110000,110001,110010,110011}</a:t>
+            </a:r>
           </a:p>
           <a:p>
             <a:pPr lvl="1">
@@ -5375,10 +9760,132 @@
           </a:p>
         </p:txBody>
       </p:sp>
+      <p:pic>
+        <p:nvPicPr>
+          <p:cNvPr id="5" name="Picture 4"/>
+          <p:cNvPicPr>
+            <a:picLocks noChangeAspect="1"/>
+          </p:cNvPicPr>
+          <p:nvPr/>
+        </p:nvPicPr>
+        <p:blipFill>
+          <a:blip r:embed="rId2">
+            <a:extLst>
+              <a:ext uri="{28A0092B-C50C-407E-A947-70E740481C1C}">
+                <a14:useLocalDpi xmlns:a14="http://schemas.microsoft.com/office/drawing/2010/main" val="0"/>
+              </a:ext>
+            </a:extLst>
+          </a:blip>
+          <a:stretch>
+            <a:fillRect/>
+          </a:stretch>
+        </p:blipFill>
+        <p:spPr>
+          <a:xfrm>
+            <a:off x="5679582" y="1845734"/>
+            <a:ext cx="5476098" cy="2180058"/>
+          </a:xfrm>
+          <a:prstGeom prst="rect">
+            <a:avLst/>
+          </a:prstGeom>
+        </p:spPr>
+      </p:pic>
+      <p:sp>
+        <p:nvSpPr>
+          <p:cNvPr id="7" name="TextBox 6"/>
+          <p:cNvSpPr txBox="1"/>
+          <p:nvPr/>
+        </p:nvSpPr>
+        <p:spPr>
+          <a:xfrm>
+            <a:off x="5679582" y="4134166"/>
+            <a:ext cx="5476097" cy="1384995"/>
+          </a:xfrm>
+          <a:prstGeom prst="rect">
+            <a:avLst/>
+          </a:prstGeom>
+          <a:noFill/>
+        </p:spPr>
+        <p:txBody>
+          <a:bodyPr wrap="square" rtlCol="0">
+            <a:spAutoFit/>
+          </a:bodyPr>
+          <a:lstStyle/>
+          <a:p>
+            <a:r>
+              <a:rPr lang="pt-BR" sz="2800" b="1" dirty="0" smtClean="0">
+                <a:solidFill>
+                  <a:schemeClr val="tx1">
+                    <a:lumMod val="75000"/>
+                    <a:lumOff val="25000"/>
+                  </a:schemeClr>
+                </a:solidFill>
+              </a:rPr>
+              <a:t>Preto</a:t>
+            </a:r>
+            <a:r>
+              <a:rPr lang="pt-BR" sz="2800" dirty="0" smtClean="0">
+                <a:solidFill>
+                  <a:schemeClr val="tx1">
+                    <a:lumMod val="75000"/>
+                    <a:lumOff val="25000"/>
+                  </a:schemeClr>
+                </a:solidFill>
+              </a:rPr>
+              <a:t>: Sucesso</a:t>
+            </a:r>
+          </a:p>
+          <a:p>
+            <a:r>
+              <a:rPr lang="pt-BR" sz="2800" dirty="0" smtClean="0">
+                <a:solidFill>
+                  <a:schemeClr val="tx1">
+                    <a:lumMod val="75000"/>
+                    <a:lumOff val="25000"/>
+                  </a:schemeClr>
+                </a:solidFill>
+              </a:rPr>
+              <a:t>Branco: Ocioso</a:t>
+            </a:r>
+          </a:p>
+          <a:p>
+            <a:r>
+              <a:rPr lang="pt-BR" sz="2800" u="sng" dirty="0" smtClean="0">
+                <a:solidFill>
+                  <a:schemeClr val="tx1">
+                    <a:lumMod val="75000"/>
+                    <a:lumOff val="25000"/>
+                  </a:schemeClr>
+                </a:solidFill>
+              </a:rPr>
+              <a:t>Cinza</a:t>
+            </a:r>
+            <a:r>
+              <a:rPr lang="pt-BR" sz="2800" dirty="0" smtClean="0">
+                <a:solidFill>
+                  <a:schemeClr val="tx1">
+                    <a:lumMod val="75000"/>
+                    <a:lumOff val="25000"/>
+                  </a:schemeClr>
+                </a:solidFill>
+              </a:rPr>
+              <a:t>: Conflito</a:t>
+            </a:r>
+            <a:endParaRPr lang="en-US" sz="2800" dirty="0">
+              <a:solidFill>
+                <a:schemeClr val="tx1">
+                  <a:lumMod val="75000"/>
+                  <a:lumOff val="25000"/>
+                </a:schemeClr>
+              </a:solidFill>
+            </a:endParaRPr>
+          </a:p>
+        </p:txBody>
+      </p:sp>
     </p:spTree>
     <p:extLst>
       <p:ext uri="{BB962C8B-B14F-4D97-AF65-F5344CB8AC3E}">
-        <p14:creationId xmlns:p14="http://schemas.microsoft.com/office/powerpoint/2010/main" val="2356975110"/>
+        <p14:creationId xmlns:p14="http://schemas.microsoft.com/office/powerpoint/2010/main" val="1718129402"/>
       </p:ext>
     </p:extLst>
   </p:cSld>

--- a/Presentation/A New Adaptive Query Tree on Resolving RFID.pptx
+++ b/Presentation/A New Adaptive Query Tree on Resolving RFID.pptx
@@ -23,9 +23,15 @@
     <p:sldId id="276" r:id="rId17"/>
     <p:sldId id="277" r:id="rId18"/>
     <p:sldId id="263" r:id="rId19"/>
-    <p:sldId id="264" r:id="rId20"/>
-    <p:sldId id="265" r:id="rId21"/>
-    <p:sldId id="266" r:id="rId22"/>
+    <p:sldId id="278" r:id="rId20"/>
+    <p:sldId id="279" r:id="rId21"/>
+    <p:sldId id="280" r:id="rId22"/>
+    <p:sldId id="281" r:id="rId23"/>
+    <p:sldId id="282" r:id="rId24"/>
+    <p:sldId id="283" r:id="rId25"/>
+    <p:sldId id="284" r:id="rId26"/>
+    <p:sldId id="265" r:id="rId27"/>
+    <p:sldId id="266" r:id="rId28"/>
   </p:sldIdLst>
   <p:sldSz cx="12192000" cy="6858000"/>
   <p:notesSz cx="6858000" cy="9144000"/>
@@ -7113,9 +7119,12 @@
             </a:r>
             <a:r>
               <a:rPr lang="en-US" sz="4000" i="1" dirty="0"/>
-              <a:t>Modified Adaptive Query Tree (MAQT)</a:t>
-            </a:r>
-            <a:endParaRPr lang="en-US" sz="4000" dirty="0"/>
+              <a:t>Modified Adaptive Query Tree </a:t>
+            </a:r>
+            <a:r>
+              <a:rPr lang="en-US" sz="4000" dirty="0"/>
+              <a:t>(MAQT)</a:t>
+            </a:r>
           </a:p>
         </p:txBody>
       </p:sp>
@@ -7281,63 +7290,367 @@
             </a:r>
             <a:r>
               <a:rPr lang="en-US" sz="4000" i="1" dirty="0"/>
-              <a:t>Modified Adaptive Query Tree (MAQT)</a:t>
-            </a:r>
-            <a:endParaRPr lang="en-US" sz="4000" dirty="0"/>
+              <a:t>Modified Adaptive Query Tree </a:t>
+            </a:r>
+            <a:r>
+              <a:rPr lang="en-US" sz="4000" dirty="0"/>
+              <a:t>(MAQT)</a:t>
+            </a:r>
           </a:p>
         </p:txBody>
       </p:sp>
-      <p:sp>
-        <p:nvSpPr>
-          <p:cNvPr id="3" name="Content Placeholder 2"/>
-          <p:cNvSpPr>
-            <a:spLocks noGrp="1"/>
-          </p:cNvSpPr>
-          <p:nvPr>
-            <p:ph idx="1"/>
-          </p:nvPr>
+      <mc:AlternateContent xmlns:mc="http://schemas.openxmlformats.org/markup-compatibility/2006">
+        <mc:Choice xmlns:a14="http://schemas.microsoft.com/office/drawing/2010/main" Requires="a14">
+          <p:sp>
+            <p:nvSpPr>
+              <p:cNvPr id="3" name="Content Placeholder 2"/>
+              <p:cNvSpPr>
+                <a:spLocks noGrp="1"/>
+              </p:cNvSpPr>
+              <p:nvPr>
+                <p:ph idx="1"/>
+              </p:nvPr>
+            </p:nvSpPr>
+            <p:spPr>
+              <a:xfrm>
+                <a:off x="1097280" y="1845734"/>
+                <a:ext cx="4582302" cy="4168700"/>
+              </a:xfrm>
+            </p:spPr>
+            <p:txBody>
+              <a:bodyPr>
+                <a:normAutofit/>
+              </a:bodyPr>
+              <a:lstStyle/>
+              <a:p>
+                <a:pPr lvl="1">
+                  <a:buFont typeface="Arial" panose="020B0604020202020204" pitchFamily="34" charset="0"/>
+                  <a:buChar char="•"/>
+                </a:pPr>
+                <a:r>
+                  <a:rPr lang="pt-BR" sz="3200" dirty="0" smtClean="0"/>
+                  <a:t>Exemplo</a:t>
+                </a:r>
+              </a:p>
+              <a:p>
+                <a:pPr lvl="2">
+                  <a:buFont typeface="Arial" panose="020B0604020202020204" pitchFamily="34" charset="0"/>
+                  <a:buChar char="•"/>
+                </a:pPr>
+                <a:r>
+                  <a:rPr lang="pt-BR" sz="2800" dirty="0" err="1" smtClean="0"/>
+                  <a:t>Tags</a:t>
+                </a:r>
+                <a:r>
+                  <a:rPr lang="pt-BR" sz="2800" dirty="0" smtClean="0"/>
+                  <a:t>: {000100,000011,001010,001101,000000,001000,000101,001001,000001}</a:t>
+                </a:r>
+              </a:p>
+              <a:p>
+                <a:pPr lvl="2">
+                  <a:buFont typeface="Arial" panose="020B0604020202020204" pitchFamily="34" charset="0"/>
+                  <a:buChar char="•"/>
+                </a:pPr>
+                <a:r>
+                  <a:rPr lang="pt-BR" sz="2800" dirty="0" smtClean="0"/>
+                  <a:t>Queries: </a:t>
+                </a:r>
+                <a14:m>
+                  <m:oMath xmlns:m="http://schemas.openxmlformats.org/officeDocument/2006/math">
+                    <m:r>
+                      <a:rPr lang="pt-BR" sz="2800" i="1" u="sng" smtClean="0">
+                        <a:latin typeface="Cambria Math" panose="02040503050406030204" pitchFamily="18" charset="0"/>
+                        <a:ea typeface="Cambria Math" panose="02040503050406030204" pitchFamily="18" charset="0"/>
+                      </a:rPr>
+                      <m:t>𝜀</m:t>
+                    </m:r>
+                  </m:oMath>
+                </a14:m>
+                <a:endParaRPr lang="pt-BR" sz="2800" u="sng" dirty="0" smtClean="0">
+                  <a:ea typeface="Cambria Math" panose="02040503050406030204" pitchFamily="18" charset="0"/>
+                </a:endParaRPr>
+              </a:p>
+              <a:p>
+                <a:pPr lvl="2">
+                  <a:buFont typeface="Arial" panose="020B0604020202020204" pitchFamily="34" charset="0"/>
+                  <a:buChar char="•"/>
+                </a:pPr>
+                <a14:m>
+                  <m:oMath xmlns:m="http://schemas.openxmlformats.org/officeDocument/2006/math">
+                    <m:d>
+                      <m:dPr>
+                        <m:begChr m:val="|"/>
+                        <m:endChr m:val="|"/>
+                        <m:ctrlPr>
+                          <a:rPr lang="pt-BR" sz="2800" b="0" i="1" smtClean="0">
+                            <a:latin typeface="Cambria Math" panose="02040503050406030204" pitchFamily="18" charset="0"/>
+                          </a:rPr>
+                        </m:ctrlPr>
+                      </m:dPr>
+                      <m:e>
+                        <m:r>
+                          <a:rPr lang="pt-BR" sz="2800" b="0" i="1" smtClean="0">
+                            <a:latin typeface="Cambria Math" panose="02040503050406030204" pitchFamily="18" charset="0"/>
+                          </a:rPr>
+                          <m:t>𝑞</m:t>
+                        </m:r>
+                      </m:e>
+                    </m:d>
+                    <m:r>
+                      <a:rPr lang="pt-BR" sz="2800" i="1">
+                        <a:latin typeface="Cambria Math" panose="02040503050406030204" pitchFamily="18" charset="0"/>
+                        <a:ea typeface="Cambria Math" panose="02040503050406030204" pitchFamily="18" charset="0"/>
+                      </a:rPr>
+                      <m:t>≤</m:t>
+                    </m:r>
+                    <m:sSub>
+                      <m:sSubPr>
+                        <m:ctrlPr>
+                          <a:rPr lang="pt-BR" sz="2800" b="0" i="1" smtClean="0">
+                            <a:latin typeface="Cambria Math" panose="02040503050406030204" pitchFamily="18" charset="0"/>
+                          </a:rPr>
+                        </m:ctrlPr>
+                      </m:sSubPr>
+                      <m:e>
+                        <m:r>
+                          <a:rPr lang="pt-BR" sz="2800" b="0" i="1" smtClean="0">
+                            <a:latin typeface="Cambria Math" panose="02040503050406030204" pitchFamily="18" charset="0"/>
+                          </a:rPr>
+                          <m:t>𝑙</m:t>
+                        </m:r>
+                      </m:e>
+                      <m:sub>
+                        <m:r>
+                          <a:rPr lang="pt-BR" sz="2800" b="0" i="1" smtClean="0">
+                            <a:latin typeface="Cambria Math" panose="02040503050406030204" pitchFamily="18" charset="0"/>
+                          </a:rPr>
+                          <m:t>𝑓</m:t>
+                        </m:r>
+                      </m:sub>
+                    </m:sSub>
+                    <m:r>
+                      <a:rPr lang="pt-BR" sz="2800" b="0" i="1" smtClean="0">
+                        <a:latin typeface="Cambria Math" panose="02040503050406030204" pitchFamily="18" charset="0"/>
+                      </a:rPr>
+                      <m:t> →</m:t>
+                    </m:r>
+                  </m:oMath>
+                </a14:m>
+                <a:r>
+                  <a:rPr lang="pt-BR" sz="2800" dirty="0" smtClean="0"/>
+                  <a:t> BQT</a:t>
+                </a:r>
+              </a:p>
+              <a:p>
+                <a:pPr lvl="2">
+                  <a:buFont typeface="Arial" panose="020B0604020202020204" pitchFamily="34" charset="0"/>
+                  <a:buChar char="•"/>
+                </a:pPr>
+                <a:r>
+                  <a:rPr lang="pt-BR" sz="2800" dirty="0" err="1" smtClean="0"/>
+                  <a:t>Queue</a:t>
+                </a:r>
+                <a:r>
+                  <a:rPr lang="pt-BR" sz="2800" dirty="0"/>
+                  <a:t>: </a:t>
+                </a:r>
+                <a:r>
+                  <a:rPr lang="pt-BR" sz="2800" dirty="0" smtClean="0"/>
+                  <a:t>{0,1}</a:t>
+                </a:r>
+              </a:p>
+              <a:p>
+                <a:pPr lvl="1">
+                  <a:buFont typeface="Arial" panose="020B0604020202020204" pitchFamily="34" charset="0"/>
+                  <a:buChar char="•"/>
+                </a:pPr>
+                <a:endParaRPr lang="en-US" sz="3200" dirty="0"/>
+              </a:p>
+            </p:txBody>
+          </p:sp>
+        </mc:Choice>
+        <mc:Fallback>
+          <p:sp>
+            <p:nvSpPr>
+              <p:cNvPr id="3" name="Content Placeholder 2"/>
+              <p:cNvSpPr>
+                <a:spLocks noGrp="1" noRot="1" noChangeAspect="1" noMove="1" noResize="1" noEditPoints="1" noAdjustHandles="1" noChangeArrowheads="1" noChangeShapeType="1" noTextEdit="1"/>
+              </p:cNvSpPr>
+              <p:nvPr>
+                <p:ph idx="1"/>
+              </p:nvPr>
+            </p:nvSpPr>
+            <p:spPr>
+              <a:xfrm>
+                <a:off x="1097280" y="1845734"/>
+                <a:ext cx="4582302" cy="4168700"/>
+              </a:xfrm>
+              <a:blipFill rotWithShape="0">
+                <a:blip r:embed="rId2"/>
+                <a:stretch>
+                  <a:fillRect l="-665" t="-3070" r="-3590"/>
+                </a:stretch>
+              </a:blipFill>
+            </p:spPr>
+            <p:txBody>
+              <a:bodyPr/>
+              <a:lstStyle/>
+              <a:p>
+                <a:r>
+                  <a:rPr lang="en-US">
+                    <a:noFill/>
+                  </a:rPr>
+                  <a:t> </a:t>
+                </a:r>
+              </a:p>
+            </p:txBody>
+          </p:sp>
+        </mc:Fallback>
+      </mc:AlternateContent>
+      <p:sp>
+        <p:nvSpPr>
+          <p:cNvPr id="8" name="TextBox 7"/>
+          <p:cNvSpPr txBox="1"/>
+          <p:nvPr/>
         </p:nvSpPr>
         <p:spPr>
           <a:xfrm>
-            <a:off x="1097280" y="1845734"/>
-            <a:ext cx="10058400" cy="4168700"/>
+            <a:off x="5679581" y="5045590"/>
+            <a:ext cx="5476097" cy="1077218"/>
           </a:xfrm>
+          <a:prstGeom prst="rect">
+            <a:avLst/>
+          </a:prstGeom>
+          <a:noFill/>
         </p:spPr>
         <p:txBody>
-          <a:bodyPr>
-            <a:normAutofit/>
+          <a:bodyPr wrap="square" rtlCol="0">
+            <a:spAutoFit/>
           </a:bodyPr>
           <a:lstStyle/>
           <a:p>
-            <a:pPr lvl="1">
-              <a:buFont typeface="Arial" panose="020B0604020202020204" pitchFamily="34" charset="0"/>
-              <a:buChar char="•"/>
-            </a:pPr>
-            <a:r>
-              <a:rPr lang="pt-BR" sz="3200" dirty="0" smtClean="0"/>
-              <a:t>Exemplo</a:t>
-            </a:r>
-          </a:p>
-          <a:p>
-            <a:pPr lvl="1">
-              <a:buFont typeface="Arial" panose="020B0604020202020204" pitchFamily="34" charset="0"/>
-              <a:buChar char="•"/>
-            </a:pPr>
-            <a:endParaRPr lang="pt-BR" sz="3200" dirty="0" smtClean="0"/>
-          </a:p>
-          <a:p>
-            <a:pPr lvl="1">
-              <a:buFont typeface="Arial" panose="020B0604020202020204" pitchFamily="34" charset="0"/>
-              <a:buChar char="•"/>
-            </a:pPr>
-            <a:endParaRPr lang="en-US" sz="3200" dirty="0"/>
+            <a:r>
+              <a:rPr lang="pt-BR" sz="1600" b="1" dirty="0" smtClean="0">
+                <a:solidFill>
+                  <a:schemeClr val="tx1">
+                    <a:lumMod val="75000"/>
+                    <a:lumOff val="25000"/>
+                  </a:schemeClr>
+                </a:solidFill>
+              </a:rPr>
+              <a:t>Preto</a:t>
+            </a:r>
+            <a:r>
+              <a:rPr lang="pt-BR" sz="1600" dirty="0" smtClean="0">
+                <a:solidFill>
+                  <a:schemeClr val="tx1">
+                    <a:lumMod val="75000"/>
+                    <a:lumOff val="25000"/>
+                  </a:schemeClr>
+                </a:solidFill>
+              </a:rPr>
+              <a:t>: Sucesso</a:t>
+            </a:r>
+          </a:p>
+          <a:p>
+            <a:r>
+              <a:rPr lang="pt-BR" sz="1600" dirty="0" smtClean="0">
+                <a:solidFill>
+                  <a:schemeClr val="tx1">
+                    <a:lumMod val="75000"/>
+                    <a:lumOff val="25000"/>
+                  </a:schemeClr>
+                </a:solidFill>
+              </a:rPr>
+              <a:t>Branco: Ocioso</a:t>
+            </a:r>
+          </a:p>
+          <a:p>
+            <a:r>
+              <a:rPr lang="pt-BR" sz="1600" u="sng" dirty="0" smtClean="0">
+                <a:solidFill>
+                  <a:schemeClr val="tx1">
+                    <a:lumMod val="75000"/>
+                    <a:lumOff val="25000"/>
+                  </a:schemeClr>
+                </a:solidFill>
+              </a:rPr>
+              <a:t>Cinza</a:t>
+            </a:r>
+            <a:r>
+              <a:rPr lang="pt-BR" sz="1600" dirty="0" smtClean="0">
+                <a:solidFill>
+                  <a:schemeClr val="tx1">
+                    <a:lumMod val="75000"/>
+                    <a:lumOff val="25000"/>
+                  </a:schemeClr>
+                </a:solidFill>
+              </a:rPr>
+              <a:t>: Conflito</a:t>
+            </a:r>
+          </a:p>
+          <a:p>
+            <a:r>
+              <a:rPr lang="pt-BR" sz="1600" dirty="0" smtClean="0">
+                <a:solidFill>
+                  <a:srgbClr val="FF0000"/>
+                </a:solidFill>
+              </a:rPr>
+              <a:t>Vermelho</a:t>
+            </a:r>
+            <a:r>
+              <a:rPr lang="pt-BR" sz="1600" dirty="0" smtClean="0">
+                <a:solidFill>
+                  <a:schemeClr val="tx1">
+                    <a:lumMod val="75000"/>
+                    <a:lumOff val="25000"/>
+                  </a:schemeClr>
+                </a:solidFill>
+              </a:rPr>
+              <a:t>: Descartado</a:t>
+            </a:r>
+            <a:endParaRPr lang="en-US" sz="1600" dirty="0">
+              <a:solidFill>
+                <a:srgbClr val="FF0000"/>
+              </a:solidFill>
+            </a:endParaRPr>
           </a:p>
         </p:txBody>
       </p:sp>
+      <p:pic>
+        <p:nvPicPr>
+          <p:cNvPr id="6" name="Picture 5"/>
+          <p:cNvPicPr>
+            <a:picLocks noChangeAspect="1"/>
+          </p:cNvPicPr>
+          <p:nvPr/>
+        </p:nvPicPr>
+        <p:blipFill>
+          <a:blip r:embed="rId3">
+            <a:extLst>
+              <a:ext uri="{28A0092B-C50C-407E-A947-70E740481C1C}">
+                <a14:useLocalDpi xmlns:a14="http://schemas.microsoft.com/office/drawing/2010/main" val="0"/>
+              </a:ext>
+            </a:extLst>
+          </a:blip>
+          <a:stretch>
+            <a:fillRect/>
+          </a:stretch>
+        </p:blipFill>
+        <p:spPr>
+          <a:xfrm>
+            <a:off x="5685510" y="1845734"/>
+            <a:ext cx="5470168" cy="3176226"/>
+          </a:xfrm>
+          <a:prstGeom prst="rect">
+            <a:avLst/>
+          </a:prstGeom>
+        </p:spPr>
+      </p:pic>
     </p:spTree>
     <p:extLst>
       <p:ext uri="{BB962C8B-B14F-4D97-AF65-F5344CB8AC3E}">
-        <p14:creationId xmlns:p14="http://schemas.microsoft.com/office/powerpoint/2010/main" val="2356975110"/>
+        <p14:creationId xmlns:p14="http://schemas.microsoft.com/office/powerpoint/2010/main" val="3635917620"/>
       </p:ext>
     </p:extLst>
   </p:cSld>
@@ -7645,6 +7958,2758 @@
         </p:nvSpPr>
         <p:spPr/>
         <p:txBody>
+          <a:bodyPr>
+            <a:normAutofit/>
+          </a:bodyPr>
+          <a:lstStyle/>
+          <a:p>
+            <a:r>
+              <a:rPr lang="pt-BR" sz="4000" dirty="0"/>
+              <a:t>Proposta - </a:t>
+            </a:r>
+            <a:r>
+              <a:rPr lang="en-US" sz="4000" i="1" dirty="0"/>
+              <a:t>Modified Adaptive Query Tree </a:t>
+            </a:r>
+            <a:r>
+              <a:rPr lang="en-US" sz="4000" dirty="0"/>
+              <a:t>(MAQT)</a:t>
+            </a:r>
+          </a:p>
+        </p:txBody>
+      </p:sp>
+      <mc:AlternateContent xmlns:mc="http://schemas.openxmlformats.org/markup-compatibility/2006">
+        <mc:Choice xmlns:a14="http://schemas.microsoft.com/office/drawing/2010/main" Requires="a14">
+          <p:sp>
+            <p:nvSpPr>
+              <p:cNvPr id="3" name="Content Placeholder 2"/>
+              <p:cNvSpPr>
+                <a:spLocks noGrp="1"/>
+              </p:cNvSpPr>
+              <p:nvPr>
+                <p:ph idx="1"/>
+              </p:nvPr>
+            </p:nvSpPr>
+            <p:spPr>
+              <a:xfrm>
+                <a:off x="1097280" y="1845734"/>
+                <a:ext cx="4582302" cy="4168700"/>
+              </a:xfrm>
+            </p:spPr>
+            <p:txBody>
+              <a:bodyPr>
+                <a:normAutofit/>
+              </a:bodyPr>
+              <a:lstStyle/>
+              <a:p>
+                <a:pPr lvl="1">
+                  <a:buFont typeface="Arial" panose="020B0604020202020204" pitchFamily="34" charset="0"/>
+                  <a:buChar char="•"/>
+                </a:pPr>
+                <a:r>
+                  <a:rPr lang="pt-BR" sz="3200" dirty="0" smtClean="0"/>
+                  <a:t>Exemplo</a:t>
+                </a:r>
+              </a:p>
+              <a:p>
+                <a:pPr lvl="2">
+                  <a:buFont typeface="Arial" panose="020B0604020202020204" pitchFamily="34" charset="0"/>
+                  <a:buChar char="•"/>
+                </a:pPr>
+                <a:r>
+                  <a:rPr lang="pt-BR" sz="2800" dirty="0" err="1" smtClean="0"/>
+                  <a:t>Tags</a:t>
+                </a:r>
+                <a:r>
+                  <a:rPr lang="pt-BR" sz="2800" dirty="0" smtClean="0"/>
+                  <a:t>: {000100,000011,001010,001101,000000,001000,000101,001001,000001}</a:t>
+                </a:r>
+              </a:p>
+              <a:p>
+                <a:pPr lvl="2">
+                  <a:buFont typeface="Arial" panose="020B0604020202020204" pitchFamily="34" charset="0"/>
+                  <a:buChar char="•"/>
+                </a:pPr>
+                <a:r>
+                  <a:rPr lang="pt-BR" sz="2800" dirty="0" smtClean="0"/>
+                  <a:t>Queries: &lt;</a:t>
+                </a:r>
+                <a:r>
+                  <a:rPr lang="pt-BR" sz="2800" u="sng" dirty="0" smtClean="0"/>
+                  <a:t>0</a:t>
+                </a:r>
+                <a:r>
+                  <a:rPr lang="pt-BR" sz="2800" dirty="0" smtClean="0"/>
+                  <a:t>,1&gt;</a:t>
+                </a:r>
+                <a:endParaRPr lang="pt-BR" sz="2800" u="sng" dirty="0" smtClean="0">
+                  <a:ea typeface="Cambria Math" panose="02040503050406030204" pitchFamily="18" charset="0"/>
+                </a:endParaRPr>
+              </a:p>
+              <a:p>
+                <a:pPr lvl="2">
+                  <a:buFont typeface="Arial" panose="020B0604020202020204" pitchFamily="34" charset="0"/>
+                  <a:buChar char="•"/>
+                </a:pPr>
+                <a14:m>
+                  <m:oMath xmlns:m="http://schemas.openxmlformats.org/officeDocument/2006/math">
+                    <m:d>
+                      <m:dPr>
+                        <m:begChr m:val="|"/>
+                        <m:endChr m:val="|"/>
+                        <m:ctrlPr>
+                          <a:rPr lang="pt-BR" sz="2800" b="0" i="1" smtClean="0">
+                            <a:latin typeface="Cambria Math" panose="02040503050406030204" pitchFamily="18" charset="0"/>
+                          </a:rPr>
+                        </m:ctrlPr>
+                      </m:dPr>
+                      <m:e>
+                        <m:r>
+                          <a:rPr lang="pt-BR" sz="2800" b="0" i="1" smtClean="0">
+                            <a:latin typeface="Cambria Math" panose="02040503050406030204" pitchFamily="18" charset="0"/>
+                          </a:rPr>
+                          <m:t>𝑞</m:t>
+                        </m:r>
+                      </m:e>
+                    </m:d>
+                    <m:r>
+                      <a:rPr lang="pt-BR" sz="2800" b="0" i="1" smtClean="0">
+                        <a:latin typeface="Cambria Math" panose="02040503050406030204" pitchFamily="18" charset="0"/>
+                        <a:ea typeface="Cambria Math" panose="02040503050406030204" pitchFamily="18" charset="0"/>
+                      </a:rPr>
+                      <m:t>≤</m:t>
+                    </m:r>
+                    <m:sSub>
+                      <m:sSubPr>
+                        <m:ctrlPr>
+                          <a:rPr lang="pt-BR" sz="2800" b="0" i="1" smtClean="0">
+                            <a:latin typeface="Cambria Math" panose="02040503050406030204" pitchFamily="18" charset="0"/>
+                          </a:rPr>
+                        </m:ctrlPr>
+                      </m:sSubPr>
+                      <m:e>
+                        <m:r>
+                          <a:rPr lang="pt-BR" sz="2800" b="0" i="1" smtClean="0">
+                            <a:latin typeface="Cambria Math" panose="02040503050406030204" pitchFamily="18" charset="0"/>
+                          </a:rPr>
+                          <m:t>𝑙</m:t>
+                        </m:r>
+                      </m:e>
+                      <m:sub>
+                        <m:r>
+                          <a:rPr lang="pt-BR" sz="2800" b="0" i="1" smtClean="0">
+                            <a:latin typeface="Cambria Math" panose="02040503050406030204" pitchFamily="18" charset="0"/>
+                          </a:rPr>
+                          <m:t>𝑓</m:t>
+                        </m:r>
+                      </m:sub>
+                    </m:sSub>
+                    <m:r>
+                      <a:rPr lang="pt-BR" sz="2800" b="0" i="1" smtClean="0">
+                        <a:latin typeface="Cambria Math" panose="02040503050406030204" pitchFamily="18" charset="0"/>
+                      </a:rPr>
+                      <m:t> →</m:t>
+                    </m:r>
+                  </m:oMath>
+                </a14:m>
+                <a:r>
+                  <a:rPr lang="pt-BR" sz="2800" dirty="0" smtClean="0"/>
+                  <a:t> BQT</a:t>
+                </a:r>
+              </a:p>
+              <a:p>
+                <a:pPr lvl="2">
+                  <a:buFont typeface="Arial" panose="020B0604020202020204" pitchFamily="34" charset="0"/>
+                  <a:buChar char="•"/>
+                </a:pPr>
+                <a:r>
+                  <a:rPr lang="pt-BR" sz="2800" dirty="0" err="1" smtClean="0"/>
+                  <a:t>Queue</a:t>
+                </a:r>
+                <a:r>
+                  <a:rPr lang="pt-BR" sz="2800" dirty="0"/>
+                  <a:t>: </a:t>
+                </a:r>
+                <a:r>
+                  <a:rPr lang="pt-BR" sz="2800" dirty="0" smtClean="0"/>
+                  <a:t>{00,01}</a:t>
+                </a:r>
+              </a:p>
+              <a:p>
+                <a:pPr lvl="1">
+                  <a:buFont typeface="Arial" panose="020B0604020202020204" pitchFamily="34" charset="0"/>
+                  <a:buChar char="•"/>
+                </a:pPr>
+                <a:endParaRPr lang="en-US" sz="3200" dirty="0"/>
+              </a:p>
+            </p:txBody>
+          </p:sp>
+        </mc:Choice>
+        <mc:Fallback>
+          <p:sp>
+            <p:nvSpPr>
+              <p:cNvPr id="3" name="Content Placeholder 2"/>
+              <p:cNvSpPr>
+                <a:spLocks noGrp="1" noRot="1" noChangeAspect="1" noMove="1" noResize="1" noEditPoints="1" noAdjustHandles="1" noChangeArrowheads="1" noChangeShapeType="1" noTextEdit="1"/>
+              </p:cNvSpPr>
+              <p:nvPr>
+                <p:ph idx="1"/>
+              </p:nvPr>
+            </p:nvSpPr>
+            <p:spPr>
+              <a:xfrm>
+                <a:off x="1097280" y="1845734"/>
+                <a:ext cx="4582302" cy="4168700"/>
+              </a:xfrm>
+              <a:blipFill rotWithShape="0">
+                <a:blip r:embed="rId2"/>
+                <a:stretch>
+                  <a:fillRect l="-665" t="-3070" r="-3590"/>
+                </a:stretch>
+              </a:blipFill>
+            </p:spPr>
+            <p:txBody>
+              <a:bodyPr/>
+              <a:lstStyle/>
+              <a:p>
+                <a:r>
+                  <a:rPr lang="en-US">
+                    <a:noFill/>
+                  </a:rPr>
+                  <a:t> </a:t>
+                </a:r>
+              </a:p>
+            </p:txBody>
+          </p:sp>
+        </mc:Fallback>
+      </mc:AlternateContent>
+      <p:sp>
+        <p:nvSpPr>
+          <p:cNvPr id="8" name="TextBox 7"/>
+          <p:cNvSpPr txBox="1"/>
+          <p:nvPr/>
+        </p:nvSpPr>
+        <p:spPr>
+          <a:xfrm>
+            <a:off x="5679581" y="5045590"/>
+            <a:ext cx="5476097" cy="1077218"/>
+          </a:xfrm>
+          <a:prstGeom prst="rect">
+            <a:avLst/>
+          </a:prstGeom>
+          <a:noFill/>
+        </p:spPr>
+        <p:txBody>
+          <a:bodyPr wrap="square" rtlCol="0">
+            <a:spAutoFit/>
+          </a:bodyPr>
+          <a:lstStyle/>
+          <a:p>
+            <a:r>
+              <a:rPr lang="pt-BR" sz="1600" b="1" dirty="0" smtClean="0">
+                <a:solidFill>
+                  <a:schemeClr val="tx1">
+                    <a:lumMod val="75000"/>
+                    <a:lumOff val="25000"/>
+                  </a:schemeClr>
+                </a:solidFill>
+              </a:rPr>
+              <a:t>Preto</a:t>
+            </a:r>
+            <a:r>
+              <a:rPr lang="pt-BR" sz="1600" dirty="0" smtClean="0">
+                <a:solidFill>
+                  <a:schemeClr val="tx1">
+                    <a:lumMod val="75000"/>
+                    <a:lumOff val="25000"/>
+                  </a:schemeClr>
+                </a:solidFill>
+              </a:rPr>
+              <a:t>: Sucesso</a:t>
+            </a:r>
+          </a:p>
+          <a:p>
+            <a:r>
+              <a:rPr lang="pt-BR" sz="1600" dirty="0" smtClean="0">
+                <a:solidFill>
+                  <a:schemeClr val="tx1">
+                    <a:lumMod val="75000"/>
+                    <a:lumOff val="25000"/>
+                  </a:schemeClr>
+                </a:solidFill>
+              </a:rPr>
+              <a:t>Branco: Ocioso</a:t>
+            </a:r>
+          </a:p>
+          <a:p>
+            <a:r>
+              <a:rPr lang="pt-BR" sz="1600" u="sng" dirty="0" smtClean="0">
+                <a:solidFill>
+                  <a:schemeClr val="tx1">
+                    <a:lumMod val="75000"/>
+                    <a:lumOff val="25000"/>
+                  </a:schemeClr>
+                </a:solidFill>
+              </a:rPr>
+              <a:t>Cinza</a:t>
+            </a:r>
+            <a:r>
+              <a:rPr lang="pt-BR" sz="1600" dirty="0" smtClean="0">
+                <a:solidFill>
+                  <a:schemeClr val="tx1">
+                    <a:lumMod val="75000"/>
+                    <a:lumOff val="25000"/>
+                  </a:schemeClr>
+                </a:solidFill>
+              </a:rPr>
+              <a:t>: Conflito</a:t>
+            </a:r>
+          </a:p>
+          <a:p>
+            <a:r>
+              <a:rPr lang="pt-BR" sz="1600" dirty="0" smtClean="0">
+                <a:solidFill>
+                  <a:srgbClr val="FF0000"/>
+                </a:solidFill>
+              </a:rPr>
+              <a:t>Vermelho</a:t>
+            </a:r>
+            <a:r>
+              <a:rPr lang="pt-BR" sz="1600" dirty="0" smtClean="0">
+                <a:solidFill>
+                  <a:schemeClr val="tx1">
+                    <a:lumMod val="75000"/>
+                    <a:lumOff val="25000"/>
+                  </a:schemeClr>
+                </a:solidFill>
+              </a:rPr>
+              <a:t>: Descartado</a:t>
+            </a:r>
+            <a:endParaRPr lang="en-US" sz="1600" dirty="0">
+              <a:solidFill>
+                <a:srgbClr val="FF0000"/>
+              </a:solidFill>
+            </a:endParaRPr>
+          </a:p>
+        </p:txBody>
+      </p:sp>
+      <p:pic>
+        <p:nvPicPr>
+          <p:cNvPr id="6" name="Picture 5"/>
+          <p:cNvPicPr>
+            <a:picLocks noChangeAspect="1"/>
+          </p:cNvPicPr>
+          <p:nvPr/>
+        </p:nvPicPr>
+        <p:blipFill>
+          <a:blip r:embed="rId3">
+            <a:extLst>
+              <a:ext uri="{28A0092B-C50C-407E-A947-70E740481C1C}">
+                <a14:useLocalDpi xmlns:a14="http://schemas.microsoft.com/office/drawing/2010/main" val="0"/>
+              </a:ext>
+            </a:extLst>
+          </a:blip>
+          <a:stretch>
+            <a:fillRect/>
+          </a:stretch>
+        </p:blipFill>
+        <p:spPr>
+          <a:xfrm>
+            <a:off x="5679580" y="1845734"/>
+            <a:ext cx="5476098" cy="3179669"/>
+          </a:xfrm>
+          <a:prstGeom prst="rect">
+            <a:avLst/>
+          </a:prstGeom>
+        </p:spPr>
+      </p:pic>
+    </p:spTree>
+    <p:extLst>
+      <p:ext uri="{BB962C8B-B14F-4D97-AF65-F5344CB8AC3E}">
+        <p14:creationId xmlns:p14="http://schemas.microsoft.com/office/powerpoint/2010/main" val="3121361835"/>
+      </p:ext>
+    </p:extLst>
+  </p:cSld>
+  <p:clrMapOvr>
+    <a:masterClrMapping/>
+  </p:clrMapOvr>
+  <p:timing>
+    <p:tnLst>
+      <p:par>
+        <p:cTn id="1" dur="indefinite" restart="never" nodeType="tmRoot"/>
+      </p:par>
+    </p:tnLst>
+  </p:timing>
+</p:sld>
+</file>
+
+<file path=ppt/slides/slide21.xml><?xml version="1.0" encoding="utf-8"?>
+<p:sld xmlns:a="http://schemas.openxmlformats.org/drawingml/2006/main" xmlns:r="http://schemas.openxmlformats.org/officeDocument/2006/relationships" xmlns:p="http://schemas.openxmlformats.org/presentationml/2006/main">
+  <p:cSld>
+    <p:spTree>
+      <p:nvGrpSpPr>
+        <p:cNvPr id="1" name=""/>
+        <p:cNvGrpSpPr/>
+        <p:nvPr/>
+      </p:nvGrpSpPr>
+      <p:grpSpPr>
+        <a:xfrm>
+          <a:off x="0" y="0"/>
+          <a:ext cx="0" cy="0"/>
+          <a:chOff x="0" y="0"/>
+          <a:chExt cx="0" cy="0"/>
+        </a:xfrm>
+      </p:grpSpPr>
+      <p:sp>
+        <p:nvSpPr>
+          <p:cNvPr id="2" name="Title 1"/>
+          <p:cNvSpPr>
+            <a:spLocks noGrp="1"/>
+          </p:cNvSpPr>
+          <p:nvPr>
+            <p:ph type="title"/>
+          </p:nvPr>
+        </p:nvSpPr>
+        <p:spPr/>
+        <p:txBody>
+          <a:bodyPr>
+            <a:normAutofit/>
+          </a:bodyPr>
+          <a:lstStyle/>
+          <a:p>
+            <a:r>
+              <a:rPr lang="pt-BR" sz="4000" dirty="0"/>
+              <a:t>Proposta - </a:t>
+            </a:r>
+            <a:r>
+              <a:rPr lang="en-US" sz="4000" i="1" dirty="0"/>
+              <a:t>Modified Adaptive Query Tree </a:t>
+            </a:r>
+            <a:r>
+              <a:rPr lang="en-US" sz="4000" dirty="0"/>
+              <a:t>(MAQT)</a:t>
+            </a:r>
+          </a:p>
+        </p:txBody>
+      </p:sp>
+      <mc:AlternateContent xmlns:mc="http://schemas.openxmlformats.org/markup-compatibility/2006">
+        <mc:Choice xmlns:a14="http://schemas.microsoft.com/office/drawing/2010/main" Requires="a14">
+          <p:sp>
+            <p:nvSpPr>
+              <p:cNvPr id="3" name="Content Placeholder 2"/>
+              <p:cNvSpPr>
+                <a:spLocks noGrp="1"/>
+              </p:cNvSpPr>
+              <p:nvPr>
+                <p:ph idx="1"/>
+              </p:nvPr>
+            </p:nvSpPr>
+            <p:spPr>
+              <a:xfrm>
+                <a:off x="1097280" y="1845734"/>
+                <a:ext cx="4582302" cy="4168700"/>
+              </a:xfrm>
+            </p:spPr>
+            <p:txBody>
+              <a:bodyPr>
+                <a:normAutofit/>
+              </a:bodyPr>
+              <a:lstStyle/>
+              <a:p>
+                <a:pPr lvl="1">
+                  <a:buFont typeface="Arial" panose="020B0604020202020204" pitchFamily="34" charset="0"/>
+                  <a:buChar char="•"/>
+                </a:pPr>
+                <a:r>
+                  <a:rPr lang="pt-BR" sz="3200" dirty="0" smtClean="0"/>
+                  <a:t>Exemplo</a:t>
+                </a:r>
+              </a:p>
+              <a:p>
+                <a:pPr lvl="2">
+                  <a:buFont typeface="Arial" panose="020B0604020202020204" pitchFamily="34" charset="0"/>
+                  <a:buChar char="•"/>
+                </a:pPr>
+                <a:r>
+                  <a:rPr lang="pt-BR" sz="2800" dirty="0" err="1" smtClean="0"/>
+                  <a:t>Tags</a:t>
+                </a:r>
+                <a:r>
+                  <a:rPr lang="pt-BR" sz="2800" dirty="0" smtClean="0"/>
+                  <a:t>: {000100,000011,001010,001101,000000,001000,000101,001001,000001}</a:t>
+                </a:r>
+              </a:p>
+              <a:p>
+                <a:pPr lvl="2">
+                  <a:buFont typeface="Arial" panose="020B0604020202020204" pitchFamily="34" charset="0"/>
+                  <a:buChar char="•"/>
+                </a:pPr>
+                <a:r>
+                  <a:rPr lang="pt-BR" sz="2800" dirty="0" smtClean="0"/>
+                  <a:t>Queries: &lt;</a:t>
+                </a:r>
+                <a:r>
+                  <a:rPr lang="pt-BR" sz="2800" u="sng" dirty="0" smtClean="0"/>
+                  <a:t>00</a:t>
+                </a:r>
+                <a:r>
+                  <a:rPr lang="pt-BR" sz="2800" dirty="0" smtClean="0"/>
+                  <a:t>,01&gt;</a:t>
+                </a:r>
+                <a:endParaRPr lang="pt-BR" sz="2800" dirty="0" smtClean="0">
+                  <a:ea typeface="Cambria Math" panose="02040503050406030204" pitchFamily="18" charset="0"/>
+                </a:endParaRPr>
+              </a:p>
+              <a:p>
+                <a:pPr lvl="2">
+                  <a:buFont typeface="Arial" panose="020B0604020202020204" pitchFamily="34" charset="0"/>
+                  <a:buChar char="•"/>
+                </a:pPr>
+                <a14:m>
+                  <m:oMath xmlns:m="http://schemas.openxmlformats.org/officeDocument/2006/math">
+                    <m:d>
+                      <m:dPr>
+                        <m:begChr m:val="|"/>
+                        <m:endChr m:val="|"/>
+                        <m:ctrlPr>
+                          <a:rPr lang="pt-BR" sz="2800" b="0" i="1" smtClean="0">
+                            <a:latin typeface="Cambria Math" panose="02040503050406030204" pitchFamily="18" charset="0"/>
+                          </a:rPr>
+                        </m:ctrlPr>
+                      </m:dPr>
+                      <m:e>
+                        <m:r>
+                          <a:rPr lang="pt-BR" sz="2800" b="0" i="1" smtClean="0">
+                            <a:latin typeface="Cambria Math" panose="02040503050406030204" pitchFamily="18" charset="0"/>
+                          </a:rPr>
+                          <m:t>𝑞</m:t>
+                        </m:r>
+                      </m:e>
+                    </m:d>
+                    <m:r>
+                      <a:rPr lang="pt-BR" sz="2800" i="1">
+                        <a:latin typeface="Cambria Math" panose="02040503050406030204" pitchFamily="18" charset="0"/>
+                        <a:ea typeface="Cambria Math" panose="02040503050406030204" pitchFamily="18" charset="0"/>
+                      </a:rPr>
+                      <m:t>≤</m:t>
+                    </m:r>
+                    <m:sSub>
+                      <m:sSubPr>
+                        <m:ctrlPr>
+                          <a:rPr lang="pt-BR" sz="2800" b="0" i="1" smtClean="0">
+                            <a:latin typeface="Cambria Math" panose="02040503050406030204" pitchFamily="18" charset="0"/>
+                          </a:rPr>
+                        </m:ctrlPr>
+                      </m:sSubPr>
+                      <m:e>
+                        <m:r>
+                          <a:rPr lang="pt-BR" sz="2800" b="0" i="1" smtClean="0">
+                            <a:latin typeface="Cambria Math" panose="02040503050406030204" pitchFamily="18" charset="0"/>
+                          </a:rPr>
+                          <m:t>𝑙</m:t>
+                        </m:r>
+                      </m:e>
+                      <m:sub>
+                        <m:r>
+                          <a:rPr lang="pt-BR" sz="2800" b="0" i="1" smtClean="0">
+                            <a:latin typeface="Cambria Math" panose="02040503050406030204" pitchFamily="18" charset="0"/>
+                          </a:rPr>
+                          <m:t>𝑓</m:t>
+                        </m:r>
+                      </m:sub>
+                    </m:sSub>
+                    <m:r>
+                      <a:rPr lang="pt-BR" sz="2800" b="0" i="1" smtClean="0">
+                        <a:latin typeface="Cambria Math" panose="02040503050406030204" pitchFamily="18" charset="0"/>
+                      </a:rPr>
+                      <m:t> →</m:t>
+                    </m:r>
+                  </m:oMath>
+                </a14:m>
+                <a:r>
+                  <a:rPr lang="pt-BR" sz="2800" dirty="0" smtClean="0"/>
+                  <a:t> BQT</a:t>
+                </a:r>
+              </a:p>
+              <a:p>
+                <a:pPr lvl="2">
+                  <a:buFont typeface="Arial" panose="020B0604020202020204" pitchFamily="34" charset="0"/>
+                  <a:buChar char="•"/>
+                </a:pPr>
+                <a:r>
+                  <a:rPr lang="pt-BR" sz="2800" dirty="0" err="1" smtClean="0"/>
+                  <a:t>Queue</a:t>
+                </a:r>
+                <a:r>
+                  <a:rPr lang="pt-BR" sz="2800" dirty="0"/>
+                  <a:t>: </a:t>
+                </a:r>
+                <a:r>
+                  <a:rPr lang="pt-BR" sz="2800" dirty="0" smtClean="0"/>
+                  <a:t>{000,001}</a:t>
+                </a:r>
+              </a:p>
+              <a:p>
+                <a:pPr lvl="1">
+                  <a:buFont typeface="Arial" panose="020B0604020202020204" pitchFamily="34" charset="0"/>
+                  <a:buChar char="•"/>
+                </a:pPr>
+                <a:endParaRPr lang="en-US" sz="3200" dirty="0"/>
+              </a:p>
+            </p:txBody>
+          </p:sp>
+        </mc:Choice>
+        <mc:Fallback>
+          <p:sp>
+            <p:nvSpPr>
+              <p:cNvPr id="3" name="Content Placeholder 2"/>
+              <p:cNvSpPr>
+                <a:spLocks noGrp="1" noRot="1" noChangeAspect="1" noMove="1" noResize="1" noEditPoints="1" noAdjustHandles="1" noChangeArrowheads="1" noChangeShapeType="1" noTextEdit="1"/>
+              </p:cNvSpPr>
+              <p:nvPr>
+                <p:ph idx="1"/>
+              </p:nvPr>
+            </p:nvSpPr>
+            <p:spPr>
+              <a:xfrm>
+                <a:off x="1097280" y="1845734"/>
+                <a:ext cx="4582302" cy="4168700"/>
+              </a:xfrm>
+              <a:blipFill rotWithShape="0">
+                <a:blip r:embed="rId2"/>
+                <a:stretch>
+                  <a:fillRect l="-665" t="-3070" r="-3590"/>
+                </a:stretch>
+              </a:blipFill>
+            </p:spPr>
+            <p:txBody>
+              <a:bodyPr/>
+              <a:lstStyle/>
+              <a:p>
+                <a:r>
+                  <a:rPr lang="en-US">
+                    <a:noFill/>
+                  </a:rPr>
+                  <a:t> </a:t>
+                </a:r>
+              </a:p>
+            </p:txBody>
+          </p:sp>
+        </mc:Fallback>
+      </mc:AlternateContent>
+      <p:sp>
+        <p:nvSpPr>
+          <p:cNvPr id="8" name="TextBox 7"/>
+          <p:cNvSpPr txBox="1"/>
+          <p:nvPr/>
+        </p:nvSpPr>
+        <p:spPr>
+          <a:xfrm>
+            <a:off x="5679581" y="5045590"/>
+            <a:ext cx="5476097" cy="1077218"/>
+          </a:xfrm>
+          <a:prstGeom prst="rect">
+            <a:avLst/>
+          </a:prstGeom>
+          <a:noFill/>
+        </p:spPr>
+        <p:txBody>
+          <a:bodyPr wrap="square" rtlCol="0">
+            <a:spAutoFit/>
+          </a:bodyPr>
+          <a:lstStyle/>
+          <a:p>
+            <a:r>
+              <a:rPr lang="pt-BR" sz="1600" b="1" dirty="0" smtClean="0">
+                <a:solidFill>
+                  <a:schemeClr val="tx1">
+                    <a:lumMod val="75000"/>
+                    <a:lumOff val="25000"/>
+                  </a:schemeClr>
+                </a:solidFill>
+              </a:rPr>
+              <a:t>Preto</a:t>
+            </a:r>
+            <a:r>
+              <a:rPr lang="pt-BR" sz="1600" dirty="0" smtClean="0">
+                <a:solidFill>
+                  <a:schemeClr val="tx1">
+                    <a:lumMod val="75000"/>
+                    <a:lumOff val="25000"/>
+                  </a:schemeClr>
+                </a:solidFill>
+              </a:rPr>
+              <a:t>: Sucesso</a:t>
+            </a:r>
+          </a:p>
+          <a:p>
+            <a:r>
+              <a:rPr lang="pt-BR" sz="1600" dirty="0" smtClean="0">
+                <a:solidFill>
+                  <a:schemeClr val="tx1">
+                    <a:lumMod val="75000"/>
+                    <a:lumOff val="25000"/>
+                  </a:schemeClr>
+                </a:solidFill>
+              </a:rPr>
+              <a:t>Branco: Ocioso</a:t>
+            </a:r>
+          </a:p>
+          <a:p>
+            <a:r>
+              <a:rPr lang="pt-BR" sz="1600" u="sng" dirty="0" smtClean="0">
+                <a:solidFill>
+                  <a:schemeClr val="tx1">
+                    <a:lumMod val="75000"/>
+                    <a:lumOff val="25000"/>
+                  </a:schemeClr>
+                </a:solidFill>
+              </a:rPr>
+              <a:t>Cinza</a:t>
+            </a:r>
+            <a:r>
+              <a:rPr lang="pt-BR" sz="1600" dirty="0" smtClean="0">
+                <a:solidFill>
+                  <a:schemeClr val="tx1">
+                    <a:lumMod val="75000"/>
+                    <a:lumOff val="25000"/>
+                  </a:schemeClr>
+                </a:solidFill>
+              </a:rPr>
+              <a:t>: Conflito</a:t>
+            </a:r>
+          </a:p>
+          <a:p>
+            <a:r>
+              <a:rPr lang="pt-BR" sz="1600" dirty="0" smtClean="0">
+                <a:solidFill>
+                  <a:srgbClr val="FF0000"/>
+                </a:solidFill>
+              </a:rPr>
+              <a:t>Vermelho</a:t>
+            </a:r>
+            <a:r>
+              <a:rPr lang="pt-BR" sz="1600" dirty="0" smtClean="0">
+                <a:solidFill>
+                  <a:schemeClr val="tx1">
+                    <a:lumMod val="75000"/>
+                    <a:lumOff val="25000"/>
+                  </a:schemeClr>
+                </a:solidFill>
+              </a:rPr>
+              <a:t>: Descartado</a:t>
+            </a:r>
+            <a:endParaRPr lang="en-US" sz="1600" dirty="0">
+              <a:solidFill>
+                <a:srgbClr val="FF0000"/>
+              </a:solidFill>
+            </a:endParaRPr>
+          </a:p>
+        </p:txBody>
+      </p:sp>
+      <p:pic>
+        <p:nvPicPr>
+          <p:cNvPr id="6" name="Picture 5"/>
+          <p:cNvPicPr>
+            <a:picLocks noChangeAspect="1"/>
+          </p:cNvPicPr>
+          <p:nvPr/>
+        </p:nvPicPr>
+        <p:blipFill>
+          <a:blip r:embed="rId3">
+            <a:extLst>
+              <a:ext uri="{28A0092B-C50C-407E-A947-70E740481C1C}">
+                <a14:useLocalDpi xmlns:a14="http://schemas.microsoft.com/office/drawing/2010/main" val="0"/>
+              </a:ext>
+            </a:extLst>
+          </a:blip>
+          <a:stretch>
+            <a:fillRect/>
+          </a:stretch>
+        </p:blipFill>
+        <p:spPr>
+          <a:xfrm>
+            <a:off x="5678909" y="1845734"/>
+            <a:ext cx="5477442" cy="3180450"/>
+          </a:xfrm>
+          <a:prstGeom prst="rect">
+            <a:avLst/>
+          </a:prstGeom>
+        </p:spPr>
+      </p:pic>
+    </p:spTree>
+    <p:extLst>
+      <p:ext uri="{BB962C8B-B14F-4D97-AF65-F5344CB8AC3E}">
+        <p14:creationId xmlns:p14="http://schemas.microsoft.com/office/powerpoint/2010/main" val="42006889"/>
+      </p:ext>
+    </p:extLst>
+  </p:cSld>
+  <p:clrMapOvr>
+    <a:masterClrMapping/>
+  </p:clrMapOvr>
+  <p:timing>
+    <p:tnLst>
+      <p:par>
+        <p:cTn id="1" dur="indefinite" restart="never" nodeType="tmRoot"/>
+      </p:par>
+    </p:tnLst>
+  </p:timing>
+</p:sld>
+</file>
+
+<file path=ppt/slides/slide22.xml><?xml version="1.0" encoding="utf-8"?>
+<p:sld xmlns:a="http://schemas.openxmlformats.org/drawingml/2006/main" xmlns:r="http://schemas.openxmlformats.org/officeDocument/2006/relationships" xmlns:p="http://schemas.openxmlformats.org/presentationml/2006/main">
+  <p:cSld>
+    <p:spTree>
+      <p:nvGrpSpPr>
+        <p:cNvPr id="1" name=""/>
+        <p:cNvGrpSpPr/>
+        <p:nvPr/>
+      </p:nvGrpSpPr>
+      <p:grpSpPr>
+        <a:xfrm>
+          <a:off x="0" y="0"/>
+          <a:ext cx="0" cy="0"/>
+          <a:chOff x="0" y="0"/>
+          <a:chExt cx="0" cy="0"/>
+        </a:xfrm>
+      </p:grpSpPr>
+      <p:sp>
+        <p:nvSpPr>
+          <p:cNvPr id="2" name="Title 1"/>
+          <p:cNvSpPr>
+            <a:spLocks noGrp="1"/>
+          </p:cNvSpPr>
+          <p:nvPr>
+            <p:ph type="title"/>
+          </p:nvPr>
+        </p:nvSpPr>
+        <p:spPr/>
+        <p:txBody>
+          <a:bodyPr>
+            <a:normAutofit/>
+          </a:bodyPr>
+          <a:lstStyle/>
+          <a:p>
+            <a:r>
+              <a:rPr lang="pt-BR" sz="4000" dirty="0"/>
+              <a:t>Proposta - </a:t>
+            </a:r>
+            <a:r>
+              <a:rPr lang="en-US" sz="4000" i="1" dirty="0"/>
+              <a:t>Modified Adaptive Query Tree </a:t>
+            </a:r>
+            <a:r>
+              <a:rPr lang="en-US" sz="4000" dirty="0"/>
+              <a:t>(MAQT)</a:t>
+            </a:r>
+          </a:p>
+        </p:txBody>
+      </p:sp>
+      <mc:AlternateContent xmlns:mc="http://schemas.openxmlformats.org/markup-compatibility/2006">
+        <mc:Choice xmlns:a14="http://schemas.microsoft.com/office/drawing/2010/main" Requires="a14">
+          <p:sp>
+            <p:nvSpPr>
+              <p:cNvPr id="3" name="Content Placeholder 2"/>
+              <p:cNvSpPr>
+                <a:spLocks noGrp="1"/>
+              </p:cNvSpPr>
+              <p:nvPr>
+                <p:ph idx="1"/>
+              </p:nvPr>
+            </p:nvSpPr>
+            <p:spPr>
+              <a:xfrm>
+                <a:off x="1097280" y="1845734"/>
+                <a:ext cx="4582302" cy="4168700"/>
+              </a:xfrm>
+            </p:spPr>
+            <p:txBody>
+              <a:bodyPr>
+                <a:normAutofit fontScale="92500" lnSpcReduction="20000"/>
+              </a:bodyPr>
+              <a:lstStyle/>
+              <a:p>
+                <a:pPr lvl="1">
+                  <a:buFont typeface="Arial" panose="020B0604020202020204" pitchFamily="34" charset="0"/>
+                  <a:buChar char="•"/>
+                </a:pPr>
+                <a:r>
+                  <a:rPr lang="pt-BR" sz="3200" dirty="0" smtClean="0"/>
+                  <a:t>Exemplo</a:t>
+                </a:r>
+              </a:p>
+              <a:p>
+                <a:pPr lvl="2">
+                  <a:buFont typeface="Arial" panose="020B0604020202020204" pitchFamily="34" charset="0"/>
+                  <a:buChar char="•"/>
+                </a:pPr>
+                <a:r>
+                  <a:rPr lang="pt-BR" sz="2800" dirty="0" err="1" smtClean="0"/>
+                  <a:t>Tags</a:t>
+                </a:r>
+                <a:r>
+                  <a:rPr lang="pt-BR" sz="2800" dirty="0" smtClean="0"/>
+                  <a:t>: {000100,000011,001010,001101,000000,001000,000101,001001,000001}</a:t>
+                </a:r>
+              </a:p>
+              <a:p>
+                <a:pPr lvl="2">
+                  <a:buFont typeface="Arial" panose="020B0604020202020204" pitchFamily="34" charset="0"/>
+                  <a:buChar char="•"/>
+                </a:pPr>
+                <a:r>
+                  <a:rPr lang="pt-BR" sz="2800" dirty="0" smtClean="0"/>
+                  <a:t>Queries: &lt;</a:t>
+                </a:r>
+                <a:r>
+                  <a:rPr lang="pt-BR" sz="2800" u="sng" dirty="0" smtClean="0"/>
+                  <a:t>000</a:t>
+                </a:r>
+                <a:r>
+                  <a:rPr lang="pt-BR" sz="2800" dirty="0" smtClean="0"/>
+                  <a:t>,</a:t>
+                </a:r>
+                <a:r>
+                  <a:rPr lang="pt-BR" sz="2800" u="sng" dirty="0" smtClean="0"/>
+                  <a:t>001</a:t>
+                </a:r>
+                <a:r>
+                  <a:rPr lang="pt-BR" sz="2800" dirty="0" smtClean="0"/>
+                  <a:t>&gt;</a:t>
+                </a:r>
+                <a:endParaRPr lang="pt-BR" sz="2800" dirty="0" smtClean="0">
+                  <a:ea typeface="Cambria Math" panose="02040503050406030204" pitchFamily="18" charset="0"/>
+                </a:endParaRPr>
+              </a:p>
+              <a:p>
+                <a:pPr lvl="2">
+                  <a:buFont typeface="Arial" panose="020B0604020202020204" pitchFamily="34" charset="0"/>
+                  <a:buChar char="•"/>
+                </a:pPr>
+                <a14:m>
+                  <m:oMath xmlns:m="http://schemas.openxmlformats.org/officeDocument/2006/math">
+                    <m:d>
+                      <m:dPr>
+                        <m:begChr m:val="|"/>
+                        <m:endChr m:val="|"/>
+                        <m:ctrlPr>
+                          <a:rPr lang="pt-BR" sz="2800" b="0" i="1" smtClean="0">
+                            <a:latin typeface="Cambria Math" panose="02040503050406030204" pitchFamily="18" charset="0"/>
+                          </a:rPr>
+                        </m:ctrlPr>
+                      </m:dPr>
+                      <m:e>
+                        <m:r>
+                          <a:rPr lang="pt-BR" sz="2800" b="0" i="1" smtClean="0">
+                            <a:latin typeface="Cambria Math" panose="02040503050406030204" pitchFamily="18" charset="0"/>
+                          </a:rPr>
+                          <m:t>𝑞</m:t>
+                        </m:r>
+                      </m:e>
+                    </m:d>
+                    <m:r>
+                      <a:rPr lang="pt-BR" sz="2800" i="1" smtClean="0">
+                        <a:latin typeface="Cambria Math" panose="02040503050406030204" pitchFamily="18" charset="0"/>
+                        <a:ea typeface="Cambria Math" panose="02040503050406030204" pitchFamily="18" charset="0"/>
+                      </a:rPr>
+                      <m:t>&gt;</m:t>
+                    </m:r>
+                    <m:sSub>
+                      <m:sSubPr>
+                        <m:ctrlPr>
+                          <a:rPr lang="pt-BR" sz="2800" b="0" i="1" smtClean="0">
+                            <a:latin typeface="Cambria Math" panose="02040503050406030204" pitchFamily="18" charset="0"/>
+                          </a:rPr>
+                        </m:ctrlPr>
+                      </m:sSubPr>
+                      <m:e>
+                        <m:r>
+                          <a:rPr lang="pt-BR" sz="2800" b="0" i="1" smtClean="0">
+                            <a:latin typeface="Cambria Math" panose="02040503050406030204" pitchFamily="18" charset="0"/>
+                          </a:rPr>
+                          <m:t>𝑙</m:t>
+                        </m:r>
+                      </m:e>
+                      <m:sub>
+                        <m:r>
+                          <a:rPr lang="pt-BR" sz="2800" b="0" i="1" smtClean="0">
+                            <a:latin typeface="Cambria Math" panose="02040503050406030204" pitchFamily="18" charset="0"/>
+                          </a:rPr>
+                          <m:t>𝑓</m:t>
+                        </m:r>
+                      </m:sub>
+                    </m:sSub>
+                    <m:r>
+                      <a:rPr lang="pt-BR" sz="2800" b="0" i="1" smtClean="0">
+                        <a:latin typeface="Cambria Math" panose="02040503050406030204" pitchFamily="18" charset="0"/>
+                      </a:rPr>
+                      <m:t> →</m:t>
+                    </m:r>
+                  </m:oMath>
+                </a14:m>
+                <a:r>
+                  <a:rPr lang="pt-BR" sz="2800" dirty="0" smtClean="0"/>
+                  <a:t> BAQT</a:t>
+                </a:r>
+              </a:p>
+              <a:p>
+                <a:pPr lvl="2">
+                  <a:buFont typeface="Arial" panose="020B0604020202020204" pitchFamily="34" charset="0"/>
+                  <a:buChar char="•"/>
+                </a:pPr>
+                <a:r>
+                  <a:rPr lang="pt-BR" sz="2800" dirty="0" err="1" smtClean="0"/>
+                  <a:t>Queue</a:t>
+                </a:r>
+                <a:r>
+                  <a:rPr lang="pt-BR" sz="2800" dirty="0"/>
+                  <a:t>: </a:t>
+                </a:r>
+                <a:r>
+                  <a:rPr lang="pt-BR" sz="2800" dirty="0" smtClean="0"/>
+                  <a:t>{000000,000001,000010,000011,000100,000101,000110,000111,00100,00101,00110,00111}</a:t>
+                </a:r>
+              </a:p>
+              <a:p>
+                <a:pPr lvl="1">
+                  <a:buFont typeface="Arial" panose="020B0604020202020204" pitchFamily="34" charset="0"/>
+                  <a:buChar char="•"/>
+                </a:pPr>
+                <a:endParaRPr lang="en-US" sz="3200" dirty="0"/>
+              </a:p>
+            </p:txBody>
+          </p:sp>
+        </mc:Choice>
+        <mc:Fallback>
+          <p:sp>
+            <p:nvSpPr>
+              <p:cNvPr id="3" name="Content Placeholder 2"/>
+              <p:cNvSpPr>
+                <a:spLocks noGrp="1" noRot="1" noChangeAspect="1" noMove="1" noResize="1" noEditPoints="1" noAdjustHandles="1" noChangeArrowheads="1" noChangeShapeType="1" noTextEdit="1"/>
+              </p:cNvSpPr>
+              <p:nvPr>
+                <p:ph idx="1"/>
+              </p:nvPr>
+            </p:nvSpPr>
+            <p:spPr>
+              <a:xfrm>
+                <a:off x="1097280" y="1845734"/>
+                <a:ext cx="4582302" cy="4168700"/>
+              </a:xfrm>
+              <a:blipFill rotWithShape="0">
+                <a:blip r:embed="rId2"/>
+                <a:stretch>
+                  <a:fillRect l="-266" t="-4678" r="-3324"/>
+                </a:stretch>
+              </a:blipFill>
+            </p:spPr>
+            <p:txBody>
+              <a:bodyPr/>
+              <a:lstStyle/>
+              <a:p>
+                <a:r>
+                  <a:rPr lang="en-US">
+                    <a:noFill/>
+                  </a:rPr>
+                  <a:t> </a:t>
+                </a:r>
+              </a:p>
+            </p:txBody>
+          </p:sp>
+        </mc:Fallback>
+      </mc:AlternateContent>
+      <p:sp>
+        <p:nvSpPr>
+          <p:cNvPr id="8" name="TextBox 7"/>
+          <p:cNvSpPr txBox="1"/>
+          <p:nvPr/>
+        </p:nvSpPr>
+        <p:spPr>
+          <a:xfrm>
+            <a:off x="5679581" y="5045590"/>
+            <a:ext cx="5476097" cy="1077218"/>
+          </a:xfrm>
+          <a:prstGeom prst="rect">
+            <a:avLst/>
+          </a:prstGeom>
+          <a:noFill/>
+        </p:spPr>
+        <p:txBody>
+          <a:bodyPr wrap="square" rtlCol="0">
+            <a:spAutoFit/>
+          </a:bodyPr>
+          <a:lstStyle/>
+          <a:p>
+            <a:r>
+              <a:rPr lang="pt-BR" sz="1600" b="1" dirty="0" smtClean="0">
+                <a:solidFill>
+                  <a:schemeClr val="tx1">
+                    <a:lumMod val="75000"/>
+                    <a:lumOff val="25000"/>
+                  </a:schemeClr>
+                </a:solidFill>
+              </a:rPr>
+              <a:t>Preto</a:t>
+            </a:r>
+            <a:r>
+              <a:rPr lang="pt-BR" sz="1600" dirty="0" smtClean="0">
+                <a:solidFill>
+                  <a:schemeClr val="tx1">
+                    <a:lumMod val="75000"/>
+                    <a:lumOff val="25000"/>
+                  </a:schemeClr>
+                </a:solidFill>
+              </a:rPr>
+              <a:t>: Sucesso</a:t>
+            </a:r>
+          </a:p>
+          <a:p>
+            <a:r>
+              <a:rPr lang="pt-BR" sz="1600" dirty="0" smtClean="0">
+                <a:solidFill>
+                  <a:schemeClr val="tx1">
+                    <a:lumMod val="75000"/>
+                    <a:lumOff val="25000"/>
+                  </a:schemeClr>
+                </a:solidFill>
+              </a:rPr>
+              <a:t>Branco: Ocioso</a:t>
+            </a:r>
+          </a:p>
+          <a:p>
+            <a:r>
+              <a:rPr lang="pt-BR" sz="1600" u="sng" dirty="0" smtClean="0">
+                <a:solidFill>
+                  <a:schemeClr val="tx1">
+                    <a:lumMod val="75000"/>
+                    <a:lumOff val="25000"/>
+                  </a:schemeClr>
+                </a:solidFill>
+              </a:rPr>
+              <a:t>Cinza</a:t>
+            </a:r>
+            <a:r>
+              <a:rPr lang="pt-BR" sz="1600" dirty="0" smtClean="0">
+                <a:solidFill>
+                  <a:schemeClr val="tx1">
+                    <a:lumMod val="75000"/>
+                    <a:lumOff val="25000"/>
+                  </a:schemeClr>
+                </a:solidFill>
+              </a:rPr>
+              <a:t>: Conflito</a:t>
+            </a:r>
+          </a:p>
+          <a:p>
+            <a:r>
+              <a:rPr lang="pt-BR" sz="1600" dirty="0" smtClean="0">
+                <a:solidFill>
+                  <a:srgbClr val="FF0000"/>
+                </a:solidFill>
+              </a:rPr>
+              <a:t>Vermelho</a:t>
+            </a:r>
+            <a:r>
+              <a:rPr lang="pt-BR" sz="1600" dirty="0" smtClean="0">
+                <a:solidFill>
+                  <a:schemeClr val="tx1">
+                    <a:lumMod val="75000"/>
+                    <a:lumOff val="25000"/>
+                  </a:schemeClr>
+                </a:solidFill>
+              </a:rPr>
+              <a:t>: Descartado</a:t>
+            </a:r>
+            <a:endParaRPr lang="en-US" sz="1600" dirty="0">
+              <a:solidFill>
+                <a:srgbClr val="FF0000"/>
+              </a:solidFill>
+            </a:endParaRPr>
+          </a:p>
+        </p:txBody>
+      </p:sp>
+      <p:pic>
+        <p:nvPicPr>
+          <p:cNvPr id="4" name="Picture 3"/>
+          <p:cNvPicPr>
+            <a:picLocks noChangeAspect="1"/>
+          </p:cNvPicPr>
+          <p:nvPr/>
+        </p:nvPicPr>
+        <p:blipFill>
+          <a:blip r:embed="rId3">
+            <a:extLst>
+              <a:ext uri="{28A0092B-C50C-407E-A947-70E740481C1C}">
+                <a14:useLocalDpi xmlns:a14="http://schemas.microsoft.com/office/drawing/2010/main" val="0"/>
+              </a:ext>
+            </a:extLst>
+          </a:blip>
+          <a:stretch>
+            <a:fillRect/>
+          </a:stretch>
+        </p:blipFill>
+        <p:spPr>
+          <a:xfrm>
+            <a:off x="5678909" y="1845734"/>
+            <a:ext cx="5476769" cy="3180059"/>
+          </a:xfrm>
+          <a:prstGeom prst="rect">
+            <a:avLst/>
+          </a:prstGeom>
+        </p:spPr>
+      </p:pic>
+    </p:spTree>
+    <p:extLst>
+      <p:ext uri="{BB962C8B-B14F-4D97-AF65-F5344CB8AC3E}">
+        <p14:creationId xmlns:p14="http://schemas.microsoft.com/office/powerpoint/2010/main" val="2420167389"/>
+      </p:ext>
+    </p:extLst>
+  </p:cSld>
+  <p:clrMapOvr>
+    <a:masterClrMapping/>
+  </p:clrMapOvr>
+  <p:timing>
+    <p:tnLst>
+      <p:par>
+        <p:cTn id="1" dur="indefinite" restart="never" nodeType="tmRoot"/>
+      </p:par>
+    </p:tnLst>
+  </p:timing>
+</p:sld>
+</file>
+
+<file path=ppt/slides/slide23.xml><?xml version="1.0" encoding="utf-8"?>
+<p:sld xmlns:a="http://schemas.openxmlformats.org/drawingml/2006/main" xmlns:r="http://schemas.openxmlformats.org/officeDocument/2006/relationships" xmlns:p="http://schemas.openxmlformats.org/presentationml/2006/main">
+  <p:cSld>
+    <p:spTree>
+      <p:nvGrpSpPr>
+        <p:cNvPr id="1" name=""/>
+        <p:cNvGrpSpPr/>
+        <p:nvPr/>
+      </p:nvGrpSpPr>
+      <p:grpSpPr>
+        <a:xfrm>
+          <a:off x="0" y="0"/>
+          <a:ext cx="0" cy="0"/>
+          <a:chOff x="0" y="0"/>
+          <a:chExt cx="0" cy="0"/>
+        </a:xfrm>
+      </p:grpSpPr>
+      <p:sp>
+        <p:nvSpPr>
+          <p:cNvPr id="2" name="Title 1"/>
+          <p:cNvSpPr>
+            <a:spLocks noGrp="1"/>
+          </p:cNvSpPr>
+          <p:nvPr>
+            <p:ph type="title"/>
+          </p:nvPr>
+        </p:nvSpPr>
+        <p:spPr/>
+        <p:txBody>
+          <a:bodyPr>
+            <a:normAutofit/>
+          </a:bodyPr>
+          <a:lstStyle/>
+          <a:p>
+            <a:r>
+              <a:rPr lang="pt-BR" sz="4000" dirty="0"/>
+              <a:t>Proposta - </a:t>
+            </a:r>
+            <a:r>
+              <a:rPr lang="en-US" sz="4000" i="1" dirty="0"/>
+              <a:t>Modified Adaptive Query Tree </a:t>
+            </a:r>
+            <a:r>
+              <a:rPr lang="en-US" sz="4000" dirty="0"/>
+              <a:t>(MAQT)</a:t>
+            </a:r>
+          </a:p>
+        </p:txBody>
+      </p:sp>
+      <mc:AlternateContent xmlns:mc="http://schemas.openxmlformats.org/markup-compatibility/2006">
+        <mc:Choice xmlns:a14="http://schemas.microsoft.com/office/drawing/2010/main" Requires="a14">
+          <p:sp>
+            <p:nvSpPr>
+              <p:cNvPr id="3" name="Content Placeholder 2"/>
+              <p:cNvSpPr>
+                <a:spLocks noGrp="1"/>
+              </p:cNvSpPr>
+              <p:nvPr>
+                <p:ph idx="1"/>
+              </p:nvPr>
+            </p:nvSpPr>
+            <p:spPr>
+              <a:xfrm>
+                <a:off x="1097280" y="1845734"/>
+                <a:ext cx="4582302" cy="4168700"/>
+              </a:xfrm>
+            </p:spPr>
+            <p:txBody>
+              <a:bodyPr>
+                <a:normAutofit fontScale="92500" lnSpcReduction="20000"/>
+              </a:bodyPr>
+              <a:lstStyle/>
+              <a:p>
+                <a:pPr lvl="1">
+                  <a:buFont typeface="Arial" panose="020B0604020202020204" pitchFamily="34" charset="0"/>
+                  <a:buChar char="•"/>
+                </a:pPr>
+                <a:r>
+                  <a:rPr lang="pt-BR" sz="3200" dirty="0" smtClean="0"/>
+                  <a:t>Exemplo</a:t>
+                </a:r>
+              </a:p>
+              <a:p>
+                <a:pPr lvl="2">
+                  <a:buFont typeface="Arial" panose="020B0604020202020204" pitchFamily="34" charset="0"/>
+                  <a:buChar char="•"/>
+                </a:pPr>
+                <a:r>
+                  <a:rPr lang="pt-BR" sz="2800" dirty="0" err="1" smtClean="0"/>
+                  <a:t>Tags</a:t>
+                </a:r>
+                <a:r>
+                  <a:rPr lang="pt-BR" sz="2800" dirty="0" smtClean="0"/>
+                  <a:t>: {</a:t>
+                </a:r>
+                <a:r>
+                  <a:rPr lang="pt-BR" sz="2800" strike="sngStrike" dirty="0" smtClean="0"/>
+                  <a:t>000100</a:t>
+                </a:r>
+                <a:r>
+                  <a:rPr lang="pt-BR" sz="2800" dirty="0" smtClean="0"/>
+                  <a:t>,</a:t>
+                </a:r>
+                <a:r>
+                  <a:rPr lang="pt-BR" sz="2800" strike="sngStrike" dirty="0" smtClean="0"/>
+                  <a:t>000011</a:t>
+                </a:r>
+                <a:r>
+                  <a:rPr lang="pt-BR" sz="2800" dirty="0" smtClean="0"/>
+                  <a:t>,001010,001101,</a:t>
+                </a:r>
+                <a:r>
+                  <a:rPr lang="pt-BR" sz="2800" strike="sngStrike" dirty="0" smtClean="0"/>
+                  <a:t>000000</a:t>
+                </a:r>
+                <a:r>
+                  <a:rPr lang="pt-BR" sz="2800" dirty="0" smtClean="0"/>
+                  <a:t>,001000,</a:t>
+                </a:r>
+                <a:r>
+                  <a:rPr lang="pt-BR" sz="2800" strike="sngStrike" dirty="0" smtClean="0"/>
+                  <a:t>000101</a:t>
+                </a:r>
+                <a:r>
+                  <a:rPr lang="pt-BR" sz="2800" dirty="0" smtClean="0"/>
+                  <a:t>,001001,</a:t>
+                </a:r>
+                <a:r>
+                  <a:rPr lang="pt-BR" sz="2800" strike="sngStrike" dirty="0" smtClean="0"/>
+                  <a:t>000001</a:t>
+                </a:r>
+                <a:r>
+                  <a:rPr lang="pt-BR" sz="2800" dirty="0" smtClean="0"/>
+                  <a:t>}</a:t>
+                </a:r>
+              </a:p>
+              <a:p>
+                <a:pPr lvl="2">
+                  <a:buFont typeface="Arial" panose="020B0604020202020204" pitchFamily="34" charset="0"/>
+                  <a:buChar char="•"/>
+                </a:pPr>
+                <a:r>
+                  <a:rPr lang="pt-BR" sz="2800" dirty="0" smtClean="0"/>
+                  <a:t>Queries: &lt;</a:t>
+                </a:r>
+                <a:r>
+                  <a:rPr lang="pt-BR" sz="2800" b="1" dirty="0"/>
+                  <a:t>000000</a:t>
+                </a:r>
+                <a:r>
+                  <a:rPr lang="pt-BR" sz="2800" dirty="0"/>
+                  <a:t>,</a:t>
+                </a:r>
+                <a:r>
+                  <a:rPr lang="pt-BR" sz="2800" b="1" dirty="0"/>
+                  <a:t>000001</a:t>
+                </a:r>
+                <a:r>
+                  <a:rPr lang="pt-BR" sz="2800" dirty="0"/>
+                  <a:t>,000010,</a:t>
+                </a:r>
+                <a:r>
+                  <a:rPr lang="pt-BR" sz="2800" b="1" dirty="0"/>
+                  <a:t>000011</a:t>
+                </a:r>
+                <a:r>
+                  <a:rPr lang="pt-BR" sz="2800" dirty="0"/>
+                  <a:t>,</a:t>
+                </a:r>
+                <a:r>
+                  <a:rPr lang="pt-BR" sz="2800" b="1" dirty="0"/>
+                  <a:t>000100</a:t>
+                </a:r>
+                <a:r>
+                  <a:rPr lang="pt-BR" sz="2800" dirty="0"/>
+                  <a:t>,</a:t>
+                </a:r>
+                <a:r>
+                  <a:rPr lang="pt-BR" sz="2800" b="1" dirty="0"/>
+                  <a:t>000101</a:t>
+                </a:r>
+                <a:r>
+                  <a:rPr lang="pt-BR" sz="2800" dirty="0"/>
+                  <a:t>,</a:t>
+                </a:r>
+                <a:r>
+                  <a:rPr lang="pt-BR" sz="2800" dirty="0">
+                    <a:solidFill>
+                      <a:srgbClr val="FF0000"/>
+                    </a:solidFill>
+                  </a:rPr>
+                  <a:t>000110</a:t>
+                </a:r>
+                <a:r>
+                  <a:rPr lang="pt-BR" sz="2800" dirty="0"/>
+                  <a:t>,</a:t>
+                </a:r>
+                <a:r>
+                  <a:rPr lang="pt-BR" sz="2800" dirty="0">
+                    <a:solidFill>
+                      <a:srgbClr val="FF0000"/>
+                    </a:solidFill>
+                  </a:rPr>
+                  <a:t>000111</a:t>
+                </a:r>
+                <a:r>
+                  <a:rPr lang="pt-BR" sz="2800" dirty="0" smtClean="0"/>
+                  <a:t>&gt;</a:t>
+                </a:r>
+                <a:endParaRPr lang="pt-BR" sz="2800" dirty="0" smtClean="0">
+                  <a:ea typeface="Cambria Math" panose="02040503050406030204" pitchFamily="18" charset="0"/>
+                </a:endParaRPr>
+              </a:p>
+              <a:p>
+                <a:pPr lvl="2">
+                  <a:buFont typeface="Arial" panose="020B0604020202020204" pitchFamily="34" charset="0"/>
+                  <a:buChar char="•"/>
+                </a:pPr>
+                <a14:m>
+                  <m:oMath xmlns:m="http://schemas.openxmlformats.org/officeDocument/2006/math">
+                    <m:d>
+                      <m:dPr>
+                        <m:begChr m:val="|"/>
+                        <m:endChr m:val="|"/>
+                        <m:ctrlPr>
+                          <a:rPr lang="pt-BR" sz="2800" b="0" i="1" smtClean="0">
+                            <a:latin typeface="Cambria Math" panose="02040503050406030204" pitchFamily="18" charset="0"/>
+                          </a:rPr>
+                        </m:ctrlPr>
+                      </m:dPr>
+                      <m:e>
+                        <m:r>
+                          <a:rPr lang="pt-BR" sz="2800" b="0" i="1" smtClean="0">
+                            <a:latin typeface="Cambria Math" panose="02040503050406030204" pitchFamily="18" charset="0"/>
+                          </a:rPr>
+                          <m:t>𝑞</m:t>
+                        </m:r>
+                      </m:e>
+                    </m:d>
+                    <m:r>
+                      <a:rPr lang="pt-BR" sz="2800" i="1" smtClean="0">
+                        <a:latin typeface="Cambria Math" panose="02040503050406030204" pitchFamily="18" charset="0"/>
+                        <a:ea typeface="Cambria Math" panose="02040503050406030204" pitchFamily="18" charset="0"/>
+                      </a:rPr>
+                      <m:t>&gt;</m:t>
+                    </m:r>
+                    <m:sSub>
+                      <m:sSubPr>
+                        <m:ctrlPr>
+                          <a:rPr lang="pt-BR" sz="2800" b="0" i="1" smtClean="0">
+                            <a:latin typeface="Cambria Math" panose="02040503050406030204" pitchFamily="18" charset="0"/>
+                          </a:rPr>
+                        </m:ctrlPr>
+                      </m:sSubPr>
+                      <m:e>
+                        <m:r>
+                          <a:rPr lang="pt-BR" sz="2800" b="0" i="1" smtClean="0">
+                            <a:latin typeface="Cambria Math" panose="02040503050406030204" pitchFamily="18" charset="0"/>
+                          </a:rPr>
+                          <m:t>𝑙</m:t>
+                        </m:r>
+                      </m:e>
+                      <m:sub>
+                        <m:r>
+                          <a:rPr lang="pt-BR" sz="2800" b="0" i="1" smtClean="0">
+                            <a:latin typeface="Cambria Math" panose="02040503050406030204" pitchFamily="18" charset="0"/>
+                          </a:rPr>
+                          <m:t>𝑓</m:t>
+                        </m:r>
+                      </m:sub>
+                    </m:sSub>
+                    <m:r>
+                      <a:rPr lang="pt-BR" sz="2800" b="0" i="1" smtClean="0">
+                        <a:latin typeface="Cambria Math" panose="02040503050406030204" pitchFamily="18" charset="0"/>
+                      </a:rPr>
+                      <m:t> →</m:t>
+                    </m:r>
+                  </m:oMath>
+                </a14:m>
+                <a:r>
+                  <a:rPr lang="pt-BR" sz="2800" dirty="0" smtClean="0"/>
+                  <a:t> BAQT</a:t>
+                </a:r>
+              </a:p>
+              <a:p>
+                <a:pPr lvl="2">
+                  <a:buFont typeface="Arial" panose="020B0604020202020204" pitchFamily="34" charset="0"/>
+                  <a:buChar char="•"/>
+                </a:pPr>
+                <a:r>
+                  <a:rPr lang="pt-BR" sz="2800" dirty="0" err="1" smtClean="0"/>
+                  <a:t>Queue</a:t>
+                </a:r>
+                <a:r>
+                  <a:rPr lang="pt-BR" sz="2800" dirty="0"/>
+                  <a:t>: </a:t>
+                </a:r>
+                <a:r>
+                  <a:rPr lang="pt-BR" sz="2800" dirty="0" smtClean="0"/>
+                  <a:t>{00100,00101,00110,00111}</a:t>
+                </a:r>
+              </a:p>
+              <a:p>
+                <a:pPr lvl="1">
+                  <a:buFont typeface="Arial" panose="020B0604020202020204" pitchFamily="34" charset="0"/>
+                  <a:buChar char="•"/>
+                </a:pPr>
+                <a:endParaRPr lang="en-US" sz="3200" dirty="0"/>
+              </a:p>
+            </p:txBody>
+          </p:sp>
+        </mc:Choice>
+        <mc:Fallback>
+          <p:sp>
+            <p:nvSpPr>
+              <p:cNvPr id="3" name="Content Placeholder 2"/>
+              <p:cNvSpPr>
+                <a:spLocks noGrp="1" noRot="1" noChangeAspect="1" noMove="1" noResize="1" noEditPoints="1" noAdjustHandles="1" noChangeArrowheads="1" noChangeShapeType="1" noTextEdit="1"/>
+              </p:cNvSpPr>
+              <p:nvPr>
+                <p:ph idx="1"/>
+              </p:nvPr>
+            </p:nvSpPr>
+            <p:spPr>
+              <a:xfrm>
+                <a:off x="1097280" y="1845734"/>
+                <a:ext cx="4582302" cy="4168700"/>
+              </a:xfrm>
+              <a:blipFill rotWithShape="0">
+                <a:blip r:embed="rId2"/>
+                <a:stretch>
+                  <a:fillRect l="-266" t="-4678" r="-3324"/>
+                </a:stretch>
+              </a:blipFill>
+            </p:spPr>
+            <p:txBody>
+              <a:bodyPr/>
+              <a:lstStyle/>
+              <a:p>
+                <a:r>
+                  <a:rPr lang="en-US">
+                    <a:noFill/>
+                  </a:rPr>
+                  <a:t> </a:t>
+                </a:r>
+              </a:p>
+            </p:txBody>
+          </p:sp>
+        </mc:Fallback>
+      </mc:AlternateContent>
+      <p:sp>
+        <p:nvSpPr>
+          <p:cNvPr id="8" name="TextBox 7"/>
+          <p:cNvSpPr txBox="1"/>
+          <p:nvPr/>
+        </p:nvSpPr>
+        <p:spPr>
+          <a:xfrm>
+            <a:off x="5679581" y="5045590"/>
+            <a:ext cx="5476097" cy="1077218"/>
+          </a:xfrm>
+          <a:prstGeom prst="rect">
+            <a:avLst/>
+          </a:prstGeom>
+          <a:noFill/>
+        </p:spPr>
+        <p:txBody>
+          <a:bodyPr wrap="square" rtlCol="0">
+            <a:spAutoFit/>
+          </a:bodyPr>
+          <a:lstStyle/>
+          <a:p>
+            <a:r>
+              <a:rPr lang="pt-BR" sz="1600" b="1" dirty="0" smtClean="0">
+                <a:solidFill>
+                  <a:schemeClr val="tx1">
+                    <a:lumMod val="75000"/>
+                    <a:lumOff val="25000"/>
+                  </a:schemeClr>
+                </a:solidFill>
+              </a:rPr>
+              <a:t>Preto</a:t>
+            </a:r>
+            <a:r>
+              <a:rPr lang="pt-BR" sz="1600" dirty="0" smtClean="0">
+                <a:solidFill>
+                  <a:schemeClr val="tx1">
+                    <a:lumMod val="75000"/>
+                    <a:lumOff val="25000"/>
+                  </a:schemeClr>
+                </a:solidFill>
+              </a:rPr>
+              <a:t>: Sucesso</a:t>
+            </a:r>
+          </a:p>
+          <a:p>
+            <a:r>
+              <a:rPr lang="pt-BR" sz="1600" dirty="0" smtClean="0">
+                <a:solidFill>
+                  <a:schemeClr val="tx1">
+                    <a:lumMod val="75000"/>
+                    <a:lumOff val="25000"/>
+                  </a:schemeClr>
+                </a:solidFill>
+              </a:rPr>
+              <a:t>Branco: Ocioso</a:t>
+            </a:r>
+          </a:p>
+          <a:p>
+            <a:r>
+              <a:rPr lang="pt-BR" sz="1600" u="sng" dirty="0" smtClean="0">
+                <a:solidFill>
+                  <a:schemeClr val="tx1">
+                    <a:lumMod val="75000"/>
+                    <a:lumOff val="25000"/>
+                  </a:schemeClr>
+                </a:solidFill>
+              </a:rPr>
+              <a:t>Cinza</a:t>
+            </a:r>
+            <a:r>
+              <a:rPr lang="pt-BR" sz="1600" dirty="0" smtClean="0">
+                <a:solidFill>
+                  <a:schemeClr val="tx1">
+                    <a:lumMod val="75000"/>
+                    <a:lumOff val="25000"/>
+                  </a:schemeClr>
+                </a:solidFill>
+              </a:rPr>
+              <a:t>: Conflito</a:t>
+            </a:r>
+          </a:p>
+          <a:p>
+            <a:r>
+              <a:rPr lang="pt-BR" sz="1600" dirty="0" smtClean="0">
+                <a:solidFill>
+                  <a:srgbClr val="FF0000"/>
+                </a:solidFill>
+              </a:rPr>
+              <a:t>Vermelho</a:t>
+            </a:r>
+            <a:r>
+              <a:rPr lang="pt-BR" sz="1600" dirty="0" smtClean="0">
+                <a:solidFill>
+                  <a:schemeClr val="tx1">
+                    <a:lumMod val="75000"/>
+                    <a:lumOff val="25000"/>
+                  </a:schemeClr>
+                </a:solidFill>
+              </a:rPr>
+              <a:t>: Descartado</a:t>
+            </a:r>
+            <a:endParaRPr lang="en-US" sz="1600" dirty="0">
+              <a:solidFill>
+                <a:srgbClr val="FF0000"/>
+              </a:solidFill>
+            </a:endParaRPr>
+          </a:p>
+        </p:txBody>
+      </p:sp>
+      <p:pic>
+        <p:nvPicPr>
+          <p:cNvPr id="5" name="Picture 4"/>
+          <p:cNvPicPr>
+            <a:picLocks noChangeAspect="1"/>
+          </p:cNvPicPr>
+          <p:nvPr/>
+        </p:nvPicPr>
+        <p:blipFill>
+          <a:blip r:embed="rId3">
+            <a:extLst>
+              <a:ext uri="{28A0092B-C50C-407E-A947-70E740481C1C}">
+                <a14:useLocalDpi xmlns:a14="http://schemas.microsoft.com/office/drawing/2010/main" val="0"/>
+              </a:ext>
+            </a:extLst>
+          </a:blip>
+          <a:stretch>
+            <a:fillRect/>
+          </a:stretch>
+        </p:blipFill>
+        <p:spPr>
+          <a:xfrm>
+            <a:off x="5731685" y="1845734"/>
+            <a:ext cx="5371890" cy="3119161"/>
+          </a:xfrm>
+          <a:prstGeom prst="rect">
+            <a:avLst/>
+          </a:prstGeom>
+        </p:spPr>
+      </p:pic>
+    </p:spTree>
+    <p:extLst>
+      <p:ext uri="{BB962C8B-B14F-4D97-AF65-F5344CB8AC3E}">
+        <p14:creationId xmlns:p14="http://schemas.microsoft.com/office/powerpoint/2010/main" val="2705670931"/>
+      </p:ext>
+    </p:extLst>
+  </p:cSld>
+  <p:clrMapOvr>
+    <a:masterClrMapping/>
+  </p:clrMapOvr>
+  <p:timing>
+    <p:tnLst>
+      <p:par>
+        <p:cTn id="1" dur="indefinite" restart="never" nodeType="tmRoot"/>
+      </p:par>
+    </p:tnLst>
+  </p:timing>
+</p:sld>
+</file>
+
+<file path=ppt/slides/slide24.xml><?xml version="1.0" encoding="utf-8"?>
+<p:sld xmlns:a="http://schemas.openxmlformats.org/drawingml/2006/main" xmlns:r="http://schemas.openxmlformats.org/officeDocument/2006/relationships" xmlns:p="http://schemas.openxmlformats.org/presentationml/2006/main">
+  <p:cSld>
+    <p:spTree>
+      <p:nvGrpSpPr>
+        <p:cNvPr id="1" name=""/>
+        <p:cNvGrpSpPr/>
+        <p:nvPr/>
+      </p:nvGrpSpPr>
+      <p:grpSpPr>
+        <a:xfrm>
+          <a:off x="0" y="0"/>
+          <a:ext cx="0" cy="0"/>
+          <a:chOff x="0" y="0"/>
+          <a:chExt cx="0" cy="0"/>
+        </a:xfrm>
+      </p:grpSpPr>
+      <p:sp>
+        <p:nvSpPr>
+          <p:cNvPr id="2" name="Title 1"/>
+          <p:cNvSpPr>
+            <a:spLocks noGrp="1"/>
+          </p:cNvSpPr>
+          <p:nvPr>
+            <p:ph type="title"/>
+          </p:nvPr>
+        </p:nvSpPr>
+        <p:spPr/>
+        <p:txBody>
+          <a:bodyPr>
+            <a:normAutofit/>
+          </a:bodyPr>
+          <a:lstStyle/>
+          <a:p>
+            <a:r>
+              <a:rPr lang="pt-BR" sz="4000" dirty="0"/>
+              <a:t>Proposta - </a:t>
+            </a:r>
+            <a:r>
+              <a:rPr lang="en-US" sz="4000" i="1" dirty="0"/>
+              <a:t>Modified Adaptive Query Tree </a:t>
+            </a:r>
+            <a:r>
+              <a:rPr lang="en-US" sz="4000" dirty="0"/>
+              <a:t>(MAQT)</a:t>
+            </a:r>
+          </a:p>
+        </p:txBody>
+      </p:sp>
+      <mc:AlternateContent xmlns:mc="http://schemas.openxmlformats.org/markup-compatibility/2006">
+        <mc:Choice xmlns:a14="http://schemas.microsoft.com/office/drawing/2010/main" Requires="a14">
+          <p:sp>
+            <p:nvSpPr>
+              <p:cNvPr id="3" name="Content Placeholder 2"/>
+              <p:cNvSpPr>
+                <a:spLocks noGrp="1"/>
+              </p:cNvSpPr>
+              <p:nvPr>
+                <p:ph idx="1"/>
+              </p:nvPr>
+            </p:nvSpPr>
+            <p:spPr>
+              <a:xfrm>
+                <a:off x="1097280" y="1845734"/>
+                <a:ext cx="4582302" cy="4168700"/>
+              </a:xfrm>
+            </p:spPr>
+            <p:txBody>
+              <a:bodyPr>
+                <a:normAutofit lnSpcReduction="10000"/>
+              </a:bodyPr>
+              <a:lstStyle/>
+              <a:p>
+                <a:pPr lvl="1">
+                  <a:buFont typeface="Arial" panose="020B0604020202020204" pitchFamily="34" charset="0"/>
+                  <a:buChar char="•"/>
+                </a:pPr>
+                <a:r>
+                  <a:rPr lang="pt-BR" sz="3200" dirty="0" smtClean="0"/>
+                  <a:t>Exemplo</a:t>
+                </a:r>
+              </a:p>
+              <a:p>
+                <a:pPr lvl="2">
+                  <a:buFont typeface="Arial" panose="020B0604020202020204" pitchFamily="34" charset="0"/>
+                  <a:buChar char="•"/>
+                </a:pPr>
+                <a:r>
+                  <a:rPr lang="pt-BR" sz="2800" dirty="0" err="1" smtClean="0"/>
+                  <a:t>Tags</a:t>
+                </a:r>
+                <a:r>
+                  <a:rPr lang="pt-BR" sz="2800" dirty="0" smtClean="0"/>
+                  <a:t>: {</a:t>
+                </a:r>
+                <a:r>
+                  <a:rPr lang="pt-BR" sz="2800" strike="sngStrike" dirty="0" smtClean="0"/>
+                  <a:t>000100</a:t>
+                </a:r>
+                <a:r>
+                  <a:rPr lang="pt-BR" sz="2800" dirty="0" smtClean="0"/>
+                  <a:t>,</a:t>
+                </a:r>
+                <a:r>
+                  <a:rPr lang="pt-BR" sz="2800" strike="sngStrike" dirty="0" smtClean="0"/>
+                  <a:t>000011</a:t>
+                </a:r>
+                <a:r>
+                  <a:rPr lang="pt-BR" sz="2800" dirty="0" smtClean="0"/>
+                  <a:t>,</a:t>
+                </a:r>
+                <a:r>
+                  <a:rPr lang="pt-BR" sz="2800" strike="sngStrike" dirty="0" smtClean="0"/>
+                  <a:t>001010</a:t>
+                </a:r>
+                <a:r>
+                  <a:rPr lang="pt-BR" sz="2800" dirty="0" smtClean="0"/>
+                  <a:t>,</a:t>
+                </a:r>
+                <a:r>
+                  <a:rPr lang="pt-BR" sz="2800" strike="sngStrike" dirty="0" smtClean="0"/>
+                  <a:t>001101</a:t>
+                </a:r>
+                <a:r>
+                  <a:rPr lang="pt-BR" sz="2800" dirty="0" smtClean="0"/>
+                  <a:t>,</a:t>
+                </a:r>
+                <a:r>
+                  <a:rPr lang="pt-BR" sz="2800" strike="sngStrike" dirty="0" smtClean="0"/>
+                  <a:t>000000</a:t>
+                </a:r>
+                <a:r>
+                  <a:rPr lang="pt-BR" sz="2800" dirty="0" smtClean="0"/>
+                  <a:t>,001000,</a:t>
+                </a:r>
+                <a:r>
+                  <a:rPr lang="pt-BR" sz="2800" strike="sngStrike" dirty="0" smtClean="0"/>
+                  <a:t>000101</a:t>
+                </a:r>
+                <a:r>
+                  <a:rPr lang="pt-BR" sz="2800" dirty="0" smtClean="0"/>
+                  <a:t>,001001,</a:t>
+                </a:r>
+                <a:r>
+                  <a:rPr lang="pt-BR" sz="2800" strike="sngStrike" dirty="0" smtClean="0"/>
+                  <a:t>000001</a:t>
+                </a:r>
+                <a:r>
+                  <a:rPr lang="pt-BR" sz="2800" dirty="0" smtClean="0"/>
+                  <a:t>}</a:t>
+                </a:r>
+              </a:p>
+              <a:p>
+                <a:pPr lvl="2">
+                  <a:buFont typeface="Arial" panose="020B0604020202020204" pitchFamily="34" charset="0"/>
+                  <a:buChar char="•"/>
+                </a:pPr>
+                <a:r>
+                  <a:rPr lang="pt-BR" sz="2800" dirty="0" smtClean="0"/>
+                  <a:t>Queries: &lt;</a:t>
+                </a:r>
+                <a:r>
+                  <a:rPr lang="pt-BR" sz="2800" u="sng" dirty="0" smtClean="0"/>
+                  <a:t>00100</a:t>
+                </a:r>
+                <a:r>
+                  <a:rPr lang="pt-BR" sz="2800" dirty="0" smtClean="0"/>
+                  <a:t>,</a:t>
+                </a:r>
+                <a:r>
+                  <a:rPr lang="pt-BR" sz="2800" b="1" dirty="0" smtClean="0"/>
+                  <a:t>00101</a:t>
+                </a:r>
+                <a:r>
+                  <a:rPr lang="pt-BR" sz="2800" dirty="0" smtClean="0"/>
+                  <a:t>,</a:t>
+                </a:r>
+                <a:r>
+                  <a:rPr lang="pt-BR" sz="2800" b="1" dirty="0" smtClean="0"/>
+                  <a:t>00110</a:t>
+                </a:r>
+                <a:r>
+                  <a:rPr lang="pt-BR" sz="2800" dirty="0" smtClean="0"/>
+                  <a:t>,</a:t>
+                </a:r>
+                <a:r>
+                  <a:rPr lang="pt-BR" sz="2800" dirty="0" smtClean="0">
+                    <a:solidFill>
+                      <a:srgbClr val="FF0000"/>
+                    </a:solidFill>
+                  </a:rPr>
+                  <a:t>00111</a:t>
+                </a:r>
+                <a:r>
+                  <a:rPr lang="pt-BR" sz="2800" dirty="0" smtClean="0"/>
+                  <a:t>&gt;</a:t>
+                </a:r>
+                <a:endParaRPr lang="pt-BR" sz="2800" dirty="0" smtClean="0">
+                  <a:ea typeface="Cambria Math" panose="02040503050406030204" pitchFamily="18" charset="0"/>
+                </a:endParaRPr>
+              </a:p>
+              <a:p>
+                <a:pPr lvl="2">
+                  <a:buFont typeface="Arial" panose="020B0604020202020204" pitchFamily="34" charset="0"/>
+                  <a:buChar char="•"/>
+                </a:pPr>
+                <a14:m>
+                  <m:oMath xmlns:m="http://schemas.openxmlformats.org/officeDocument/2006/math">
+                    <m:d>
+                      <m:dPr>
+                        <m:begChr m:val="|"/>
+                        <m:endChr m:val="|"/>
+                        <m:ctrlPr>
+                          <a:rPr lang="pt-BR" sz="2800" b="0" i="1" smtClean="0">
+                            <a:latin typeface="Cambria Math" panose="02040503050406030204" pitchFamily="18" charset="0"/>
+                          </a:rPr>
+                        </m:ctrlPr>
+                      </m:dPr>
+                      <m:e>
+                        <m:r>
+                          <a:rPr lang="pt-BR" sz="2800" b="0" i="1" smtClean="0">
+                            <a:latin typeface="Cambria Math" panose="02040503050406030204" pitchFamily="18" charset="0"/>
+                          </a:rPr>
+                          <m:t>𝑞</m:t>
+                        </m:r>
+                      </m:e>
+                    </m:d>
+                    <m:r>
+                      <a:rPr lang="pt-BR" sz="2800" i="1" smtClean="0">
+                        <a:latin typeface="Cambria Math" panose="02040503050406030204" pitchFamily="18" charset="0"/>
+                        <a:ea typeface="Cambria Math" panose="02040503050406030204" pitchFamily="18" charset="0"/>
+                      </a:rPr>
+                      <m:t>&gt;</m:t>
+                    </m:r>
+                    <m:sSub>
+                      <m:sSubPr>
+                        <m:ctrlPr>
+                          <a:rPr lang="pt-BR" sz="2800" b="0" i="1" smtClean="0">
+                            <a:latin typeface="Cambria Math" panose="02040503050406030204" pitchFamily="18" charset="0"/>
+                          </a:rPr>
+                        </m:ctrlPr>
+                      </m:sSubPr>
+                      <m:e>
+                        <m:r>
+                          <a:rPr lang="pt-BR" sz="2800" b="0" i="1" smtClean="0">
+                            <a:latin typeface="Cambria Math" panose="02040503050406030204" pitchFamily="18" charset="0"/>
+                          </a:rPr>
+                          <m:t>𝑙</m:t>
+                        </m:r>
+                      </m:e>
+                      <m:sub>
+                        <m:r>
+                          <a:rPr lang="pt-BR" sz="2800" b="0" i="1" smtClean="0">
+                            <a:latin typeface="Cambria Math" panose="02040503050406030204" pitchFamily="18" charset="0"/>
+                          </a:rPr>
+                          <m:t>𝑓</m:t>
+                        </m:r>
+                      </m:sub>
+                    </m:sSub>
+                    <m:r>
+                      <a:rPr lang="pt-BR" sz="2800" b="0" i="1" smtClean="0">
+                        <a:latin typeface="Cambria Math" panose="02040503050406030204" pitchFamily="18" charset="0"/>
+                      </a:rPr>
+                      <m:t> →</m:t>
+                    </m:r>
+                  </m:oMath>
+                </a14:m>
+                <a:r>
+                  <a:rPr lang="pt-BR" sz="2800" dirty="0" smtClean="0"/>
+                  <a:t> BAQT</a:t>
+                </a:r>
+              </a:p>
+              <a:p>
+                <a:pPr lvl="2">
+                  <a:buFont typeface="Arial" panose="020B0604020202020204" pitchFamily="34" charset="0"/>
+                  <a:buChar char="•"/>
+                </a:pPr>
+                <a:r>
+                  <a:rPr lang="pt-BR" sz="2800" dirty="0" err="1" smtClean="0"/>
+                  <a:t>Queue</a:t>
+                </a:r>
+                <a:r>
+                  <a:rPr lang="pt-BR" sz="2800" dirty="0"/>
+                  <a:t>: </a:t>
+                </a:r>
+                <a:r>
+                  <a:rPr lang="pt-BR" sz="2800" dirty="0" smtClean="0"/>
+                  <a:t>{001000,</a:t>
+                </a:r>
+                <a:r>
+                  <a:rPr lang="pt-BR" sz="2800" dirty="0"/>
+                  <a:t> 001001</a:t>
+                </a:r>
+                <a:r>
+                  <a:rPr lang="pt-BR" sz="2800" dirty="0" smtClean="0"/>
+                  <a:t>}</a:t>
+                </a:r>
+              </a:p>
+              <a:p>
+                <a:pPr lvl="1">
+                  <a:buFont typeface="Arial" panose="020B0604020202020204" pitchFamily="34" charset="0"/>
+                  <a:buChar char="•"/>
+                </a:pPr>
+                <a:endParaRPr lang="en-US" sz="3200" dirty="0"/>
+              </a:p>
+            </p:txBody>
+          </p:sp>
+        </mc:Choice>
+        <mc:Fallback>
+          <p:sp>
+            <p:nvSpPr>
+              <p:cNvPr id="3" name="Content Placeholder 2"/>
+              <p:cNvSpPr>
+                <a:spLocks noGrp="1" noRot="1" noChangeAspect="1" noMove="1" noResize="1" noEditPoints="1" noAdjustHandles="1" noChangeArrowheads="1" noChangeShapeType="1" noTextEdit="1"/>
+              </p:cNvSpPr>
+              <p:nvPr>
+                <p:ph idx="1"/>
+              </p:nvPr>
+            </p:nvSpPr>
+            <p:spPr>
+              <a:xfrm>
+                <a:off x="1097280" y="1845734"/>
+                <a:ext cx="4582302" cy="4168700"/>
+              </a:xfrm>
+              <a:blipFill rotWithShape="0">
+                <a:blip r:embed="rId2"/>
+                <a:stretch>
+                  <a:fillRect l="-665" t="-3947" r="-3590"/>
+                </a:stretch>
+              </a:blipFill>
+            </p:spPr>
+            <p:txBody>
+              <a:bodyPr/>
+              <a:lstStyle/>
+              <a:p>
+                <a:r>
+                  <a:rPr lang="en-US">
+                    <a:noFill/>
+                  </a:rPr>
+                  <a:t> </a:t>
+                </a:r>
+              </a:p>
+            </p:txBody>
+          </p:sp>
+        </mc:Fallback>
+      </mc:AlternateContent>
+      <p:sp>
+        <p:nvSpPr>
+          <p:cNvPr id="8" name="TextBox 7"/>
+          <p:cNvSpPr txBox="1"/>
+          <p:nvPr/>
+        </p:nvSpPr>
+        <p:spPr>
+          <a:xfrm>
+            <a:off x="5679581" y="5045590"/>
+            <a:ext cx="5476097" cy="1077218"/>
+          </a:xfrm>
+          <a:prstGeom prst="rect">
+            <a:avLst/>
+          </a:prstGeom>
+          <a:noFill/>
+        </p:spPr>
+        <p:txBody>
+          <a:bodyPr wrap="square" rtlCol="0">
+            <a:spAutoFit/>
+          </a:bodyPr>
+          <a:lstStyle/>
+          <a:p>
+            <a:r>
+              <a:rPr lang="pt-BR" sz="1600" b="1" dirty="0" smtClean="0">
+                <a:solidFill>
+                  <a:schemeClr val="tx1">
+                    <a:lumMod val="75000"/>
+                    <a:lumOff val="25000"/>
+                  </a:schemeClr>
+                </a:solidFill>
+              </a:rPr>
+              <a:t>Preto</a:t>
+            </a:r>
+            <a:r>
+              <a:rPr lang="pt-BR" sz="1600" dirty="0" smtClean="0">
+                <a:solidFill>
+                  <a:schemeClr val="tx1">
+                    <a:lumMod val="75000"/>
+                    <a:lumOff val="25000"/>
+                  </a:schemeClr>
+                </a:solidFill>
+              </a:rPr>
+              <a:t>: Sucesso</a:t>
+            </a:r>
+          </a:p>
+          <a:p>
+            <a:r>
+              <a:rPr lang="pt-BR" sz="1600" dirty="0" smtClean="0">
+                <a:solidFill>
+                  <a:schemeClr val="tx1">
+                    <a:lumMod val="75000"/>
+                    <a:lumOff val="25000"/>
+                  </a:schemeClr>
+                </a:solidFill>
+              </a:rPr>
+              <a:t>Branco: Ocioso</a:t>
+            </a:r>
+          </a:p>
+          <a:p>
+            <a:r>
+              <a:rPr lang="pt-BR" sz="1600" u="sng" dirty="0" smtClean="0">
+                <a:solidFill>
+                  <a:schemeClr val="tx1">
+                    <a:lumMod val="75000"/>
+                    <a:lumOff val="25000"/>
+                  </a:schemeClr>
+                </a:solidFill>
+              </a:rPr>
+              <a:t>Cinza</a:t>
+            </a:r>
+            <a:r>
+              <a:rPr lang="pt-BR" sz="1600" dirty="0" smtClean="0">
+                <a:solidFill>
+                  <a:schemeClr val="tx1">
+                    <a:lumMod val="75000"/>
+                    <a:lumOff val="25000"/>
+                  </a:schemeClr>
+                </a:solidFill>
+              </a:rPr>
+              <a:t>: Conflito</a:t>
+            </a:r>
+          </a:p>
+          <a:p>
+            <a:r>
+              <a:rPr lang="pt-BR" sz="1600" dirty="0" smtClean="0">
+                <a:solidFill>
+                  <a:srgbClr val="FF0000"/>
+                </a:solidFill>
+              </a:rPr>
+              <a:t>Vermelho</a:t>
+            </a:r>
+            <a:r>
+              <a:rPr lang="pt-BR" sz="1600" dirty="0" smtClean="0">
+                <a:solidFill>
+                  <a:schemeClr val="tx1">
+                    <a:lumMod val="75000"/>
+                    <a:lumOff val="25000"/>
+                  </a:schemeClr>
+                </a:solidFill>
+              </a:rPr>
+              <a:t>: Descartado</a:t>
+            </a:r>
+            <a:endParaRPr lang="en-US" sz="1600" dirty="0">
+              <a:solidFill>
+                <a:srgbClr val="FF0000"/>
+              </a:solidFill>
+            </a:endParaRPr>
+          </a:p>
+        </p:txBody>
+      </p:sp>
+      <p:pic>
+        <p:nvPicPr>
+          <p:cNvPr id="4" name="Picture 3"/>
+          <p:cNvPicPr>
+            <a:picLocks noChangeAspect="1"/>
+          </p:cNvPicPr>
+          <p:nvPr/>
+        </p:nvPicPr>
+        <p:blipFill>
+          <a:blip r:embed="rId3">
+            <a:extLst>
+              <a:ext uri="{28A0092B-C50C-407E-A947-70E740481C1C}">
+                <a14:useLocalDpi xmlns:a14="http://schemas.microsoft.com/office/drawing/2010/main" val="0"/>
+              </a:ext>
+            </a:extLst>
+          </a:blip>
+          <a:stretch>
+            <a:fillRect/>
+          </a:stretch>
+        </p:blipFill>
+        <p:spPr>
+          <a:xfrm>
+            <a:off x="5679581" y="1818055"/>
+            <a:ext cx="5371890" cy="3119161"/>
+          </a:xfrm>
+          <a:prstGeom prst="rect">
+            <a:avLst/>
+          </a:prstGeom>
+        </p:spPr>
+      </p:pic>
+    </p:spTree>
+    <p:extLst>
+      <p:ext uri="{BB962C8B-B14F-4D97-AF65-F5344CB8AC3E}">
+        <p14:creationId xmlns:p14="http://schemas.microsoft.com/office/powerpoint/2010/main" val="1439131429"/>
+      </p:ext>
+    </p:extLst>
+  </p:cSld>
+  <p:clrMapOvr>
+    <a:masterClrMapping/>
+  </p:clrMapOvr>
+  <p:timing>
+    <p:tnLst>
+      <p:par>
+        <p:cTn id="1" dur="indefinite" restart="never" nodeType="tmRoot"/>
+      </p:par>
+    </p:tnLst>
+  </p:timing>
+</p:sld>
+</file>
+
+<file path=ppt/slides/slide25.xml><?xml version="1.0" encoding="utf-8"?>
+<p:sld xmlns:a="http://schemas.openxmlformats.org/drawingml/2006/main" xmlns:r="http://schemas.openxmlformats.org/officeDocument/2006/relationships" xmlns:p="http://schemas.openxmlformats.org/presentationml/2006/main">
+  <p:cSld>
+    <p:spTree>
+      <p:nvGrpSpPr>
+        <p:cNvPr id="1" name=""/>
+        <p:cNvGrpSpPr/>
+        <p:nvPr/>
+      </p:nvGrpSpPr>
+      <p:grpSpPr>
+        <a:xfrm>
+          <a:off x="0" y="0"/>
+          <a:ext cx="0" cy="0"/>
+          <a:chOff x="0" y="0"/>
+          <a:chExt cx="0" cy="0"/>
+        </a:xfrm>
+      </p:grpSpPr>
+      <p:sp>
+        <p:nvSpPr>
+          <p:cNvPr id="2" name="Title 1"/>
+          <p:cNvSpPr>
+            <a:spLocks noGrp="1"/>
+          </p:cNvSpPr>
+          <p:nvPr>
+            <p:ph type="title"/>
+          </p:nvPr>
+        </p:nvSpPr>
+        <p:spPr/>
+        <p:txBody>
+          <a:bodyPr>
+            <a:normAutofit/>
+          </a:bodyPr>
+          <a:lstStyle/>
+          <a:p>
+            <a:r>
+              <a:rPr lang="pt-BR" sz="4000" dirty="0"/>
+              <a:t>Proposta - </a:t>
+            </a:r>
+            <a:r>
+              <a:rPr lang="en-US" sz="4000" i="1" dirty="0"/>
+              <a:t>Modified Adaptive Query Tree </a:t>
+            </a:r>
+            <a:r>
+              <a:rPr lang="en-US" sz="4000" dirty="0"/>
+              <a:t>(MAQT)</a:t>
+            </a:r>
+          </a:p>
+        </p:txBody>
+      </p:sp>
+      <mc:AlternateContent xmlns:mc="http://schemas.openxmlformats.org/markup-compatibility/2006">
+        <mc:Choice xmlns:a14="http://schemas.microsoft.com/office/drawing/2010/main" Requires="a14">
+          <p:sp>
+            <p:nvSpPr>
+              <p:cNvPr id="3" name="Content Placeholder 2"/>
+              <p:cNvSpPr>
+                <a:spLocks noGrp="1"/>
+              </p:cNvSpPr>
+              <p:nvPr>
+                <p:ph idx="1"/>
+              </p:nvPr>
+            </p:nvSpPr>
+            <p:spPr>
+              <a:xfrm>
+                <a:off x="1097280" y="1845734"/>
+                <a:ext cx="4582302" cy="4168700"/>
+              </a:xfrm>
+            </p:spPr>
+            <p:txBody>
+              <a:bodyPr>
+                <a:normAutofit/>
+              </a:bodyPr>
+              <a:lstStyle/>
+              <a:p>
+                <a:pPr lvl="1">
+                  <a:buFont typeface="Arial" panose="020B0604020202020204" pitchFamily="34" charset="0"/>
+                  <a:buChar char="•"/>
+                </a:pPr>
+                <a:r>
+                  <a:rPr lang="pt-BR" sz="3200" dirty="0" smtClean="0"/>
+                  <a:t>Exemplo</a:t>
+                </a:r>
+              </a:p>
+              <a:p>
+                <a:pPr lvl="2">
+                  <a:buFont typeface="Arial" panose="020B0604020202020204" pitchFamily="34" charset="0"/>
+                  <a:buChar char="•"/>
+                </a:pPr>
+                <a:r>
+                  <a:rPr lang="pt-BR" sz="2800" dirty="0" err="1" smtClean="0"/>
+                  <a:t>Tags</a:t>
+                </a:r>
+                <a:r>
+                  <a:rPr lang="pt-BR" sz="2800" dirty="0" smtClean="0"/>
+                  <a:t>: {</a:t>
+                </a:r>
+                <a:r>
+                  <a:rPr lang="pt-BR" sz="2800" strike="sngStrike" dirty="0" smtClean="0"/>
+                  <a:t>000100</a:t>
+                </a:r>
+                <a:r>
+                  <a:rPr lang="pt-BR" sz="2800" dirty="0" smtClean="0"/>
+                  <a:t>,</a:t>
+                </a:r>
+                <a:r>
+                  <a:rPr lang="pt-BR" sz="2800" strike="sngStrike" dirty="0" smtClean="0"/>
+                  <a:t>000011</a:t>
+                </a:r>
+                <a:r>
+                  <a:rPr lang="pt-BR" sz="2800" dirty="0" smtClean="0"/>
+                  <a:t>,</a:t>
+                </a:r>
+                <a:r>
+                  <a:rPr lang="pt-BR" sz="2800" strike="sngStrike" dirty="0" smtClean="0"/>
+                  <a:t>001010</a:t>
+                </a:r>
+                <a:r>
+                  <a:rPr lang="pt-BR" sz="2800" dirty="0" smtClean="0"/>
+                  <a:t>,</a:t>
+                </a:r>
+                <a:r>
+                  <a:rPr lang="pt-BR" sz="2800" strike="sngStrike" dirty="0" smtClean="0"/>
+                  <a:t>001101</a:t>
+                </a:r>
+                <a:r>
+                  <a:rPr lang="pt-BR" sz="2800" dirty="0" smtClean="0"/>
+                  <a:t>,</a:t>
+                </a:r>
+                <a:r>
+                  <a:rPr lang="pt-BR" sz="2800" strike="sngStrike" dirty="0" smtClean="0"/>
+                  <a:t>000000</a:t>
+                </a:r>
+                <a:r>
+                  <a:rPr lang="pt-BR" sz="2800" dirty="0" smtClean="0"/>
+                  <a:t>,</a:t>
+                </a:r>
+                <a:r>
+                  <a:rPr lang="pt-BR" sz="2800" strike="sngStrike" dirty="0" smtClean="0"/>
+                  <a:t>001000</a:t>
+                </a:r>
+                <a:r>
+                  <a:rPr lang="pt-BR" sz="2800" dirty="0" smtClean="0"/>
+                  <a:t>,</a:t>
+                </a:r>
+                <a:r>
+                  <a:rPr lang="pt-BR" sz="2800" strike="sngStrike" dirty="0" smtClean="0"/>
+                  <a:t>000101</a:t>
+                </a:r>
+                <a:r>
+                  <a:rPr lang="pt-BR" sz="2800" dirty="0" smtClean="0"/>
+                  <a:t>,</a:t>
+                </a:r>
+                <a:r>
+                  <a:rPr lang="pt-BR" sz="2800" strike="sngStrike" dirty="0" smtClean="0"/>
+                  <a:t>001001</a:t>
+                </a:r>
+                <a:r>
+                  <a:rPr lang="pt-BR" sz="2800" dirty="0" smtClean="0"/>
+                  <a:t>,</a:t>
+                </a:r>
+                <a:r>
+                  <a:rPr lang="pt-BR" sz="2800" strike="sngStrike" dirty="0" smtClean="0"/>
+                  <a:t>000001</a:t>
+                </a:r>
+                <a:r>
+                  <a:rPr lang="pt-BR" sz="2800" dirty="0" smtClean="0"/>
+                  <a:t>}</a:t>
+                </a:r>
+              </a:p>
+              <a:p>
+                <a:pPr lvl="2">
+                  <a:buFont typeface="Arial" panose="020B0604020202020204" pitchFamily="34" charset="0"/>
+                  <a:buChar char="•"/>
+                </a:pPr>
+                <a:r>
+                  <a:rPr lang="pt-BR" sz="2800" dirty="0" smtClean="0"/>
+                  <a:t>Queries: &lt;001000</a:t>
+                </a:r>
+                <a:r>
+                  <a:rPr lang="pt-BR" sz="2800" dirty="0"/>
+                  <a:t>, </a:t>
+                </a:r>
+                <a:r>
+                  <a:rPr lang="pt-BR" sz="2800" dirty="0" smtClean="0"/>
+                  <a:t>001001&gt;</a:t>
+                </a:r>
+                <a:endParaRPr lang="pt-BR" sz="2800" dirty="0" smtClean="0">
+                  <a:ea typeface="Cambria Math" panose="02040503050406030204" pitchFamily="18" charset="0"/>
+                </a:endParaRPr>
+              </a:p>
+              <a:p>
+                <a:pPr lvl="2">
+                  <a:buFont typeface="Arial" panose="020B0604020202020204" pitchFamily="34" charset="0"/>
+                  <a:buChar char="•"/>
+                </a:pPr>
+                <a14:m>
+                  <m:oMath xmlns:m="http://schemas.openxmlformats.org/officeDocument/2006/math">
+                    <m:d>
+                      <m:dPr>
+                        <m:begChr m:val="|"/>
+                        <m:endChr m:val="|"/>
+                        <m:ctrlPr>
+                          <a:rPr lang="pt-BR" sz="2800" b="0" i="1" smtClean="0">
+                            <a:latin typeface="Cambria Math" panose="02040503050406030204" pitchFamily="18" charset="0"/>
+                          </a:rPr>
+                        </m:ctrlPr>
+                      </m:dPr>
+                      <m:e>
+                        <m:r>
+                          <a:rPr lang="pt-BR" sz="2800" b="0" i="1" smtClean="0">
+                            <a:latin typeface="Cambria Math" panose="02040503050406030204" pitchFamily="18" charset="0"/>
+                          </a:rPr>
+                          <m:t>𝑞</m:t>
+                        </m:r>
+                      </m:e>
+                    </m:d>
+                    <m:r>
+                      <a:rPr lang="pt-BR" sz="2800" i="1" smtClean="0">
+                        <a:latin typeface="Cambria Math" panose="02040503050406030204" pitchFamily="18" charset="0"/>
+                        <a:ea typeface="Cambria Math" panose="02040503050406030204" pitchFamily="18" charset="0"/>
+                      </a:rPr>
+                      <m:t>&gt;</m:t>
+                    </m:r>
+                    <m:sSub>
+                      <m:sSubPr>
+                        <m:ctrlPr>
+                          <a:rPr lang="pt-BR" sz="2800" b="0" i="1" smtClean="0">
+                            <a:latin typeface="Cambria Math" panose="02040503050406030204" pitchFamily="18" charset="0"/>
+                          </a:rPr>
+                        </m:ctrlPr>
+                      </m:sSubPr>
+                      <m:e>
+                        <m:r>
+                          <a:rPr lang="pt-BR" sz="2800" b="0" i="1" smtClean="0">
+                            <a:latin typeface="Cambria Math" panose="02040503050406030204" pitchFamily="18" charset="0"/>
+                          </a:rPr>
+                          <m:t>𝑙</m:t>
+                        </m:r>
+                      </m:e>
+                      <m:sub>
+                        <m:r>
+                          <a:rPr lang="pt-BR" sz="2800" b="0" i="1" smtClean="0">
+                            <a:latin typeface="Cambria Math" panose="02040503050406030204" pitchFamily="18" charset="0"/>
+                          </a:rPr>
+                          <m:t>𝑓</m:t>
+                        </m:r>
+                      </m:sub>
+                    </m:sSub>
+                    <m:r>
+                      <a:rPr lang="pt-BR" sz="2800" b="0" i="1" smtClean="0">
+                        <a:latin typeface="Cambria Math" panose="02040503050406030204" pitchFamily="18" charset="0"/>
+                      </a:rPr>
+                      <m:t> →</m:t>
+                    </m:r>
+                  </m:oMath>
+                </a14:m>
+                <a:r>
+                  <a:rPr lang="pt-BR" sz="2800" dirty="0" smtClean="0"/>
+                  <a:t> BAQT</a:t>
+                </a:r>
+              </a:p>
+              <a:p>
+                <a:pPr lvl="2">
+                  <a:buFont typeface="Arial" panose="020B0604020202020204" pitchFamily="34" charset="0"/>
+                  <a:buChar char="•"/>
+                </a:pPr>
+                <a:r>
+                  <a:rPr lang="pt-BR" sz="2800" dirty="0" err="1" smtClean="0"/>
+                  <a:t>Queue</a:t>
+                </a:r>
+                <a:r>
+                  <a:rPr lang="pt-BR" sz="2800" dirty="0"/>
+                  <a:t>: </a:t>
+                </a:r>
+                <a:r>
+                  <a:rPr lang="pt-BR" sz="2800" dirty="0" smtClean="0"/>
+                  <a:t>{}</a:t>
+                </a:r>
+              </a:p>
+              <a:p>
+                <a:pPr lvl="1">
+                  <a:buFont typeface="Arial" panose="020B0604020202020204" pitchFamily="34" charset="0"/>
+                  <a:buChar char="•"/>
+                </a:pPr>
+                <a:endParaRPr lang="en-US" sz="3200" dirty="0"/>
+              </a:p>
+            </p:txBody>
+          </p:sp>
+        </mc:Choice>
+        <mc:Fallback>
+          <p:sp>
+            <p:nvSpPr>
+              <p:cNvPr id="3" name="Content Placeholder 2"/>
+              <p:cNvSpPr>
+                <a:spLocks noGrp="1" noRot="1" noChangeAspect="1" noMove="1" noResize="1" noEditPoints="1" noAdjustHandles="1" noChangeArrowheads="1" noChangeShapeType="1" noTextEdit="1"/>
+              </p:cNvSpPr>
+              <p:nvPr>
+                <p:ph idx="1"/>
+              </p:nvPr>
+            </p:nvSpPr>
+            <p:spPr>
+              <a:xfrm>
+                <a:off x="1097280" y="1845734"/>
+                <a:ext cx="4582302" cy="4168700"/>
+              </a:xfrm>
+              <a:blipFill rotWithShape="0">
+                <a:blip r:embed="rId2"/>
+                <a:stretch>
+                  <a:fillRect l="-665" t="-3070" r="-3590"/>
+                </a:stretch>
+              </a:blipFill>
+            </p:spPr>
+            <p:txBody>
+              <a:bodyPr/>
+              <a:lstStyle/>
+              <a:p>
+                <a:r>
+                  <a:rPr lang="en-US">
+                    <a:noFill/>
+                  </a:rPr>
+                  <a:t> </a:t>
+                </a:r>
+              </a:p>
+            </p:txBody>
+          </p:sp>
+        </mc:Fallback>
+      </mc:AlternateContent>
+      <p:sp>
+        <p:nvSpPr>
+          <p:cNvPr id="8" name="TextBox 7"/>
+          <p:cNvSpPr txBox="1"/>
+          <p:nvPr/>
+        </p:nvSpPr>
+        <p:spPr>
+          <a:xfrm>
+            <a:off x="5679581" y="5045590"/>
+            <a:ext cx="5476097" cy="1077218"/>
+          </a:xfrm>
+          <a:prstGeom prst="rect">
+            <a:avLst/>
+          </a:prstGeom>
+          <a:noFill/>
+        </p:spPr>
+        <p:txBody>
+          <a:bodyPr wrap="square" rtlCol="0">
+            <a:spAutoFit/>
+          </a:bodyPr>
+          <a:lstStyle/>
+          <a:p>
+            <a:r>
+              <a:rPr lang="pt-BR" sz="1600" b="1" dirty="0" smtClean="0">
+                <a:solidFill>
+                  <a:schemeClr val="tx1">
+                    <a:lumMod val="75000"/>
+                    <a:lumOff val="25000"/>
+                  </a:schemeClr>
+                </a:solidFill>
+              </a:rPr>
+              <a:t>Preto</a:t>
+            </a:r>
+            <a:r>
+              <a:rPr lang="pt-BR" sz="1600" dirty="0" smtClean="0">
+                <a:solidFill>
+                  <a:schemeClr val="tx1">
+                    <a:lumMod val="75000"/>
+                    <a:lumOff val="25000"/>
+                  </a:schemeClr>
+                </a:solidFill>
+              </a:rPr>
+              <a:t>: Sucesso</a:t>
+            </a:r>
+          </a:p>
+          <a:p>
+            <a:r>
+              <a:rPr lang="pt-BR" sz="1600" dirty="0" smtClean="0">
+                <a:solidFill>
+                  <a:schemeClr val="tx1">
+                    <a:lumMod val="75000"/>
+                    <a:lumOff val="25000"/>
+                  </a:schemeClr>
+                </a:solidFill>
+              </a:rPr>
+              <a:t>Branco: Ocioso</a:t>
+            </a:r>
+          </a:p>
+          <a:p>
+            <a:r>
+              <a:rPr lang="pt-BR" sz="1600" u="sng" dirty="0" smtClean="0">
+                <a:solidFill>
+                  <a:schemeClr val="tx1">
+                    <a:lumMod val="75000"/>
+                    <a:lumOff val="25000"/>
+                  </a:schemeClr>
+                </a:solidFill>
+              </a:rPr>
+              <a:t>Cinza</a:t>
+            </a:r>
+            <a:r>
+              <a:rPr lang="pt-BR" sz="1600" dirty="0" smtClean="0">
+                <a:solidFill>
+                  <a:schemeClr val="tx1">
+                    <a:lumMod val="75000"/>
+                    <a:lumOff val="25000"/>
+                  </a:schemeClr>
+                </a:solidFill>
+              </a:rPr>
+              <a:t>: Conflito</a:t>
+            </a:r>
+          </a:p>
+          <a:p>
+            <a:r>
+              <a:rPr lang="pt-BR" sz="1600" dirty="0" smtClean="0">
+                <a:solidFill>
+                  <a:srgbClr val="FF0000"/>
+                </a:solidFill>
+              </a:rPr>
+              <a:t>Vermelho</a:t>
+            </a:r>
+            <a:r>
+              <a:rPr lang="pt-BR" sz="1600" dirty="0" smtClean="0">
+                <a:solidFill>
+                  <a:schemeClr val="tx1">
+                    <a:lumMod val="75000"/>
+                    <a:lumOff val="25000"/>
+                  </a:schemeClr>
+                </a:solidFill>
+              </a:rPr>
+              <a:t>: Descartado</a:t>
+            </a:r>
+            <a:endParaRPr lang="en-US" sz="1600" dirty="0">
+              <a:solidFill>
+                <a:srgbClr val="FF0000"/>
+              </a:solidFill>
+            </a:endParaRPr>
+          </a:p>
+        </p:txBody>
+      </p:sp>
+      <p:pic>
+        <p:nvPicPr>
+          <p:cNvPr id="5" name="Picture 4"/>
+          <p:cNvPicPr>
+            <a:picLocks noChangeAspect="1"/>
+          </p:cNvPicPr>
+          <p:nvPr/>
+        </p:nvPicPr>
+        <p:blipFill>
+          <a:blip r:embed="rId3">
+            <a:extLst>
+              <a:ext uri="{28A0092B-C50C-407E-A947-70E740481C1C}">
+                <a14:useLocalDpi xmlns:a14="http://schemas.microsoft.com/office/drawing/2010/main" val="0"/>
+              </a:ext>
+            </a:extLst>
+          </a:blip>
+          <a:stretch>
+            <a:fillRect/>
+          </a:stretch>
+        </p:blipFill>
+        <p:spPr>
+          <a:xfrm>
+            <a:off x="5679581" y="1845734"/>
+            <a:ext cx="5371890" cy="3119162"/>
+          </a:xfrm>
+          <a:prstGeom prst="rect">
+            <a:avLst/>
+          </a:prstGeom>
+        </p:spPr>
+      </p:pic>
+    </p:spTree>
+    <p:extLst>
+      <p:ext uri="{BB962C8B-B14F-4D97-AF65-F5344CB8AC3E}">
+        <p14:creationId xmlns:p14="http://schemas.microsoft.com/office/powerpoint/2010/main" val="2510617567"/>
+      </p:ext>
+    </p:extLst>
+  </p:cSld>
+  <p:clrMapOvr>
+    <a:masterClrMapping/>
+  </p:clrMapOvr>
+  <p:timing>
+    <p:tnLst>
+      <p:par>
+        <p:cTn id="1" dur="indefinite" restart="never" nodeType="tmRoot"/>
+      </p:par>
+    </p:tnLst>
+  </p:timing>
+</p:sld>
+</file>
+
+<file path=ppt/slides/slide26.xml><?xml version="1.0" encoding="utf-8"?>
+<p:sld xmlns:a="http://schemas.openxmlformats.org/drawingml/2006/main" xmlns:r="http://schemas.openxmlformats.org/officeDocument/2006/relationships" xmlns:p="http://schemas.openxmlformats.org/presentationml/2006/main">
+  <p:cSld>
+    <p:spTree>
+      <p:nvGrpSpPr>
+        <p:cNvPr id="1" name=""/>
+        <p:cNvGrpSpPr/>
+        <p:nvPr/>
+      </p:nvGrpSpPr>
+      <p:grpSpPr>
+        <a:xfrm>
+          <a:off x="0" y="0"/>
+          <a:ext cx="0" cy="0"/>
+          <a:chOff x="0" y="0"/>
+          <a:chExt cx="0" cy="0"/>
+        </a:xfrm>
+      </p:grpSpPr>
+      <p:sp>
+        <p:nvSpPr>
+          <p:cNvPr id="2" name="Title 1"/>
+          <p:cNvSpPr>
+            <a:spLocks noGrp="1"/>
+          </p:cNvSpPr>
+          <p:nvPr>
+            <p:ph type="title"/>
+          </p:nvPr>
+        </p:nvSpPr>
+        <p:spPr/>
+        <p:txBody>
           <a:bodyPr/>
           <a:lstStyle/>
           <a:p>
@@ -7695,7 +10760,7 @@
 </p:sld>
 </file>
 
-<file path=ppt/slides/slide21.xml><?xml version="1.0" encoding="utf-8"?>
+<file path=ppt/slides/slide27.xml><?xml version="1.0" encoding="utf-8"?>
 <p:sld xmlns:a="http://schemas.openxmlformats.org/drawingml/2006/main" xmlns:r="http://schemas.openxmlformats.org/officeDocument/2006/relationships" xmlns:p="http://schemas.openxmlformats.org/presentationml/2006/main">
   <p:cSld>
     <p:spTree>

--- a/Presentation/A New Adaptive Query Tree on Resolving RFID.pptx
+++ b/Presentation/A New Adaptive Query Tree on Resolving RFID.pptx
@@ -31,7 +31,9 @@
     <p:sldId id="283" r:id="rId25"/>
     <p:sldId id="284" r:id="rId26"/>
     <p:sldId id="265" r:id="rId27"/>
-    <p:sldId id="266" r:id="rId28"/>
+    <p:sldId id="285" r:id="rId28"/>
+    <p:sldId id="266" r:id="rId29"/>
+    <p:sldId id="286" r:id="rId30"/>
   </p:sldIdLst>
   <p:sldSz cx="12192000" cy="6858000"/>
   <p:notesSz cx="6858000" cy="9144000"/>
@@ -7720,7 +7722,7 @@
         <p:spPr/>
         <p:txBody>
           <a:bodyPr>
-            <a:normAutofit/>
+            <a:normAutofit lnSpcReduction="10000"/>
           </a:bodyPr>
           <a:lstStyle/>
           <a:p>
@@ -7904,6 +7906,16 @@
             <a:r>
               <a:rPr lang="pt-BR" sz="3200" dirty="0" smtClean="0"/>
               <a:t>Conclusão</a:t>
+            </a:r>
+          </a:p>
+          <a:p>
+            <a:pPr lvl="1">
+              <a:buFont typeface="Arial" panose="020B0604020202020204" pitchFamily="34" charset="0"/>
+              <a:buChar char="•"/>
+            </a:pPr>
+            <a:r>
+              <a:rPr lang="pt-BR" sz="3200" smtClean="0"/>
+              <a:t>Referências</a:t>
             </a:r>
             <a:endParaRPr lang="en-US" sz="3200" dirty="0"/>
           </a:p>
@@ -10731,15 +10743,493 @@
             <p:ph idx="1"/>
           </p:nvPr>
         </p:nvSpPr>
-        <p:spPr/>
+        <p:spPr>
+          <a:xfrm>
+            <a:off x="1097281" y="1845734"/>
+            <a:ext cx="4479271" cy="4023360"/>
+          </a:xfrm>
+        </p:spPr>
         <p:txBody>
-          <a:bodyPr/>
+          <a:bodyPr>
+            <a:normAutofit/>
+          </a:bodyPr>
           <a:lstStyle/>
           <a:p>
-            <a:endParaRPr lang="en-US"/>
+            <a:r>
+              <a:rPr lang="pt-BR" sz="2800" dirty="0" smtClean="0"/>
+              <a:t>4 protocolos foram testados:</a:t>
+            </a:r>
+          </a:p>
+          <a:p>
+            <a:pPr lvl="1"/>
+            <a:r>
+              <a:rPr lang="pt-BR" sz="2400" dirty="0" smtClean="0"/>
+              <a:t>BQT</a:t>
+            </a:r>
+          </a:p>
+          <a:p>
+            <a:pPr lvl="1"/>
+            <a:r>
+              <a:rPr lang="pt-BR" sz="2400" dirty="0" smtClean="0"/>
+              <a:t>MQT (com M = 16)</a:t>
+            </a:r>
+          </a:p>
+          <a:p>
+            <a:pPr lvl="1"/>
+            <a:r>
+              <a:rPr lang="pt-BR" sz="2400" dirty="0" smtClean="0"/>
+              <a:t>BAQT</a:t>
+            </a:r>
+          </a:p>
+          <a:p>
+            <a:pPr lvl="1"/>
+            <a:r>
+              <a:rPr lang="pt-BR" sz="2400" dirty="0" smtClean="0"/>
+              <a:t>MAQT</a:t>
+            </a:r>
+          </a:p>
+          <a:p>
+            <a:pPr lvl="1"/>
+            <a:endParaRPr lang="pt-BR" sz="2400" dirty="0"/>
+          </a:p>
+          <a:p>
+            <a:r>
+              <a:rPr lang="pt-BR" sz="2800" dirty="0" smtClean="0"/>
+              <a:t>Experimento 1: </a:t>
+            </a:r>
+          </a:p>
+          <a:p>
+            <a:pPr lvl="1"/>
+            <a:r>
+              <a:rPr lang="pt-BR" sz="2600" dirty="0" smtClean="0"/>
+              <a:t>Ids das etiquetas gerados randomicamente (96 bits)</a:t>
+            </a:r>
           </a:p>
         </p:txBody>
       </p:sp>
+      <p:pic>
+        <p:nvPicPr>
+          <p:cNvPr id="4" name="Picture 3"/>
+          <p:cNvPicPr>
+            <a:picLocks noChangeAspect="1"/>
+          </p:cNvPicPr>
+          <p:nvPr/>
+        </p:nvPicPr>
+        <p:blipFill>
+          <a:blip r:embed="rId2">
+            <a:extLst>
+              <a:ext uri="{28A0092B-C50C-407E-A947-70E740481C1C}">
+                <a14:useLocalDpi xmlns:a14="http://schemas.microsoft.com/office/drawing/2010/main" val="0"/>
+              </a:ext>
+            </a:extLst>
+          </a:blip>
+          <a:stretch>
+            <a:fillRect/>
+          </a:stretch>
+        </p:blipFill>
+        <p:spPr>
+          <a:xfrm>
+            <a:off x="5434884" y="1845734"/>
+            <a:ext cx="5937161" cy="2534440"/>
+          </a:xfrm>
+          <a:prstGeom prst="rect">
+            <a:avLst/>
+          </a:prstGeom>
+        </p:spPr>
+      </p:pic>
+      <mc:AlternateContent xmlns:mc="http://schemas.openxmlformats.org/markup-compatibility/2006">
+        <mc:Choice xmlns:a14="http://schemas.microsoft.com/office/drawing/2010/main" Requires="a14">
+          <p:sp>
+            <p:nvSpPr>
+              <p:cNvPr id="5" name="TextBox 4"/>
+              <p:cNvSpPr txBox="1"/>
+              <p:nvPr/>
+            </p:nvSpPr>
+            <p:spPr>
+              <a:xfrm>
+                <a:off x="5576552" y="4893972"/>
+                <a:ext cx="5579128" cy="923330"/>
+              </a:xfrm>
+              <a:prstGeom prst="rect">
+                <a:avLst/>
+              </a:prstGeom>
+              <a:noFill/>
+            </p:spPr>
+            <p:txBody>
+              <a:bodyPr wrap="square" rtlCol="0">
+                <a:spAutoFit/>
+              </a:bodyPr>
+              <a:lstStyle/>
+              <a:p>
+                <a14:m>
+                  <m:oMath xmlns:m="http://schemas.openxmlformats.org/officeDocument/2006/math">
+                    <m:sSub>
+                      <m:sSubPr>
+                        <m:ctrlPr>
+                          <a:rPr lang="en-US" i="1" smtClean="0">
+                            <a:solidFill>
+                              <a:schemeClr val="tx1">
+                                <a:lumMod val="75000"/>
+                                <a:lumOff val="25000"/>
+                              </a:schemeClr>
+                            </a:solidFill>
+                            <a:latin typeface="Cambria Math" panose="02040503050406030204" pitchFamily="18" charset="0"/>
+                          </a:rPr>
+                        </m:ctrlPr>
+                      </m:sSubPr>
+                      <m:e>
+                        <m:r>
+                          <a:rPr lang="pt-BR" b="0" i="1" smtClean="0">
+                            <a:solidFill>
+                              <a:schemeClr val="tx1">
+                                <a:lumMod val="75000"/>
+                                <a:lumOff val="25000"/>
+                              </a:schemeClr>
+                            </a:solidFill>
+                            <a:latin typeface="Cambria Math" panose="02040503050406030204" pitchFamily="18" charset="0"/>
+                          </a:rPr>
+                          <m:t>𝑁</m:t>
+                        </m:r>
+                      </m:e>
+                      <m:sub>
+                        <m:r>
+                          <a:rPr lang="pt-BR" b="0" i="1" smtClean="0">
+                            <a:solidFill>
+                              <a:schemeClr val="tx1">
+                                <a:lumMod val="75000"/>
+                                <a:lumOff val="25000"/>
+                              </a:schemeClr>
+                            </a:solidFill>
+                            <a:latin typeface="Cambria Math" panose="02040503050406030204" pitchFamily="18" charset="0"/>
+                          </a:rPr>
+                          <m:t>𝐶</m:t>
+                        </m:r>
+                      </m:sub>
+                    </m:sSub>
+                  </m:oMath>
+                </a14:m>
+                <a:r>
+                  <a:rPr lang="en-US" dirty="0" smtClean="0">
+                    <a:solidFill>
+                      <a:schemeClr val="tx1">
+                        <a:lumMod val="75000"/>
+                        <a:lumOff val="25000"/>
+                      </a:schemeClr>
+                    </a:solidFill>
+                  </a:rPr>
+                  <a:t> : </a:t>
+                </a:r>
+                <a:r>
+                  <a:rPr lang="en-US" dirty="0" err="1" smtClean="0">
+                    <a:solidFill>
+                      <a:schemeClr val="tx1">
+                        <a:lumMod val="75000"/>
+                        <a:lumOff val="25000"/>
+                      </a:schemeClr>
+                    </a:solidFill>
+                  </a:rPr>
+                  <a:t>ciclos</a:t>
+                </a:r>
+                <a:r>
+                  <a:rPr lang="en-US" dirty="0" smtClean="0">
+                    <a:solidFill>
+                      <a:schemeClr val="tx1">
+                        <a:lumMod val="75000"/>
+                        <a:lumOff val="25000"/>
+                      </a:schemeClr>
+                    </a:solidFill>
+                  </a:rPr>
+                  <a:t> </a:t>
+                </a:r>
+                <a:r>
+                  <a:rPr lang="en-US" dirty="0" err="1" smtClean="0">
+                    <a:solidFill>
+                      <a:schemeClr val="tx1">
+                        <a:lumMod val="75000"/>
+                        <a:lumOff val="25000"/>
+                      </a:schemeClr>
+                    </a:solidFill>
+                  </a:rPr>
+                  <a:t>em</a:t>
+                </a:r>
+                <a:r>
+                  <a:rPr lang="en-US" dirty="0" smtClean="0">
+                    <a:solidFill>
+                      <a:schemeClr val="tx1">
+                        <a:lumMod val="75000"/>
+                        <a:lumOff val="25000"/>
+                      </a:schemeClr>
+                    </a:solidFill>
+                  </a:rPr>
+                  <a:t> </a:t>
+                </a:r>
+                <a:r>
+                  <a:rPr lang="en-US" dirty="0" err="1" smtClean="0">
+                    <a:solidFill>
+                      <a:schemeClr val="tx1">
+                        <a:lumMod val="75000"/>
+                        <a:lumOff val="25000"/>
+                      </a:schemeClr>
+                    </a:solidFill>
+                  </a:rPr>
+                  <a:t>colisão</a:t>
+                </a:r>
+                <a:r>
+                  <a:rPr lang="en-US" dirty="0" smtClean="0">
+                    <a:solidFill>
+                      <a:schemeClr val="tx1">
+                        <a:lumMod val="75000"/>
+                        <a:lumOff val="25000"/>
+                      </a:schemeClr>
+                    </a:solidFill>
+                  </a:rPr>
+                  <a:t> </a:t>
+                </a:r>
+              </a:p>
+              <a:p>
+                <a14:m>
+                  <m:oMath xmlns:m="http://schemas.openxmlformats.org/officeDocument/2006/math">
+                    <m:sSub>
+                      <m:sSubPr>
+                        <m:ctrlPr>
+                          <a:rPr lang="en-US" i="1" smtClean="0">
+                            <a:solidFill>
+                              <a:schemeClr val="tx1">
+                                <a:lumMod val="75000"/>
+                                <a:lumOff val="25000"/>
+                              </a:schemeClr>
+                            </a:solidFill>
+                            <a:latin typeface="Cambria Math" panose="02040503050406030204" pitchFamily="18" charset="0"/>
+                          </a:rPr>
+                        </m:ctrlPr>
+                      </m:sSubPr>
+                      <m:e>
+                        <m:r>
+                          <a:rPr lang="pt-BR" b="0" i="1" smtClean="0">
+                            <a:solidFill>
+                              <a:schemeClr val="tx1">
+                                <a:lumMod val="75000"/>
+                                <a:lumOff val="25000"/>
+                              </a:schemeClr>
+                            </a:solidFill>
+                            <a:latin typeface="Cambria Math" panose="02040503050406030204" pitchFamily="18" charset="0"/>
+                          </a:rPr>
+                          <m:t>𝑁</m:t>
+                        </m:r>
+                      </m:e>
+                      <m:sub>
+                        <m:r>
+                          <a:rPr lang="pt-BR" b="0" i="1" smtClean="0">
+                            <a:solidFill>
+                              <a:schemeClr val="tx1">
+                                <a:lumMod val="75000"/>
+                                <a:lumOff val="25000"/>
+                              </a:schemeClr>
+                            </a:solidFill>
+                            <a:latin typeface="Cambria Math" panose="02040503050406030204" pitchFamily="18" charset="0"/>
+                          </a:rPr>
+                          <m:t>𝐼</m:t>
+                        </m:r>
+                      </m:sub>
+                    </m:sSub>
+                  </m:oMath>
+                </a14:m>
+                <a:r>
+                  <a:rPr lang="en-US" dirty="0" smtClean="0">
+                    <a:solidFill>
+                      <a:schemeClr val="tx1">
+                        <a:lumMod val="75000"/>
+                        <a:lumOff val="25000"/>
+                      </a:schemeClr>
+                    </a:solidFill>
+                  </a:rPr>
+                  <a:t> : </a:t>
+                </a:r>
+                <a:r>
+                  <a:rPr lang="en-US" dirty="0" err="1" smtClean="0">
+                    <a:solidFill>
+                      <a:schemeClr val="tx1">
+                        <a:lumMod val="75000"/>
+                        <a:lumOff val="25000"/>
+                      </a:schemeClr>
+                    </a:solidFill>
+                  </a:rPr>
+                  <a:t>ciclos</a:t>
+                </a:r>
+                <a:r>
+                  <a:rPr lang="en-US" dirty="0" smtClean="0">
+                    <a:solidFill>
+                      <a:schemeClr val="tx1">
+                        <a:lumMod val="75000"/>
+                        <a:lumOff val="25000"/>
+                      </a:schemeClr>
+                    </a:solidFill>
+                  </a:rPr>
+                  <a:t> </a:t>
+                </a:r>
+                <a:r>
+                  <a:rPr lang="en-US" dirty="0" err="1" smtClean="0">
+                    <a:solidFill>
+                      <a:schemeClr val="tx1">
+                        <a:lumMod val="75000"/>
+                        <a:lumOff val="25000"/>
+                      </a:schemeClr>
+                    </a:solidFill>
+                  </a:rPr>
+                  <a:t>ociosos</a:t>
+                </a:r>
+                <a:endParaRPr lang="en-US" dirty="0" smtClean="0">
+                  <a:solidFill>
+                    <a:schemeClr val="tx1">
+                      <a:lumMod val="75000"/>
+                      <a:lumOff val="25000"/>
+                    </a:schemeClr>
+                  </a:solidFill>
+                </a:endParaRPr>
+              </a:p>
+              <a:p>
+                <a14:m>
+                  <m:oMath xmlns:m="http://schemas.openxmlformats.org/officeDocument/2006/math">
+                    <m:sSub>
+                      <m:sSubPr>
+                        <m:ctrlPr>
+                          <a:rPr lang="en-US" i="1">
+                            <a:solidFill>
+                              <a:schemeClr val="tx1">
+                                <a:lumMod val="75000"/>
+                                <a:lumOff val="25000"/>
+                              </a:schemeClr>
+                            </a:solidFill>
+                            <a:latin typeface="Cambria Math" panose="02040503050406030204" pitchFamily="18" charset="0"/>
+                          </a:rPr>
+                        </m:ctrlPr>
+                      </m:sSubPr>
+                      <m:e>
+                        <m:r>
+                          <a:rPr lang="pt-BR" i="1">
+                            <a:solidFill>
+                              <a:schemeClr val="tx1">
+                                <a:lumMod val="75000"/>
+                                <a:lumOff val="25000"/>
+                              </a:schemeClr>
+                            </a:solidFill>
+                            <a:latin typeface="Cambria Math" panose="02040503050406030204" pitchFamily="18" charset="0"/>
+                          </a:rPr>
+                          <m:t>𝑁</m:t>
+                        </m:r>
+                      </m:e>
+                      <m:sub>
+                        <m:r>
+                          <a:rPr lang="pt-BR" b="0" i="1" smtClean="0">
+                            <a:solidFill>
+                              <a:schemeClr val="tx1">
+                                <a:lumMod val="75000"/>
+                                <a:lumOff val="25000"/>
+                              </a:schemeClr>
+                            </a:solidFill>
+                            <a:latin typeface="Cambria Math" panose="02040503050406030204" pitchFamily="18" charset="0"/>
+                          </a:rPr>
+                          <m:t>𝑇</m:t>
+                        </m:r>
+                      </m:sub>
+                    </m:sSub>
+                  </m:oMath>
+                </a14:m>
+                <a:r>
+                  <a:rPr lang="en-US" dirty="0" smtClean="0">
+                    <a:solidFill>
+                      <a:schemeClr val="tx1">
+                        <a:lumMod val="75000"/>
+                        <a:lumOff val="25000"/>
+                      </a:schemeClr>
+                    </a:solidFill>
+                  </a:rPr>
+                  <a:t> : </a:t>
+                </a:r>
+                <a:r>
+                  <a:rPr lang="en-US" dirty="0" err="1" smtClean="0">
+                    <a:solidFill>
+                      <a:schemeClr val="tx1">
+                        <a:lumMod val="75000"/>
+                        <a:lumOff val="25000"/>
+                      </a:schemeClr>
+                    </a:solidFill>
+                  </a:rPr>
+                  <a:t>ciclos</a:t>
+                </a:r>
+                <a:r>
+                  <a:rPr lang="en-US" dirty="0" smtClean="0">
+                    <a:solidFill>
+                      <a:schemeClr val="tx1">
+                        <a:lumMod val="75000"/>
+                        <a:lumOff val="25000"/>
+                      </a:schemeClr>
+                    </a:solidFill>
+                  </a:rPr>
+                  <a:t> </a:t>
+                </a:r>
+                <a:r>
+                  <a:rPr lang="en-US" dirty="0" err="1" smtClean="0">
+                    <a:solidFill>
+                      <a:schemeClr val="tx1">
+                        <a:lumMod val="75000"/>
+                        <a:lumOff val="25000"/>
+                      </a:schemeClr>
+                    </a:solidFill>
+                  </a:rPr>
+                  <a:t>totais</a:t>
+                </a:r>
+                <a:endParaRPr lang="en-US" dirty="0">
+                  <a:solidFill>
+                    <a:schemeClr val="tx1">
+                      <a:lumMod val="75000"/>
+                      <a:lumOff val="25000"/>
+                    </a:schemeClr>
+                  </a:solidFill>
+                </a:endParaRPr>
+              </a:p>
+            </p:txBody>
+          </p:sp>
+        </mc:Choice>
+        <mc:Fallback>
+          <p:sp>
+            <p:nvSpPr>
+              <p:cNvPr id="5" name="TextBox 4"/>
+              <p:cNvSpPr txBox="1">
+                <a:spLocks noRot="1" noChangeAspect="1" noMove="1" noResize="1" noEditPoints="1" noAdjustHandles="1" noChangeArrowheads="1" noChangeShapeType="1" noTextEdit="1"/>
+              </p:cNvSpPr>
+              <p:nvPr/>
+            </p:nvSpPr>
+            <p:spPr>
+              <a:xfrm>
+                <a:off x="5576552" y="4893972"/>
+                <a:ext cx="5579128" cy="923330"/>
+              </a:xfrm>
+              <a:prstGeom prst="rect">
+                <a:avLst/>
+              </a:prstGeom>
+              <a:blipFill rotWithShape="0">
+                <a:blip r:embed="rId3"/>
+                <a:stretch>
+                  <a:fillRect t="-3974" b="-9934"/>
+                </a:stretch>
+              </a:blipFill>
+            </p:spPr>
+            <p:txBody>
+              <a:bodyPr/>
+              <a:lstStyle/>
+              <a:p>
+                <a:r>
+                  <a:rPr lang="en-US">
+                    <a:noFill/>
+                  </a:rPr>
+                  <a:t> </a:t>
+                </a:r>
+              </a:p>
+            </p:txBody>
+          </p:sp>
+        </mc:Fallback>
+      </mc:AlternateContent>
     </p:spTree>
     <p:extLst>
       <p:ext uri="{BB962C8B-B14F-4D97-AF65-F5344CB8AC3E}">
@@ -10794,7 +11284,663 @@
           <a:p>
             <a:r>
               <a:rPr lang="pt-BR" dirty="0" smtClean="0"/>
+              <a:t>Experimentos</a:t>
+            </a:r>
+            <a:endParaRPr lang="en-US" dirty="0"/>
+          </a:p>
+        </p:txBody>
+      </p:sp>
+      <p:sp>
+        <p:nvSpPr>
+          <p:cNvPr id="3" name="Content Placeholder 2"/>
+          <p:cNvSpPr>
+            <a:spLocks noGrp="1"/>
+          </p:cNvSpPr>
+          <p:nvPr>
+            <p:ph idx="1"/>
+          </p:nvPr>
+        </p:nvSpPr>
+        <p:spPr>
+          <a:xfrm>
+            <a:off x="1097279" y="1845734"/>
+            <a:ext cx="4363363" cy="4023360"/>
+          </a:xfrm>
+        </p:spPr>
+        <p:txBody>
+          <a:bodyPr>
+            <a:normAutofit lnSpcReduction="10000"/>
+          </a:bodyPr>
+          <a:lstStyle/>
+          <a:p>
+            <a:r>
+              <a:rPr lang="pt-BR" sz="2800" dirty="0" smtClean="0"/>
+              <a:t>4 protocolos foram testados:</a:t>
+            </a:r>
+          </a:p>
+          <a:p>
+            <a:pPr lvl="1"/>
+            <a:r>
+              <a:rPr lang="pt-BR" sz="2400" dirty="0" smtClean="0"/>
+              <a:t>BQT</a:t>
+            </a:r>
+          </a:p>
+          <a:p>
+            <a:pPr lvl="1"/>
+            <a:r>
+              <a:rPr lang="pt-BR" sz="2400" dirty="0" smtClean="0"/>
+              <a:t>MQT (com M = 16)</a:t>
+            </a:r>
+          </a:p>
+          <a:p>
+            <a:pPr lvl="1"/>
+            <a:r>
+              <a:rPr lang="pt-BR" sz="2400" dirty="0" smtClean="0"/>
+              <a:t>BAQT</a:t>
+            </a:r>
+          </a:p>
+          <a:p>
+            <a:pPr lvl="1"/>
+            <a:r>
+              <a:rPr lang="pt-BR" sz="2400" dirty="0" smtClean="0"/>
+              <a:t>MAQT</a:t>
+            </a:r>
+          </a:p>
+          <a:p>
+            <a:pPr lvl="1"/>
+            <a:endParaRPr lang="pt-BR" sz="2400" dirty="0"/>
+          </a:p>
+          <a:p>
+            <a:r>
+              <a:rPr lang="pt-BR" sz="2800" dirty="0" smtClean="0"/>
+              <a:t>Experimento 2: </a:t>
+            </a:r>
+          </a:p>
+          <a:p>
+            <a:pPr lvl="1"/>
+            <a:r>
+              <a:rPr lang="pt-BR" sz="2600" dirty="0" smtClean="0"/>
+              <a:t>Ids similares (60 bits idênticos + 36 bits gerados randomicamente)</a:t>
+            </a:r>
+          </a:p>
+        </p:txBody>
+      </p:sp>
+      <p:pic>
+        <p:nvPicPr>
+          <p:cNvPr id="4" name="Picture 3"/>
+          <p:cNvPicPr>
+            <a:picLocks noChangeAspect="1"/>
+          </p:cNvPicPr>
+          <p:nvPr/>
+        </p:nvPicPr>
+        <p:blipFill>
+          <a:blip r:embed="rId2">
+            <a:extLst>
+              <a:ext uri="{28A0092B-C50C-407E-A947-70E740481C1C}">
+                <a14:useLocalDpi xmlns:a14="http://schemas.microsoft.com/office/drawing/2010/main" val="0"/>
+              </a:ext>
+            </a:extLst>
+          </a:blip>
+          <a:stretch>
+            <a:fillRect/>
+          </a:stretch>
+        </p:blipFill>
+        <p:spPr>
+          <a:xfrm>
+            <a:off x="5370490" y="1948764"/>
+            <a:ext cx="5962918" cy="2451933"/>
+          </a:xfrm>
+          <a:prstGeom prst="rect">
+            <a:avLst/>
+          </a:prstGeom>
+        </p:spPr>
+      </p:pic>
+      <mc:AlternateContent xmlns:mc="http://schemas.openxmlformats.org/markup-compatibility/2006">
+        <mc:Choice xmlns:a14="http://schemas.microsoft.com/office/drawing/2010/main" Requires="a14">
+          <p:sp>
+            <p:nvSpPr>
+              <p:cNvPr id="5" name="TextBox 4"/>
+              <p:cNvSpPr txBox="1"/>
+              <p:nvPr/>
+            </p:nvSpPr>
+            <p:spPr>
+              <a:xfrm>
+                <a:off x="5576552" y="4893972"/>
+                <a:ext cx="5579128" cy="923330"/>
+              </a:xfrm>
+              <a:prstGeom prst="rect">
+                <a:avLst/>
+              </a:prstGeom>
+              <a:noFill/>
+            </p:spPr>
+            <p:txBody>
+              <a:bodyPr wrap="square" rtlCol="0">
+                <a:spAutoFit/>
+              </a:bodyPr>
+              <a:lstStyle/>
+              <a:p>
+                <a14:m>
+                  <m:oMath xmlns:m="http://schemas.openxmlformats.org/officeDocument/2006/math">
+                    <m:sSub>
+                      <m:sSubPr>
+                        <m:ctrlPr>
+                          <a:rPr lang="en-US" i="1" smtClean="0">
+                            <a:solidFill>
+                              <a:schemeClr val="tx1">
+                                <a:lumMod val="75000"/>
+                                <a:lumOff val="25000"/>
+                              </a:schemeClr>
+                            </a:solidFill>
+                            <a:latin typeface="Cambria Math" panose="02040503050406030204" pitchFamily="18" charset="0"/>
+                          </a:rPr>
+                        </m:ctrlPr>
+                      </m:sSubPr>
+                      <m:e>
+                        <m:r>
+                          <a:rPr lang="pt-BR" b="0" i="1" smtClean="0">
+                            <a:solidFill>
+                              <a:schemeClr val="tx1">
+                                <a:lumMod val="75000"/>
+                                <a:lumOff val="25000"/>
+                              </a:schemeClr>
+                            </a:solidFill>
+                            <a:latin typeface="Cambria Math" panose="02040503050406030204" pitchFamily="18" charset="0"/>
+                          </a:rPr>
+                          <m:t>𝑁</m:t>
+                        </m:r>
+                      </m:e>
+                      <m:sub>
+                        <m:r>
+                          <a:rPr lang="pt-BR" b="0" i="1" smtClean="0">
+                            <a:solidFill>
+                              <a:schemeClr val="tx1">
+                                <a:lumMod val="75000"/>
+                                <a:lumOff val="25000"/>
+                              </a:schemeClr>
+                            </a:solidFill>
+                            <a:latin typeface="Cambria Math" panose="02040503050406030204" pitchFamily="18" charset="0"/>
+                          </a:rPr>
+                          <m:t>𝐶</m:t>
+                        </m:r>
+                      </m:sub>
+                    </m:sSub>
+                  </m:oMath>
+                </a14:m>
+                <a:r>
+                  <a:rPr lang="en-US" dirty="0" smtClean="0">
+                    <a:solidFill>
+                      <a:schemeClr val="tx1">
+                        <a:lumMod val="75000"/>
+                        <a:lumOff val="25000"/>
+                      </a:schemeClr>
+                    </a:solidFill>
+                  </a:rPr>
+                  <a:t> : </a:t>
+                </a:r>
+                <a:r>
+                  <a:rPr lang="en-US" dirty="0" err="1" smtClean="0">
+                    <a:solidFill>
+                      <a:schemeClr val="tx1">
+                        <a:lumMod val="75000"/>
+                        <a:lumOff val="25000"/>
+                      </a:schemeClr>
+                    </a:solidFill>
+                  </a:rPr>
+                  <a:t>ciclos</a:t>
+                </a:r>
+                <a:r>
+                  <a:rPr lang="en-US" dirty="0" smtClean="0">
+                    <a:solidFill>
+                      <a:schemeClr val="tx1">
+                        <a:lumMod val="75000"/>
+                        <a:lumOff val="25000"/>
+                      </a:schemeClr>
+                    </a:solidFill>
+                  </a:rPr>
+                  <a:t> </a:t>
+                </a:r>
+                <a:r>
+                  <a:rPr lang="en-US" dirty="0" err="1" smtClean="0">
+                    <a:solidFill>
+                      <a:schemeClr val="tx1">
+                        <a:lumMod val="75000"/>
+                        <a:lumOff val="25000"/>
+                      </a:schemeClr>
+                    </a:solidFill>
+                  </a:rPr>
+                  <a:t>em</a:t>
+                </a:r>
+                <a:r>
+                  <a:rPr lang="en-US" dirty="0" smtClean="0">
+                    <a:solidFill>
+                      <a:schemeClr val="tx1">
+                        <a:lumMod val="75000"/>
+                        <a:lumOff val="25000"/>
+                      </a:schemeClr>
+                    </a:solidFill>
+                  </a:rPr>
+                  <a:t> </a:t>
+                </a:r>
+                <a:r>
+                  <a:rPr lang="en-US" dirty="0" err="1" smtClean="0">
+                    <a:solidFill>
+                      <a:schemeClr val="tx1">
+                        <a:lumMod val="75000"/>
+                        <a:lumOff val="25000"/>
+                      </a:schemeClr>
+                    </a:solidFill>
+                  </a:rPr>
+                  <a:t>colisão</a:t>
+                </a:r>
+                <a:r>
+                  <a:rPr lang="en-US" dirty="0" smtClean="0">
+                    <a:solidFill>
+                      <a:schemeClr val="tx1">
+                        <a:lumMod val="75000"/>
+                        <a:lumOff val="25000"/>
+                      </a:schemeClr>
+                    </a:solidFill>
+                  </a:rPr>
+                  <a:t> </a:t>
+                </a:r>
+              </a:p>
+              <a:p>
+                <a14:m>
+                  <m:oMath xmlns:m="http://schemas.openxmlformats.org/officeDocument/2006/math">
+                    <m:sSub>
+                      <m:sSubPr>
+                        <m:ctrlPr>
+                          <a:rPr lang="en-US" i="1" smtClean="0">
+                            <a:solidFill>
+                              <a:schemeClr val="tx1">
+                                <a:lumMod val="75000"/>
+                                <a:lumOff val="25000"/>
+                              </a:schemeClr>
+                            </a:solidFill>
+                            <a:latin typeface="Cambria Math" panose="02040503050406030204" pitchFamily="18" charset="0"/>
+                          </a:rPr>
+                        </m:ctrlPr>
+                      </m:sSubPr>
+                      <m:e>
+                        <m:r>
+                          <a:rPr lang="pt-BR" b="0" i="1" smtClean="0">
+                            <a:solidFill>
+                              <a:schemeClr val="tx1">
+                                <a:lumMod val="75000"/>
+                                <a:lumOff val="25000"/>
+                              </a:schemeClr>
+                            </a:solidFill>
+                            <a:latin typeface="Cambria Math" panose="02040503050406030204" pitchFamily="18" charset="0"/>
+                          </a:rPr>
+                          <m:t>𝑁</m:t>
+                        </m:r>
+                      </m:e>
+                      <m:sub>
+                        <m:r>
+                          <a:rPr lang="pt-BR" b="0" i="1" smtClean="0">
+                            <a:solidFill>
+                              <a:schemeClr val="tx1">
+                                <a:lumMod val="75000"/>
+                                <a:lumOff val="25000"/>
+                              </a:schemeClr>
+                            </a:solidFill>
+                            <a:latin typeface="Cambria Math" panose="02040503050406030204" pitchFamily="18" charset="0"/>
+                          </a:rPr>
+                          <m:t>𝐼</m:t>
+                        </m:r>
+                      </m:sub>
+                    </m:sSub>
+                  </m:oMath>
+                </a14:m>
+                <a:r>
+                  <a:rPr lang="en-US" dirty="0" smtClean="0">
+                    <a:solidFill>
+                      <a:schemeClr val="tx1">
+                        <a:lumMod val="75000"/>
+                        <a:lumOff val="25000"/>
+                      </a:schemeClr>
+                    </a:solidFill>
+                  </a:rPr>
+                  <a:t> : </a:t>
+                </a:r>
+                <a:r>
+                  <a:rPr lang="en-US" dirty="0" err="1" smtClean="0">
+                    <a:solidFill>
+                      <a:schemeClr val="tx1">
+                        <a:lumMod val="75000"/>
+                        <a:lumOff val="25000"/>
+                      </a:schemeClr>
+                    </a:solidFill>
+                  </a:rPr>
+                  <a:t>ciclos</a:t>
+                </a:r>
+                <a:r>
+                  <a:rPr lang="en-US" dirty="0" smtClean="0">
+                    <a:solidFill>
+                      <a:schemeClr val="tx1">
+                        <a:lumMod val="75000"/>
+                        <a:lumOff val="25000"/>
+                      </a:schemeClr>
+                    </a:solidFill>
+                  </a:rPr>
+                  <a:t> </a:t>
+                </a:r>
+                <a:r>
+                  <a:rPr lang="en-US" dirty="0" err="1" smtClean="0">
+                    <a:solidFill>
+                      <a:schemeClr val="tx1">
+                        <a:lumMod val="75000"/>
+                        <a:lumOff val="25000"/>
+                      </a:schemeClr>
+                    </a:solidFill>
+                  </a:rPr>
+                  <a:t>ociosos</a:t>
+                </a:r>
+                <a:endParaRPr lang="en-US" dirty="0" smtClean="0">
+                  <a:solidFill>
+                    <a:schemeClr val="tx1">
+                      <a:lumMod val="75000"/>
+                      <a:lumOff val="25000"/>
+                    </a:schemeClr>
+                  </a:solidFill>
+                </a:endParaRPr>
+              </a:p>
+              <a:p>
+                <a14:m>
+                  <m:oMath xmlns:m="http://schemas.openxmlformats.org/officeDocument/2006/math">
+                    <m:sSub>
+                      <m:sSubPr>
+                        <m:ctrlPr>
+                          <a:rPr lang="en-US" i="1">
+                            <a:solidFill>
+                              <a:schemeClr val="tx1">
+                                <a:lumMod val="75000"/>
+                                <a:lumOff val="25000"/>
+                              </a:schemeClr>
+                            </a:solidFill>
+                            <a:latin typeface="Cambria Math" panose="02040503050406030204" pitchFamily="18" charset="0"/>
+                          </a:rPr>
+                        </m:ctrlPr>
+                      </m:sSubPr>
+                      <m:e>
+                        <m:r>
+                          <a:rPr lang="pt-BR" i="1">
+                            <a:solidFill>
+                              <a:schemeClr val="tx1">
+                                <a:lumMod val="75000"/>
+                                <a:lumOff val="25000"/>
+                              </a:schemeClr>
+                            </a:solidFill>
+                            <a:latin typeface="Cambria Math" panose="02040503050406030204" pitchFamily="18" charset="0"/>
+                          </a:rPr>
+                          <m:t>𝑁</m:t>
+                        </m:r>
+                      </m:e>
+                      <m:sub>
+                        <m:r>
+                          <a:rPr lang="pt-BR" b="0" i="1" smtClean="0">
+                            <a:solidFill>
+                              <a:schemeClr val="tx1">
+                                <a:lumMod val="75000"/>
+                                <a:lumOff val="25000"/>
+                              </a:schemeClr>
+                            </a:solidFill>
+                            <a:latin typeface="Cambria Math" panose="02040503050406030204" pitchFamily="18" charset="0"/>
+                          </a:rPr>
+                          <m:t>𝑇</m:t>
+                        </m:r>
+                      </m:sub>
+                    </m:sSub>
+                  </m:oMath>
+                </a14:m>
+                <a:r>
+                  <a:rPr lang="en-US" dirty="0" smtClean="0">
+                    <a:solidFill>
+                      <a:schemeClr val="tx1">
+                        <a:lumMod val="75000"/>
+                        <a:lumOff val="25000"/>
+                      </a:schemeClr>
+                    </a:solidFill>
+                  </a:rPr>
+                  <a:t> : </a:t>
+                </a:r>
+                <a:r>
+                  <a:rPr lang="en-US" dirty="0" err="1" smtClean="0">
+                    <a:solidFill>
+                      <a:schemeClr val="tx1">
+                        <a:lumMod val="75000"/>
+                        <a:lumOff val="25000"/>
+                      </a:schemeClr>
+                    </a:solidFill>
+                  </a:rPr>
+                  <a:t>ciclos</a:t>
+                </a:r>
+                <a:r>
+                  <a:rPr lang="en-US" dirty="0" smtClean="0">
+                    <a:solidFill>
+                      <a:schemeClr val="tx1">
+                        <a:lumMod val="75000"/>
+                        <a:lumOff val="25000"/>
+                      </a:schemeClr>
+                    </a:solidFill>
+                  </a:rPr>
+                  <a:t> </a:t>
+                </a:r>
+                <a:r>
+                  <a:rPr lang="en-US" dirty="0" err="1" smtClean="0">
+                    <a:solidFill>
+                      <a:schemeClr val="tx1">
+                        <a:lumMod val="75000"/>
+                        <a:lumOff val="25000"/>
+                      </a:schemeClr>
+                    </a:solidFill>
+                  </a:rPr>
+                  <a:t>totais</a:t>
+                </a:r>
+                <a:endParaRPr lang="en-US" dirty="0">
+                  <a:solidFill>
+                    <a:schemeClr val="tx1">
+                      <a:lumMod val="75000"/>
+                      <a:lumOff val="25000"/>
+                    </a:schemeClr>
+                  </a:solidFill>
+                </a:endParaRPr>
+              </a:p>
+            </p:txBody>
+          </p:sp>
+        </mc:Choice>
+        <mc:Fallback>
+          <p:sp>
+            <p:nvSpPr>
+              <p:cNvPr id="5" name="TextBox 4"/>
+              <p:cNvSpPr txBox="1">
+                <a:spLocks noRot="1" noChangeAspect="1" noMove="1" noResize="1" noEditPoints="1" noAdjustHandles="1" noChangeArrowheads="1" noChangeShapeType="1" noTextEdit="1"/>
+              </p:cNvSpPr>
+              <p:nvPr/>
+            </p:nvSpPr>
+            <p:spPr>
+              <a:xfrm>
+                <a:off x="5576552" y="4893972"/>
+                <a:ext cx="5579128" cy="923330"/>
+              </a:xfrm>
+              <a:prstGeom prst="rect">
+                <a:avLst/>
+              </a:prstGeom>
+              <a:blipFill rotWithShape="0">
+                <a:blip r:embed="rId3"/>
+                <a:stretch>
+                  <a:fillRect t="-3974" b="-9934"/>
+                </a:stretch>
+              </a:blipFill>
+            </p:spPr>
+            <p:txBody>
+              <a:bodyPr/>
+              <a:lstStyle/>
+              <a:p>
+                <a:r>
+                  <a:rPr lang="en-US">
+                    <a:noFill/>
+                  </a:rPr>
+                  <a:t> </a:t>
+                </a:r>
+              </a:p>
+            </p:txBody>
+          </p:sp>
+        </mc:Fallback>
+      </mc:AlternateContent>
+    </p:spTree>
+    <p:extLst>
+      <p:ext uri="{BB962C8B-B14F-4D97-AF65-F5344CB8AC3E}">
+        <p14:creationId xmlns:p14="http://schemas.microsoft.com/office/powerpoint/2010/main" val="365928407"/>
+      </p:ext>
+    </p:extLst>
+  </p:cSld>
+  <p:clrMapOvr>
+    <a:masterClrMapping/>
+  </p:clrMapOvr>
+  <p:timing>
+    <p:tnLst>
+      <p:par>
+        <p:cTn id="1" dur="indefinite" restart="never" nodeType="tmRoot"/>
+      </p:par>
+    </p:tnLst>
+  </p:timing>
+</p:sld>
+</file>
+
+<file path=ppt/slides/slide28.xml><?xml version="1.0" encoding="utf-8"?>
+<p:sld xmlns:a="http://schemas.openxmlformats.org/drawingml/2006/main" xmlns:r="http://schemas.openxmlformats.org/officeDocument/2006/relationships" xmlns:p="http://schemas.openxmlformats.org/presentationml/2006/main">
+  <p:cSld>
+    <p:spTree>
+      <p:nvGrpSpPr>
+        <p:cNvPr id="1" name=""/>
+        <p:cNvGrpSpPr/>
+        <p:nvPr/>
+      </p:nvGrpSpPr>
+      <p:grpSpPr>
+        <a:xfrm>
+          <a:off x="0" y="0"/>
+          <a:ext cx="0" cy="0"/>
+          <a:chOff x="0" y="0"/>
+          <a:chExt cx="0" cy="0"/>
+        </a:xfrm>
+      </p:grpSpPr>
+      <p:sp>
+        <p:nvSpPr>
+          <p:cNvPr id="2" name="Title 1"/>
+          <p:cNvSpPr>
+            <a:spLocks noGrp="1"/>
+          </p:cNvSpPr>
+          <p:nvPr>
+            <p:ph type="title"/>
+          </p:nvPr>
+        </p:nvSpPr>
+        <p:spPr/>
+        <p:txBody>
+          <a:bodyPr/>
+          <a:lstStyle/>
+          <a:p>
+            <a:r>
+              <a:rPr lang="pt-BR" dirty="0" smtClean="0"/>
               <a:t>Conclusão</a:t>
+            </a:r>
+            <a:endParaRPr lang="en-US" dirty="0"/>
+          </a:p>
+        </p:txBody>
+      </p:sp>
+      <p:sp>
+        <p:nvSpPr>
+          <p:cNvPr id="3" name="Content Placeholder 2"/>
+          <p:cNvSpPr>
+            <a:spLocks noGrp="1"/>
+          </p:cNvSpPr>
+          <p:nvPr>
+            <p:ph idx="1"/>
+          </p:nvPr>
+        </p:nvSpPr>
+        <p:spPr/>
+        <p:txBody>
+          <a:bodyPr>
+            <a:normAutofit/>
+          </a:bodyPr>
+          <a:lstStyle/>
+          <a:p>
+            <a:r>
+              <a:rPr lang="pt-BR" sz="2800" dirty="0" smtClean="0"/>
+              <a:t>Como esperado, </a:t>
+            </a:r>
+          </a:p>
+          <a:p>
+            <a:pPr lvl="1"/>
+            <a:r>
+              <a:rPr lang="pt-BR" sz="2400" dirty="0" smtClean="0"/>
+              <a:t>BATQ teve o melhor desempenho no experimento 1;</a:t>
+            </a:r>
+          </a:p>
+          <a:p>
+            <a:pPr lvl="1"/>
+            <a:r>
+              <a:rPr lang="pt-BR" sz="2400" dirty="0" smtClean="0"/>
+              <a:t>MATQ teve o melhor desempenho no experimento 2.</a:t>
+            </a:r>
+            <a:endParaRPr lang="en-US" sz="2400" dirty="0"/>
+          </a:p>
+        </p:txBody>
+      </p:sp>
+    </p:spTree>
+    <p:extLst>
+      <p:ext uri="{BB962C8B-B14F-4D97-AF65-F5344CB8AC3E}">
+        <p14:creationId xmlns:p14="http://schemas.microsoft.com/office/powerpoint/2010/main" val="4138466480"/>
+      </p:ext>
+    </p:extLst>
+  </p:cSld>
+  <p:clrMapOvr>
+    <a:masterClrMapping/>
+  </p:clrMapOvr>
+  <p:timing>
+    <p:tnLst>
+      <p:par>
+        <p:cTn id="1" dur="indefinite" restart="never" nodeType="tmRoot"/>
+      </p:par>
+    </p:tnLst>
+  </p:timing>
+</p:sld>
+</file>
+
+<file path=ppt/slides/slide29.xml><?xml version="1.0" encoding="utf-8"?>
+<p:sld xmlns:a="http://schemas.openxmlformats.org/drawingml/2006/main" xmlns:r="http://schemas.openxmlformats.org/officeDocument/2006/relationships" xmlns:p="http://schemas.openxmlformats.org/presentationml/2006/main">
+  <p:cSld>
+    <p:spTree>
+      <p:nvGrpSpPr>
+        <p:cNvPr id="1" name=""/>
+        <p:cNvGrpSpPr/>
+        <p:nvPr/>
+      </p:nvGrpSpPr>
+      <p:grpSpPr>
+        <a:xfrm>
+          <a:off x="0" y="0"/>
+          <a:ext cx="0" cy="0"/>
+          <a:chOff x="0" y="0"/>
+          <a:chExt cx="0" cy="0"/>
+        </a:xfrm>
+      </p:grpSpPr>
+      <p:sp>
+        <p:nvSpPr>
+          <p:cNvPr id="2" name="Title 1"/>
+          <p:cNvSpPr>
+            <a:spLocks noGrp="1"/>
+          </p:cNvSpPr>
+          <p:nvPr>
+            <p:ph type="title"/>
+          </p:nvPr>
+        </p:nvSpPr>
+        <p:spPr/>
+        <p:txBody>
+          <a:bodyPr/>
+          <a:lstStyle/>
+          <a:p>
+            <a:r>
+              <a:rPr lang="pt-BR" dirty="0" smtClean="0"/>
+              <a:t>Referências</a:t>
             </a:r>
             <a:endParaRPr lang="en-US" dirty="0"/>
           </a:p>
@@ -10815,14 +11961,77 @@
           <a:bodyPr/>
           <a:lstStyle/>
           <a:p>
-            <a:endParaRPr lang="en-US"/>
+            <a:pPr>
+              <a:buFont typeface="Arial" panose="020B0604020202020204" pitchFamily="34" charset="0"/>
+              <a:buChar char="•"/>
+            </a:pPr>
+            <a:r>
+              <a:rPr lang="en-US" dirty="0"/>
+              <a:t>Law, </a:t>
+            </a:r>
+            <a:r>
+              <a:rPr lang="en-US" dirty="0" err="1"/>
+              <a:t>Ching</a:t>
+            </a:r>
+            <a:r>
+              <a:rPr lang="en-US" dirty="0"/>
+              <a:t>, </a:t>
+            </a:r>
+            <a:r>
+              <a:rPr lang="en-US" dirty="0" err="1"/>
+              <a:t>Kayi</a:t>
+            </a:r>
+            <a:r>
+              <a:rPr lang="en-US" dirty="0"/>
+              <a:t> Lee, and Kai-Yeung Siu. "Efficient memoryless protocol for tag identification." </a:t>
+            </a:r>
+            <a:r>
+              <a:rPr lang="en-US" i="1" dirty="0"/>
+              <a:t>Proceedings of the 4th international workshop on Discrete algorithms and methods for mobile computing and communications</a:t>
+            </a:r>
+            <a:r>
+              <a:rPr lang="en-US" dirty="0"/>
+              <a:t>. ACM, 2000.</a:t>
+            </a:r>
+            <a:endParaRPr lang="en-US" dirty="0" smtClean="0"/>
+          </a:p>
+          <a:p>
+            <a:pPr>
+              <a:buFont typeface="Arial" panose="020B0604020202020204" pitchFamily="34" charset="0"/>
+              <a:buChar char="•"/>
+            </a:pPr>
+            <a:r>
+              <a:rPr lang="en-US" dirty="0" smtClean="0"/>
+              <a:t>Yang</a:t>
+            </a:r>
+            <a:r>
+              <a:rPr lang="en-US" dirty="0"/>
+              <a:t>, </a:t>
+            </a:r>
+            <a:r>
+              <a:rPr lang="en-US" dirty="0" err="1"/>
+              <a:t>Ching-Nung</a:t>
+            </a:r>
+            <a:r>
+              <a:rPr lang="en-US" dirty="0"/>
+              <a:t>, et al. "A new adaptive query tree on resolving RFID tag collision." </a:t>
+            </a:r>
+            <a:r>
+              <a:rPr lang="en-US" i="1" dirty="0"/>
+              <a:t>RFID-Technology and Applications (RFID-TA), 2010 IEEE International Conference on</a:t>
+            </a:r>
+            <a:r>
+              <a:rPr lang="en-US" dirty="0"/>
+              <a:t>. IEEE, 2010.</a:t>
+            </a:r>
+            <a:endParaRPr lang="en-US" dirty="0"/>
           </a:p>
         </p:txBody>
       </p:sp>
     </p:spTree>
     <p:extLst>
       <p:ext uri="{BB962C8B-B14F-4D97-AF65-F5344CB8AC3E}">
-        <p14:creationId xmlns:p14="http://schemas.microsoft.com/office/powerpoint/2010/main" val="4138466480"/>
+        <p14:creationId xmlns:p14="http://schemas.microsoft.com/office/powerpoint/2010/main" val="589218002"/>
       </p:ext>
     </p:extLst>
   </p:cSld>
